--- a/Lectures/Byte 3.pptx
+++ b/Lectures/Byte 3.pptx
@@ -244,7 +244,7 @@
           <a:p>
             <a:fld id="{D3AAB66F-B1B7-D045-B4E8-4F60236F228D}" type="datetimeFigureOut">
               <a:rPr lang="en-US" smtClean="0"/>
-              <a:t>2/3/14</a:t>
+              <a:t>2/7/14</a:t>
             </a:fld>
             <a:endParaRPr lang="en-US"/>
           </a:p>
@@ -410,7 +410,7 @@
           <a:p>
             <a:fld id="{BCCF8E76-06A6-164E-A6FA-EC32C13EB232}" type="datetimeFigureOut">
               <a:rPr lang="en-US" smtClean="0"/>
-              <a:t>2/3/14</a:t>
+              <a:t>2/7/14</a:t>
             </a:fld>
             <a:endParaRPr lang="en-US"/>
           </a:p>
@@ -723,6 +723,102 @@
           <a:bodyPr/>
           <a:lstStyle/>
           <a:p>
+            <a:endParaRPr lang="en-US"/>
+          </a:p>
+          <a:p>
+            <a:r>
+              <a:rPr lang="en-US"/>
+              <a:t>----- Meeting Notes (2/6/14 09:50) -----</a:t>
+            </a:r>
+          </a:p>
+          <a:p>
+            <a:r>
+              <a:rPr lang="en-US"/>
+              <a:t>missing body here</a:t>
+            </a:r>
+          </a:p>
+        </p:txBody>
+      </p:sp>
+      <p:sp>
+        <p:nvSpPr>
+          <p:cNvPr id="4" name="Slide Number Placeholder 3"/>
+          <p:cNvSpPr>
+            <a:spLocks noGrp="1"/>
+          </p:cNvSpPr>
+          <p:nvPr>
+            <p:ph type="sldNum" sz="quarter" idx="10"/>
+          </p:nvPr>
+        </p:nvSpPr>
+        <p:spPr/>
+        <p:txBody>
+          <a:bodyPr/>
+          <a:lstStyle/>
+          <a:p>
+            <a:fld id="{FD66F34B-9C4D-8640-BB34-4C24A79C9FFB}" type="slidenum">
+              <a:rPr lang="en-US" smtClean="0"/>
+              <a:t>4</a:t>
+            </a:fld>
+            <a:endParaRPr lang="en-US"/>
+          </a:p>
+        </p:txBody>
+      </p:sp>
+    </p:spTree>
+    <p:extLst>
+      <p:ext uri="{BB962C8B-B14F-4D97-AF65-F5344CB8AC3E}">
+        <p14:creationId xmlns:p14="http://schemas.microsoft.com/office/powerpoint/2010/main" val="3482399022"/>
+      </p:ext>
+    </p:extLst>
+  </p:cSld>
+  <p:clrMapOvr>
+    <a:masterClrMapping/>
+  </p:clrMapOvr>
+</p:notes>
+</file>
+
+<file path=ppt/notesSlides/notesSlide10.xml><?xml version="1.0" encoding="utf-8"?>
+<p:notes xmlns:a="http://schemas.openxmlformats.org/drawingml/2006/main" xmlns:r="http://schemas.openxmlformats.org/officeDocument/2006/relationships" xmlns:p="http://schemas.openxmlformats.org/presentationml/2006/main">
+  <p:cSld>
+    <p:spTree>
+      <p:nvGrpSpPr>
+        <p:cNvPr id="1" name=""/>
+        <p:cNvGrpSpPr/>
+        <p:nvPr/>
+      </p:nvGrpSpPr>
+      <p:grpSpPr>
+        <a:xfrm>
+          <a:off x="0" y="0"/>
+          <a:ext cx="0" cy="0"/>
+          <a:chOff x="0" y="0"/>
+          <a:chExt cx="0" cy="0"/>
+        </a:xfrm>
+      </p:grpSpPr>
+      <p:sp>
+        <p:nvSpPr>
+          <p:cNvPr id="2" name="Slide Image Placeholder 1"/>
+          <p:cNvSpPr>
+            <a:spLocks noGrp="1" noRot="1" noChangeAspect="1"/>
+          </p:cNvSpPr>
+          <p:nvPr>
+            <p:ph type="sldImg"/>
+          </p:nvPr>
+        </p:nvSpPr>
+        <p:spPr/>
+      </p:sp>
+      <p:sp>
+        <p:nvSpPr>
+          <p:cNvPr id="3" name="Notes Placeholder 2"/>
+          <p:cNvSpPr>
+            <a:spLocks noGrp="1"/>
+          </p:cNvSpPr>
+          <p:nvPr>
+            <p:ph type="body" idx="1"/>
+          </p:nvPr>
+        </p:nvSpPr>
+        <p:spPr/>
+        <p:txBody>
+          <a:bodyPr/>
+          <a:lstStyle/>
+          <a:p>
             <a:pPr marL="0" marR="0" indent="0" algn="l" defTabSz="457200" rtl="0" eaLnBrk="1" fontAlgn="auto" latinLnBrk="0" hangingPunct="1">
               <a:lnSpc>
                 <a:spcPct val="100000"/>
@@ -761,7 +857,209 @@
           <a:p>
             <a:fld id="{FD66F34B-9C4D-8640-BB34-4C24A79C9FFB}" type="slidenum">
               <a:rPr lang="en-US" smtClean="0"/>
-              <a:t>29</a:t>
+              <a:t>35</a:t>
+            </a:fld>
+            <a:endParaRPr lang="en-US"/>
+          </a:p>
+        </p:txBody>
+      </p:sp>
+    </p:spTree>
+    <p:extLst>
+      <p:ext uri="{BB962C8B-B14F-4D97-AF65-F5344CB8AC3E}">
+        <p14:creationId xmlns:p14="http://schemas.microsoft.com/office/powerpoint/2010/main" val="859244327"/>
+      </p:ext>
+    </p:extLst>
+  </p:cSld>
+  <p:clrMapOvr>
+    <a:masterClrMapping/>
+  </p:clrMapOvr>
+</p:notes>
+</file>
+
+<file path=ppt/notesSlides/notesSlide11.xml><?xml version="1.0" encoding="utf-8"?>
+<p:notes xmlns:a="http://schemas.openxmlformats.org/drawingml/2006/main" xmlns:r="http://schemas.openxmlformats.org/officeDocument/2006/relationships" xmlns:p="http://schemas.openxmlformats.org/presentationml/2006/main">
+  <p:cSld>
+    <p:spTree>
+      <p:nvGrpSpPr>
+        <p:cNvPr id="1" name=""/>
+        <p:cNvGrpSpPr/>
+        <p:nvPr/>
+      </p:nvGrpSpPr>
+      <p:grpSpPr>
+        <a:xfrm>
+          <a:off x="0" y="0"/>
+          <a:ext cx="0" cy="0"/>
+          <a:chOff x="0" y="0"/>
+          <a:chExt cx="0" cy="0"/>
+        </a:xfrm>
+      </p:grpSpPr>
+      <p:sp>
+        <p:nvSpPr>
+          <p:cNvPr id="2" name="Slide Image Placeholder 1"/>
+          <p:cNvSpPr>
+            <a:spLocks noGrp="1" noRot="1" noChangeAspect="1"/>
+          </p:cNvSpPr>
+          <p:nvPr>
+            <p:ph type="sldImg"/>
+          </p:nvPr>
+        </p:nvSpPr>
+        <p:spPr/>
+      </p:sp>
+      <p:sp>
+        <p:nvSpPr>
+          <p:cNvPr id="3" name="Notes Placeholder 2"/>
+          <p:cNvSpPr>
+            <a:spLocks noGrp="1"/>
+          </p:cNvSpPr>
+          <p:nvPr>
+            <p:ph type="body" idx="1"/>
+          </p:nvPr>
+        </p:nvSpPr>
+        <p:spPr/>
+        <p:txBody>
+          <a:bodyPr/>
+          <a:lstStyle/>
+          <a:p>
+            <a:pPr marL="0" marR="0" indent="0" algn="l" defTabSz="457200" rtl="0" eaLnBrk="1" fontAlgn="auto" latinLnBrk="0" hangingPunct="1">
+              <a:lnSpc>
+                <a:spcPct val="100000"/>
+              </a:lnSpc>
+              <a:spcBef>
+                <a:spcPts val="0"/>
+              </a:spcBef>
+              <a:spcAft>
+                <a:spcPts val="0"/>
+              </a:spcAft>
+              <a:buClrTx/>
+              <a:buSzTx/>
+              <a:buFontTx/>
+              <a:buNone/>
+              <a:tabLst/>
+              <a:defRPr/>
+            </a:pPr>
+            <a:endParaRPr lang="en-US" dirty="0"/>
+          </a:p>
+        </p:txBody>
+      </p:sp>
+      <p:sp>
+        <p:nvSpPr>
+          <p:cNvPr id="4" name="Slide Number Placeholder 3"/>
+          <p:cNvSpPr>
+            <a:spLocks noGrp="1"/>
+          </p:cNvSpPr>
+          <p:nvPr>
+            <p:ph type="sldNum" sz="quarter" idx="10"/>
+          </p:nvPr>
+        </p:nvSpPr>
+        <p:spPr/>
+        <p:txBody>
+          <a:bodyPr/>
+          <a:lstStyle/>
+          <a:p>
+            <a:fld id="{FD66F34B-9C4D-8640-BB34-4C24A79C9FFB}" type="slidenum">
+              <a:rPr lang="en-US" smtClean="0"/>
+              <a:t>36</a:t>
+            </a:fld>
+            <a:endParaRPr lang="en-US"/>
+          </a:p>
+        </p:txBody>
+      </p:sp>
+    </p:spTree>
+    <p:extLst>
+      <p:ext uri="{BB962C8B-B14F-4D97-AF65-F5344CB8AC3E}">
+        <p14:creationId xmlns:p14="http://schemas.microsoft.com/office/powerpoint/2010/main" val="859244327"/>
+      </p:ext>
+    </p:extLst>
+  </p:cSld>
+  <p:clrMapOvr>
+    <a:masterClrMapping/>
+  </p:clrMapOvr>
+</p:notes>
+</file>
+
+<file path=ppt/notesSlides/notesSlide12.xml><?xml version="1.0" encoding="utf-8"?>
+<p:notes xmlns:a="http://schemas.openxmlformats.org/drawingml/2006/main" xmlns:r="http://schemas.openxmlformats.org/officeDocument/2006/relationships" xmlns:p="http://schemas.openxmlformats.org/presentationml/2006/main">
+  <p:cSld>
+    <p:spTree>
+      <p:nvGrpSpPr>
+        <p:cNvPr id="1" name=""/>
+        <p:cNvGrpSpPr/>
+        <p:nvPr/>
+      </p:nvGrpSpPr>
+      <p:grpSpPr>
+        <a:xfrm>
+          <a:off x="0" y="0"/>
+          <a:ext cx="0" cy="0"/>
+          <a:chOff x="0" y="0"/>
+          <a:chExt cx="0" cy="0"/>
+        </a:xfrm>
+      </p:grpSpPr>
+      <p:sp>
+        <p:nvSpPr>
+          <p:cNvPr id="2" name="Slide Image Placeholder 1"/>
+          <p:cNvSpPr>
+            <a:spLocks noGrp="1" noRot="1" noChangeAspect="1"/>
+          </p:cNvSpPr>
+          <p:nvPr>
+            <p:ph type="sldImg"/>
+          </p:nvPr>
+        </p:nvSpPr>
+        <p:spPr/>
+      </p:sp>
+      <p:sp>
+        <p:nvSpPr>
+          <p:cNvPr id="3" name="Notes Placeholder 2"/>
+          <p:cNvSpPr>
+            <a:spLocks noGrp="1"/>
+          </p:cNvSpPr>
+          <p:nvPr>
+            <p:ph type="body" idx="1"/>
+          </p:nvPr>
+        </p:nvSpPr>
+        <p:spPr/>
+        <p:txBody>
+          <a:bodyPr/>
+          <a:lstStyle/>
+          <a:p>
+            <a:pPr marL="0" marR="0" indent="0" algn="l" defTabSz="457200" rtl="0" eaLnBrk="1" fontAlgn="auto" latinLnBrk="0" hangingPunct="1">
+              <a:lnSpc>
+                <a:spcPct val="100000"/>
+              </a:lnSpc>
+              <a:spcBef>
+                <a:spcPts val="0"/>
+              </a:spcBef>
+              <a:spcAft>
+                <a:spcPts val="0"/>
+              </a:spcAft>
+              <a:buClrTx/>
+              <a:buSzTx/>
+              <a:buFontTx/>
+              <a:buNone/>
+              <a:tabLst/>
+              <a:defRPr/>
+            </a:pPr>
+            <a:endParaRPr lang="en-US" dirty="0"/>
+          </a:p>
+        </p:txBody>
+      </p:sp>
+      <p:sp>
+        <p:nvSpPr>
+          <p:cNvPr id="4" name="Slide Number Placeholder 3"/>
+          <p:cNvSpPr>
+            <a:spLocks noGrp="1"/>
+          </p:cNvSpPr>
+          <p:nvPr>
+            <p:ph type="sldNum" sz="quarter" idx="10"/>
+          </p:nvPr>
+        </p:nvSpPr>
+        <p:spPr/>
+        <p:txBody>
+          <a:bodyPr/>
+          <a:lstStyle/>
+          <a:p>
+            <a:fld id="{FD66F34B-9C4D-8640-BB34-4C24A79C9FFB}" type="slidenum">
+              <a:rPr lang="en-US" smtClean="0"/>
+              <a:t>37</a:t>
             </a:fld>
             <a:endParaRPr lang="en-US"/>
           </a:p>
@@ -824,24 +1122,19 @@
           <a:bodyPr/>
           <a:lstStyle/>
           <a:p>
-            <a:pPr marL="0" marR="0" indent="0" algn="l" defTabSz="457200" rtl="0" eaLnBrk="1" fontAlgn="auto" latinLnBrk="0" hangingPunct="1">
-              <a:lnSpc>
-                <a:spcPct val="100000"/>
-              </a:lnSpc>
-              <a:spcBef>
-                <a:spcPts val="0"/>
-              </a:spcBef>
-              <a:spcAft>
-                <a:spcPts val="0"/>
-              </a:spcAft>
-              <a:buClrTx/>
-              <a:buSzTx/>
-              <a:buFontTx/>
-              <a:buNone/>
-              <a:tabLst/>
-              <a:defRPr/>
-            </a:pPr>
-            <a:endParaRPr lang="en-US" dirty="0"/>
+            <a:endParaRPr lang="en-US"/>
+          </a:p>
+          <a:p>
+            <a:r>
+              <a:rPr lang="en-US"/>
+              <a:t>----- Meeting Notes (2/6/14 09:50) -----</a:t>
+            </a:r>
+          </a:p>
+          <a:p>
+            <a:r>
+              <a:rPr lang="en-US"/>
+              <a:t>change x to x_scale</a:t>
+            </a:r>
           </a:p>
         </p:txBody>
       </p:sp>
@@ -862,7 +1155,7 @@
           <a:p>
             <a:fld id="{FD66F34B-9C4D-8640-BB34-4C24A79C9FFB}" type="slidenum">
               <a:rPr lang="en-US" smtClean="0"/>
-              <a:t>30</a:t>
+              <a:t>12</a:t>
             </a:fld>
             <a:endParaRPr lang="en-US"/>
           </a:p>
@@ -871,7 +1164,7 @@
     </p:spTree>
     <p:extLst>
       <p:ext uri="{BB962C8B-B14F-4D97-AF65-F5344CB8AC3E}">
-        <p14:creationId xmlns:p14="http://schemas.microsoft.com/office/powerpoint/2010/main" val="859244327"/>
+        <p14:creationId xmlns:p14="http://schemas.microsoft.com/office/powerpoint/2010/main" val="2655607328"/>
       </p:ext>
     </p:extLst>
   </p:cSld>
@@ -925,24 +1218,19 @@
           <a:bodyPr/>
           <a:lstStyle/>
           <a:p>
-            <a:pPr marL="0" marR="0" indent="0" algn="l" defTabSz="457200" rtl="0" eaLnBrk="1" fontAlgn="auto" latinLnBrk="0" hangingPunct="1">
-              <a:lnSpc>
-                <a:spcPct val="100000"/>
-              </a:lnSpc>
-              <a:spcBef>
-                <a:spcPts val="0"/>
-              </a:spcBef>
-              <a:spcAft>
-                <a:spcPts val="0"/>
-              </a:spcAft>
-              <a:buClrTx/>
-              <a:buSzTx/>
-              <a:buFontTx/>
-              <a:buNone/>
-              <a:tabLst/>
-              <a:defRPr/>
-            </a:pPr>
-            <a:endParaRPr lang="en-US" dirty="0"/>
+            <a:endParaRPr lang="en-US"/>
+          </a:p>
+          <a:p>
+            <a:r>
+              <a:rPr lang="en-US"/>
+              <a:t>----- Meeting Notes (2/6/14 09:50) -----</a:t>
+            </a:r>
+          </a:p>
+          <a:p>
+            <a:r>
+              <a:rPr lang="en-US"/>
+              <a:t>change d.x to d.y in the second case </a:t>
+            </a:r>
           </a:p>
         </p:txBody>
       </p:sp>
@@ -963,7 +1251,7 @@
           <a:p>
             <a:fld id="{FD66F34B-9C4D-8640-BB34-4C24A79C9FFB}" type="slidenum">
               <a:rPr lang="en-US" smtClean="0"/>
-              <a:t>31</a:t>
+              <a:t>27</a:t>
             </a:fld>
             <a:endParaRPr lang="en-US"/>
           </a:p>
@@ -972,7 +1260,7 @@
     </p:spTree>
     <p:extLst>
       <p:ext uri="{BB962C8B-B14F-4D97-AF65-F5344CB8AC3E}">
-        <p14:creationId xmlns:p14="http://schemas.microsoft.com/office/powerpoint/2010/main" val="859244327"/>
+        <p14:creationId xmlns:p14="http://schemas.microsoft.com/office/powerpoint/2010/main" val="2661094606"/>
       </p:ext>
     </p:extLst>
   </p:cSld>
@@ -1064,7 +1352,7 @@
           <a:p>
             <a:fld id="{FD66F34B-9C4D-8640-BB34-4C24A79C9FFB}" type="slidenum">
               <a:rPr lang="en-US" smtClean="0"/>
-              <a:t>32</a:t>
+              <a:t>29</a:t>
             </a:fld>
             <a:endParaRPr lang="en-US"/>
           </a:p>
@@ -1165,7 +1453,7 @@
           <a:p>
             <a:fld id="{FD66F34B-9C4D-8640-BB34-4C24A79C9FFB}" type="slidenum">
               <a:rPr lang="en-US" smtClean="0"/>
-              <a:t>33</a:t>
+              <a:t>30</a:t>
             </a:fld>
             <a:endParaRPr lang="en-US"/>
           </a:p>
@@ -1245,73 +1533,7 @@
               <a:tabLst/>
               <a:defRPr/>
             </a:pPr>
-            <a:r>
-              <a:rPr lang="en-US" dirty="0" smtClean="0"/>
-              <a:t> // we add a new array (</a:t>
-            </a:r>
-            <a:r>
-              <a:rPr lang="en-US" dirty="0" err="1" smtClean="0"/>
-              <a:t>d.outcomes</a:t>
-            </a:r>
-            <a:r>
-              <a:rPr lang="en-US" dirty="0" smtClean="0"/>
-              <a:t>) with information about every sub-bar's </a:t>
-            </a:r>
-          </a:p>
-          <a:p>
-            <a:pPr marL="0" indent="0">
-              <a:buNone/>
-            </a:pPr>
-            <a:r>
-              <a:rPr lang="en-US" sz="1200" dirty="0" smtClean="0"/>
-              <a:t>// y0 and y1 position for that age; and a new value (</a:t>
-            </a:r>
-            <a:r>
-              <a:rPr lang="en-US" sz="1200" dirty="0" err="1" smtClean="0"/>
-              <a:t>d.total</a:t>
-            </a:r>
-            <a:r>
-              <a:rPr lang="en-US" sz="1200" dirty="0" smtClean="0"/>
-              <a:t>) with </a:t>
-            </a:r>
-          </a:p>
-          <a:p>
-            <a:pPr marL="0" indent="0">
-              <a:buNone/>
-            </a:pPr>
-            <a:r>
-              <a:rPr lang="en-US" sz="1200" dirty="0" smtClean="0"/>
-              <a:t>       // information about the total height of the stacked bar</a:t>
-            </a:r>
-          </a:p>
-          <a:p>
-            <a:pPr marL="0" indent="0">
-              <a:buNone/>
-            </a:pPr>
-            <a:endParaRPr lang="en-US" sz="1200" dirty="0" smtClean="0"/>
-          </a:p>
-          <a:p>
-            <a:pPr marL="0" indent="0">
-              <a:buNone/>
-            </a:pPr>
-            <a:r>
-              <a:rPr lang="en-US" sz="1200" dirty="0" smtClean="0"/>
-              <a:t> // y labels. This runs function(name) once for each y label (name is the current label)</a:t>
-            </a:r>
-          </a:p>
-          <a:p>
-            <a:pPr marL="0" indent="0">
-              <a:buNone/>
-            </a:pPr>
-            <a:r>
-              <a:rPr lang="en-US" sz="1200" dirty="0" smtClean="0"/>
-              <a:t>         // and stores each resulting dictionary in the array </a:t>
-            </a:r>
-            <a:r>
-              <a:rPr lang="en-US" sz="1200" smtClean="0"/>
-              <a:t>d.outcomes</a:t>
-            </a:r>
-            <a:endParaRPr lang="en-US"/>
+            <a:endParaRPr lang="en-US" dirty="0"/>
           </a:p>
         </p:txBody>
       </p:sp>
@@ -1332,7 +1554,7 @@
           <a:p>
             <a:fld id="{FD66F34B-9C4D-8640-BB34-4C24A79C9FFB}" type="slidenum">
               <a:rPr lang="en-US" smtClean="0"/>
-              <a:t>34</a:t>
+              <a:t>31</a:t>
             </a:fld>
             <a:endParaRPr lang="en-US"/>
           </a:p>
@@ -1433,7 +1655,7 @@
           <a:p>
             <a:fld id="{FD66F34B-9C4D-8640-BB34-4C24A79C9FFB}" type="slidenum">
               <a:rPr lang="en-US" smtClean="0"/>
-              <a:t>35</a:t>
+              <a:t>32</a:t>
             </a:fld>
             <a:endParaRPr lang="en-US"/>
           </a:p>
@@ -1534,7 +1756,7 @@
           <a:p>
             <a:fld id="{FD66F34B-9C4D-8640-BB34-4C24A79C9FFB}" type="slidenum">
               <a:rPr lang="en-US" smtClean="0"/>
-              <a:t>36</a:t>
+              <a:t>33</a:t>
             </a:fld>
             <a:endParaRPr lang="en-US"/>
           </a:p>
@@ -1614,7 +1836,73 @@
               <a:tabLst/>
               <a:defRPr/>
             </a:pPr>
-            <a:endParaRPr lang="en-US" dirty="0"/>
+            <a:r>
+              <a:rPr lang="en-US" dirty="0" smtClean="0"/>
+              <a:t> // we add a new array (</a:t>
+            </a:r>
+            <a:r>
+              <a:rPr lang="en-US" dirty="0" err="1" smtClean="0"/>
+              <a:t>d.outcomes</a:t>
+            </a:r>
+            <a:r>
+              <a:rPr lang="en-US" dirty="0" smtClean="0"/>
+              <a:t>) with information about every sub-bar's </a:t>
+            </a:r>
+          </a:p>
+          <a:p>
+            <a:pPr marL="0" indent="0">
+              <a:buNone/>
+            </a:pPr>
+            <a:r>
+              <a:rPr lang="en-US" sz="1200" dirty="0" smtClean="0"/>
+              <a:t>// y0 and y1 position for that age; and a new value (</a:t>
+            </a:r>
+            <a:r>
+              <a:rPr lang="en-US" sz="1200" dirty="0" err="1" smtClean="0"/>
+              <a:t>d.total</a:t>
+            </a:r>
+            <a:r>
+              <a:rPr lang="en-US" sz="1200" dirty="0" smtClean="0"/>
+              <a:t>) with </a:t>
+            </a:r>
+          </a:p>
+          <a:p>
+            <a:pPr marL="0" indent="0">
+              <a:buNone/>
+            </a:pPr>
+            <a:r>
+              <a:rPr lang="en-US" sz="1200" dirty="0" smtClean="0"/>
+              <a:t>       // information about the total height of the stacked bar</a:t>
+            </a:r>
+          </a:p>
+          <a:p>
+            <a:pPr marL="0" indent="0">
+              <a:buNone/>
+            </a:pPr>
+            <a:endParaRPr lang="en-US" sz="1200" dirty="0" smtClean="0"/>
+          </a:p>
+          <a:p>
+            <a:pPr marL="0" indent="0">
+              <a:buNone/>
+            </a:pPr>
+            <a:r>
+              <a:rPr lang="en-US" sz="1200" dirty="0" smtClean="0"/>
+              <a:t> // y labels. This runs function(name) once for each y label (name is the current label)</a:t>
+            </a:r>
+          </a:p>
+          <a:p>
+            <a:pPr marL="0" indent="0">
+              <a:buNone/>
+            </a:pPr>
+            <a:r>
+              <a:rPr lang="en-US" sz="1200" dirty="0" smtClean="0"/>
+              <a:t>         // and stores each resulting dictionary in the array </a:t>
+            </a:r>
+            <a:r>
+              <a:rPr lang="en-US" sz="1200" smtClean="0"/>
+              <a:t>d.outcomes</a:t>
+            </a:r>
+            <a:endParaRPr lang="en-US"/>
           </a:p>
         </p:txBody>
       </p:sp>
@@ -1635,7 +1923,7 @@
           <a:p>
             <a:fld id="{FD66F34B-9C4D-8640-BB34-4C24A79C9FFB}" type="slidenum">
               <a:rPr lang="en-US" smtClean="0"/>
-              <a:t>37</a:t>
+              <a:t>34</a:t>
             </a:fld>
             <a:endParaRPr lang="en-US"/>
           </a:p>
@@ -2171,7 +2459,7 @@
             <a:fld id="{FA3C144B-2939-9A49-B014-915EC3E81866}" type="datetime1">
               <a:rPr lang="en-US" smtClean="0"/>
               <a:pPr/>
-              <a:t>2/3/14</a:t>
+              <a:t>2/7/14</a:t>
             </a:fld>
             <a:endParaRPr lang="en-US" dirty="0"/>
           </a:p>
@@ -2600,7 +2888,7 @@
           <a:p>
             <a:fld id="{76838339-A875-5E45-AB3F-AAABD270346A}" type="datetime1">
               <a:rPr lang="en-US" smtClean="0"/>
-              <a:t>2/3/14</a:t>
+              <a:t>2/7/14</a:t>
             </a:fld>
             <a:endParaRPr lang="en-US"/>
           </a:p>
@@ -2886,7 +3174,7 @@
             <a:fld id="{FA3C144B-2939-9A49-B014-915EC3E81866}" type="datetime1">
               <a:rPr lang="en-US" smtClean="0"/>
               <a:pPr/>
-              <a:t>2/3/14</a:t>
+              <a:t>2/7/14</a:t>
             </a:fld>
             <a:endParaRPr lang="en-US" dirty="0"/>
           </a:p>
@@ -3368,7 +3656,7 @@
           <a:p>
             <a:fld id="{A73F672F-A5FB-5745-934A-1BF51CA5539C}" type="datetime1">
               <a:rPr lang="en-US" smtClean="0"/>
-              <a:t>2/3/14</a:t>
+              <a:t>2/7/14</a:t>
             </a:fld>
             <a:endParaRPr lang="en-US"/>
           </a:p>
@@ -3710,7 +3998,7 @@
             <a:fld id="{FA3C144B-2939-9A49-B014-915EC3E81866}" type="datetime1">
               <a:rPr lang="en-US" smtClean="0"/>
               <a:pPr/>
-              <a:t>2/3/14</a:t>
+              <a:t>2/7/14</a:t>
             </a:fld>
             <a:endParaRPr lang="en-US" dirty="0"/>
           </a:p>
@@ -4174,7 +4462,7 @@
           <a:p>
             <a:fld id="{6AFE6A63-5EBE-3E48-B0AE-DF655A1ECE76}" type="datetime1">
               <a:rPr lang="en-US" smtClean="0"/>
-              <a:t>2/3/14</a:t>
+              <a:t>2/7/14</a:t>
             </a:fld>
             <a:endParaRPr lang="en-US"/>
           </a:p>
@@ -4493,7 +4781,7 @@
           <a:p>
             <a:fld id="{4A019F0C-9D18-B54A-9AC9-18AA74EDB034}" type="datetime1">
               <a:rPr lang="en-US" smtClean="0"/>
-              <a:t>2/3/14</a:t>
+              <a:t>2/7/14</a:t>
             </a:fld>
             <a:endParaRPr lang="en-US"/>
           </a:p>
@@ -4803,7 +5091,7 @@
             <a:fld id="{FA3C144B-2939-9A49-B014-915EC3E81866}" type="datetime1">
               <a:rPr lang="en-US" smtClean="0"/>
               <a:pPr/>
-              <a:t>2/3/14</a:t>
+              <a:t>2/7/14</a:t>
             </a:fld>
             <a:endParaRPr lang="en-US" dirty="0"/>
           </a:p>
@@ -5066,7 +5354,7 @@
           <a:p>
             <a:fld id="{FA3C144B-2939-9A49-B014-915EC3E81866}" type="datetime1">
               <a:rPr lang="en-US" smtClean="0"/>
-              <a:t>2/3/14</a:t>
+              <a:t>2/7/14</a:t>
             </a:fld>
             <a:endParaRPr lang="en-US" dirty="0"/>
           </a:p>
@@ -5434,7 +5722,7 @@
           <a:p>
             <a:fld id="{7053BEFA-1175-F644-B249-7D41D72BD3FF}" type="datetime1">
               <a:rPr lang="en-US" smtClean="0"/>
-              <a:t>2/3/14</a:t>
+              <a:t>2/7/14</a:t>
             </a:fld>
             <a:endParaRPr lang="en-US"/>
           </a:p>
@@ -5553,7 +5841,7 @@
             <a:fld id="{FA3C144B-2939-9A49-B014-915EC3E81866}" type="datetime1">
               <a:rPr lang="en-US" smtClean="0"/>
               <a:pPr/>
-              <a:t>2/3/14</a:t>
+              <a:t>2/7/14</a:t>
             </a:fld>
             <a:endParaRPr lang="en-US" dirty="0"/>
           </a:p>
@@ -5770,7 +6058,7 @@
             <a:fld id="{FA3C144B-2939-9A49-B014-915EC3E81866}" type="datetime1">
               <a:rPr lang="en-US" smtClean="0"/>
               <a:pPr/>
-              <a:t>2/3/14</a:t>
+              <a:t>2/7/14</a:t>
             </a:fld>
             <a:endParaRPr lang="en-US" dirty="0"/>
           </a:p>
@@ -6015,7 +6303,7 @@
             <a:fld id="{FA3C144B-2939-9A49-B014-915EC3E81866}" type="datetime1">
               <a:rPr lang="en-US" smtClean="0"/>
               <a:pPr/>
-              <a:t>2/3/14</a:t>
+              <a:t>2/7/14</a:t>
             </a:fld>
             <a:endParaRPr lang="en-US" dirty="0"/>
           </a:p>
@@ -6393,7 +6681,7 @@
           <a:p>
             <a:fld id="{111EEF3B-ABF2-AA4E-9E24-0C6256942674}" type="datetime1">
               <a:rPr lang="en-US" smtClean="0"/>
-              <a:t>2/3/14</a:t>
+              <a:t>2/7/14</a:t>
             </a:fld>
             <a:endParaRPr lang="en-US"/>
           </a:p>
@@ -6557,7 +6845,7 @@
             <a:fld id="{FA3C144B-2939-9A49-B014-915EC3E81866}" type="datetime1">
               <a:rPr lang="en-US" smtClean="0"/>
               <a:pPr/>
-              <a:t>2/3/14</a:t>
+              <a:t>2/7/14</a:t>
             </a:fld>
             <a:endParaRPr lang="en-US" dirty="0"/>
           </a:p>
@@ -6974,7 +7262,7 @@
             <a:fld id="{FA3C144B-2939-9A49-B014-915EC3E81866}" type="datetime1">
               <a:rPr lang="en-US" smtClean="0"/>
               <a:pPr/>
-              <a:t>2/3/14</a:t>
+              <a:t>2/7/14</a:t>
             </a:fld>
             <a:endParaRPr lang="en-US" dirty="0"/>
           </a:p>
@@ -7290,7 +7578,7 @@
             <a:fld id="{FA3C144B-2939-9A49-B014-915EC3E81866}" type="datetime1">
               <a:rPr lang="en-US" smtClean="0"/>
               <a:pPr/>
-              <a:t>2/3/14</a:t>
+              <a:t>2/7/14</a:t>
             </a:fld>
             <a:endParaRPr lang="en-US" dirty="0"/>
           </a:p>
@@ -7956,7 +8244,7 @@
             <a:fld id="{FA3C144B-2939-9A49-B014-915EC3E81866}" type="datetime1">
               <a:rPr lang="en-US" smtClean="0"/>
               <a:pPr/>
-              <a:t>2/3/14</a:t>
+              <a:t>2/7/14</a:t>
             </a:fld>
             <a:endParaRPr lang="en-US" dirty="0"/>
           </a:p>
@@ -9121,7 +9409,7 @@
           <a:p>
             <a:fld id="{7053BEFA-1175-F644-B249-7D41D72BD3FF}" type="datetime1">
               <a:rPr lang="en-US" smtClean="0"/>
-              <a:t>2/3/14</a:t>
+              <a:t>2/7/14</a:t>
             </a:fld>
             <a:endParaRPr lang="en-US"/>
           </a:p>
@@ -9304,7 +9592,7 @@
           <a:p>
             <a:fld id="{7053BEFA-1175-F644-B249-7D41D72BD3FF}" type="datetime1">
               <a:rPr lang="en-US" smtClean="0"/>
-              <a:t>2/3/14</a:t>
+              <a:t>2/7/14</a:t>
             </a:fld>
             <a:endParaRPr lang="en-US"/>
           </a:p>
@@ -9613,8 +9901,16 @@
               <a:t> </a:t>
             </a:r>
             <a:r>
-              <a:rPr lang="en-US" sz="2400" dirty="0"/>
-              <a:t>x = d3.scale.ordinal()</a:t>
+              <a:rPr lang="en-US" sz="2400" dirty="0" err="1" smtClean="0"/>
+              <a:t>x_scale</a:t>
+            </a:r>
+            <a:r>
+              <a:rPr lang="en-US" sz="2400" dirty="0" smtClean="0"/>
+              <a:t> </a:t>
+            </a:r>
+            <a:r>
+              <a:rPr lang="en-US" sz="2400" dirty="0"/>
+              <a:t>= d3.scale.ordinal()</a:t>
             </a:r>
           </a:p>
           <a:p>
@@ -9664,7 +9960,7 @@
           <a:p>
             <a:fld id="{7053BEFA-1175-F644-B249-7D41D72BD3FF}" type="datetime1">
               <a:rPr lang="en-US" smtClean="0"/>
-              <a:t>2/3/14</a:t>
+              <a:t>2/7/14</a:t>
             </a:fld>
             <a:endParaRPr lang="en-US"/>
           </a:p>
@@ -9870,8 +10166,16 @@
               <a:t> </a:t>
             </a:r>
             <a:r>
-              <a:rPr lang="en-US" sz="2400" dirty="0"/>
-              <a:t>x = d3.scale.ordinal()</a:t>
+              <a:rPr lang="en-US" sz="2400" dirty="0" err="1" smtClean="0"/>
+              <a:t>x_scale</a:t>
+            </a:r>
+            <a:r>
+              <a:rPr lang="en-US" sz="2400" dirty="0" smtClean="0"/>
+              <a:t> </a:t>
+            </a:r>
+            <a:r>
+              <a:rPr lang="en-US" sz="2400" dirty="0"/>
+              <a:t>= d3.scale.ordinal()</a:t>
             </a:r>
           </a:p>
           <a:p>
@@ -9932,7 +10236,7 @@
           <a:p>
             <a:fld id="{7053BEFA-1175-F644-B249-7D41D72BD3FF}" type="datetime1">
               <a:rPr lang="en-US" smtClean="0"/>
-              <a:t>2/3/14</a:t>
+              <a:t>2/7/14</a:t>
             </a:fld>
             <a:endParaRPr lang="en-US"/>
           </a:p>
@@ -10267,8 +10571,16 @@
               <a:t> </a:t>
             </a:r>
             <a:r>
-              <a:rPr lang="en-US" sz="2400" dirty="0"/>
-              <a:t>x = d3.scale.ordinal()</a:t>
+              <a:rPr lang="en-US" sz="2400" dirty="0" err="1" smtClean="0"/>
+              <a:t>x_scale</a:t>
+            </a:r>
+            <a:r>
+              <a:rPr lang="en-US" sz="2400" dirty="0" smtClean="0"/>
+              <a:t> </a:t>
+            </a:r>
+            <a:r>
+              <a:rPr lang="en-US" sz="2400" dirty="0"/>
+              <a:t>= d3.scale.ordinal()</a:t>
             </a:r>
           </a:p>
           <a:p>
@@ -10317,7 +10629,11 @@
             </a:pPr>
             <a:r>
               <a:rPr lang="en-US" sz="2400" dirty="0" err="1" smtClean="0"/>
-              <a:t>x.domain</a:t>
+              <a:t>x_scale</a:t>
+            </a:r>
+            <a:r>
+              <a:rPr lang="en-US" sz="2400" dirty="0" err="1" smtClean="0"/>
+              <a:t>.domain</a:t>
             </a:r>
             <a:r>
               <a:rPr lang="en-US" sz="2400" dirty="0"/>
@@ -10351,7 +10667,7 @@
           <a:p>
             <a:fld id="{7053BEFA-1175-F644-B249-7D41D72BD3FF}" type="datetime1">
               <a:rPr lang="en-US" smtClean="0"/>
-              <a:t>2/3/14</a:t>
+              <a:t>2/7/14</a:t>
             </a:fld>
             <a:endParaRPr lang="en-US"/>
           </a:p>
@@ -10407,8 +10723,8 @@
         </p:nvSpPr>
         <p:spPr>
           <a:xfrm>
-            <a:off x="904171" y="4577693"/>
-            <a:ext cx="3143086" cy="538093"/>
+            <a:off x="904170" y="4577693"/>
+            <a:ext cx="3851681" cy="538093"/>
           </a:xfrm>
           <a:prstGeom prst="rect">
             <a:avLst/>
@@ -10454,8 +10770,8 @@
             <a:avLst>
               <a:gd name="adj1" fmla="val 34225"/>
               <a:gd name="adj2" fmla="val -7051"/>
-              <a:gd name="adj3" fmla="val -14311"/>
-              <a:gd name="adj4" fmla="val -33528"/>
+              <a:gd name="adj3" fmla="val -13247"/>
+              <a:gd name="adj4" fmla="val -15392"/>
             </a:avLst>
           </a:prstGeom>
           <a:ln/>
@@ -10619,8 +10935,17 @@
             </a:r>
             <a:r>
               <a:rPr lang="en-US" sz="2400" dirty="0"/>
-              <a:t>scale(x)</a:t>
-            </a:r>
+              <a:t>scale(</a:t>
+            </a:r>
+            <a:r>
+              <a:rPr lang="en-US" sz="2400" dirty="0" err="1" smtClean="0"/>
+              <a:t>x_scale</a:t>
+            </a:r>
+            <a:r>
+              <a:rPr lang="en-US" sz="2400" dirty="0" smtClean="0"/>
+              <a:t>)</a:t>
+            </a:r>
+            <a:endParaRPr lang="en-US" sz="2400" dirty="0"/>
           </a:p>
           <a:p>
             <a:pPr marL="0" indent="0">
@@ -10654,7 +10979,7 @@
           <a:p>
             <a:fld id="{7053BEFA-1175-F644-B249-7D41D72BD3FF}" type="datetime1">
               <a:rPr lang="en-US" smtClean="0"/>
-              <a:t>2/3/14</a:t>
+              <a:t>2/7/14</a:t>
             </a:fld>
             <a:endParaRPr lang="en-US"/>
           </a:p>
@@ -10820,8 +11145,17 @@
             </a:r>
             <a:r>
               <a:rPr lang="en-US" sz="2400" dirty="0"/>
-              <a:t>scale(x)</a:t>
-            </a:r>
+              <a:t>scale(</a:t>
+            </a:r>
+            <a:r>
+              <a:rPr lang="en-US" sz="2400" dirty="0" err="1" smtClean="0"/>
+              <a:t>x_scale</a:t>
+            </a:r>
+            <a:r>
+              <a:rPr lang="en-US" sz="2400" dirty="0" smtClean="0"/>
+              <a:t>)</a:t>
+            </a:r>
+            <a:endParaRPr lang="en-US" sz="2400" dirty="0"/>
           </a:p>
           <a:p>
             <a:pPr marL="0" indent="0">
@@ -10855,7 +11189,7 @@
           <a:p>
             <a:fld id="{7053BEFA-1175-F644-B249-7D41D72BD3FF}" type="datetime1">
               <a:rPr lang="en-US" smtClean="0"/>
-              <a:t>2/3/14</a:t>
+              <a:t>2/7/14</a:t>
             </a:fld>
             <a:endParaRPr lang="en-US"/>
           </a:p>
@@ -10912,7 +11246,7 @@
         <p:spPr>
           <a:xfrm>
             <a:off x="1854059" y="2719788"/>
-            <a:ext cx="1673872" cy="538093"/>
+            <a:ext cx="2357526" cy="538093"/>
           </a:xfrm>
           <a:prstGeom prst="rect">
             <a:avLst/>
@@ -10958,8 +11292,8 @@
             <a:avLst>
               <a:gd name="adj1" fmla="val 34225"/>
               <a:gd name="adj2" fmla="val -7051"/>
-              <a:gd name="adj3" fmla="val -9010"/>
-              <a:gd name="adj4" fmla="val -57246"/>
+              <a:gd name="adj3" fmla="val -12202"/>
+              <a:gd name="adj4" fmla="val -39882"/>
             </a:avLst>
           </a:prstGeom>
           <a:ln/>
@@ -11120,8 +11454,17 @@
             </a:r>
             <a:r>
               <a:rPr lang="en-US" sz="2400" dirty="0"/>
-              <a:t>scale(x)</a:t>
-            </a:r>
+              <a:t>scale(</a:t>
+            </a:r>
+            <a:r>
+              <a:rPr lang="en-US" sz="2400" dirty="0" err="1" smtClean="0"/>
+              <a:t>x_scale</a:t>
+            </a:r>
+            <a:r>
+              <a:rPr lang="en-US" sz="2400" dirty="0" smtClean="0"/>
+              <a:t>)</a:t>
+            </a:r>
+            <a:endParaRPr lang="en-US" sz="2400" dirty="0"/>
           </a:p>
           <a:p>
             <a:pPr marL="0" indent="0">
@@ -11299,7 +11642,7 @@
           <a:p>
             <a:fld id="{7053BEFA-1175-F644-B249-7D41D72BD3FF}" type="datetime1">
               <a:rPr lang="en-US" smtClean="0"/>
-              <a:t>2/3/14</a:t>
+              <a:t>2/7/14</a:t>
             </a:fld>
             <a:endParaRPr lang="en-US"/>
           </a:p>
@@ -11447,8 +11790,17 @@
             </a:r>
             <a:r>
               <a:rPr lang="en-US" sz="2400" dirty="0"/>
-              <a:t>scale(x)</a:t>
-            </a:r>
+              <a:t>scale(</a:t>
+            </a:r>
+            <a:r>
+              <a:rPr lang="en-US" sz="2400" dirty="0" err="1" smtClean="0"/>
+              <a:t>x_scale</a:t>
+            </a:r>
+            <a:r>
+              <a:rPr lang="en-US" sz="2400" dirty="0" smtClean="0"/>
+              <a:t>)</a:t>
+            </a:r>
+            <a:endParaRPr lang="en-US" sz="2400" dirty="0"/>
           </a:p>
           <a:p>
             <a:pPr marL="0" indent="0">
@@ -11626,7 +11978,7 @@
           <a:p>
             <a:fld id="{7053BEFA-1175-F644-B249-7D41D72BD3FF}" type="datetime1">
               <a:rPr lang="en-US" smtClean="0"/>
-              <a:t>2/3/14</a:t>
+              <a:t>2/7/14</a:t>
             </a:fld>
             <a:endParaRPr lang="en-US"/>
           </a:p>
@@ -11884,8 +12236,17 @@
             </a:r>
             <a:r>
               <a:rPr lang="en-US" sz="2400" dirty="0"/>
-              <a:t>scale(x)</a:t>
-            </a:r>
+              <a:t>scale(</a:t>
+            </a:r>
+            <a:r>
+              <a:rPr lang="en-US" sz="2400" dirty="0" err="1" smtClean="0"/>
+              <a:t>x_scale</a:t>
+            </a:r>
+            <a:r>
+              <a:rPr lang="en-US" sz="2400" dirty="0" smtClean="0"/>
+              <a:t>)</a:t>
+            </a:r>
+            <a:endParaRPr lang="en-US" sz="2400" dirty="0"/>
           </a:p>
           <a:p>
             <a:pPr marL="0" indent="0">
@@ -12063,7 +12424,7 @@
           <a:p>
             <a:fld id="{7053BEFA-1175-F644-B249-7D41D72BD3FF}" type="datetime1">
               <a:rPr lang="en-US" smtClean="0"/>
-              <a:t>2/3/14</a:t>
+              <a:t>2/7/14</a:t>
             </a:fld>
             <a:endParaRPr lang="en-US"/>
           </a:p>
@@ -12355,7 +12716,7 @@
           <a:p>
             <a:fld id="{7053BEFA-1175-F644-B249-7D41D72BD3FF}" type="datetime1">
               <a:rPr lang="en-US" smtClean="0"/>
-              <a:t>2/3/14</a:t>
+              <a:t>2/7/14</a:t>
             </a:fld>
             <a:endParaRPr lang="en-US"/>
           </a:p>
@@ -12583,7 +12944,7 @@
           <a:p>
             <a:fld id="{7053BEFA-1175-F644-B249-7D41D72BD3FF}" type="datetime1">
               <a:rPr lang="en-US" smtClean="0"/>
-              <a:t>2/3/14</a:t>
+              <a:t>2/7/14</a:t>
             </a:fld>
             <a:endParaRPr lang="en-US"/>
           </a:p>
@@ -12878,7 +13239,7 @@
           <a:p>
             <a:fld id="{7053BEFA-1175-F644-B249-7D41D72BD3FF}" type="datetime1">
               <a:rPr lang="en-US" smtClean="0"/>
-              <a:t>2/3/14</a:t>
+              <a:t>2/7/14</a:t>
             </a:fld>
             <a:endParaRPr lang="en-US"/>
           </a:p>
@@ -13175,7 +13536,7 @@
           <a:p>
             <a:fld id="{7053BEFA-1175-F644-B249-7D41D72BD3FF}" type="datetime1">
               <a:rPr lang="en-US" smtClean="0"/>
-              <a:t>2/3/14</a:t>
+              <a:t>2/7/14</a:t>
             </a:fld>
             <a:endParaRPr lang="en-US"/>
           </a:p>
@@ -13469,7 +13830,7 @@
           <a:p>
             <a:fld id="{7053BEFA-1175-F644-B249-7D41D72BD3FF}" type="datetime1">
               <a:rPr lang="en-US" smtClean="0"/>
-              <a:t>2/3/14</a:t>
+              <a:t>2/7/14</a:t>
             </a:fld>
             <a:endParaRPr lang="en-US"/>
           </a:p>
@@ -13873,7 +14234,7 @@
           <a:p>
             <a:fld id="{7053BEFA-1175-F644-B249-7D41D72BD3FF}" type="datetime1">
               <a:rPr lang="en-US" smtClean="0"/>
-              <a:t>2/3/14</a:t>
+              <a:t>2/7/14</a:t>
             </a:fld>
             <a:endParaRPr lang="en-US"/>
           </a:p>
@@ -14287,7 +14648,7 @@
           <a:p>
             <a:fld id="{7053BEFA-1175-F644-B249-7D41D72BD3FF}" type="datetime1">
               <a:rPr lang="en-US" smtClean="0"/>
-              <a:t>2/3/14</a:t>
+              <a:t>2/7/14</a:t>
             </a:fld>
             <a:endParaRPr lang="en-US"/>
           </a:p>
@@ -14707,7 +15068,7 @@
           <a:p>
             <a:fld id="{7053BEFA-1175-F644-B249-7D41D72BD3FF}" type="datetime1">
               <a:rPr lang="en-US" smtClean="0"/>
-              <a:t>2/3/14</a:t>
+              <a:t>2/7/14</a:t>
             </a:fld>
             <a:endParaRPr lang="en-US"/>
           </a:p>
@@ -15080,12 +15441,16 @@
               <a:t>d) {return </a:t>
             </a:r>
             <a:r>
-              <a:rPr lang="en-US" dirty="0" err="1"/>
-              <a:t>d.x</a:t>
+              <a:rPr lang="en-US" dirty="0" err="1" smtClean="0"/>
+              <a:t>d.y</a:t>
+            </a:r>
+            <a:r>
+              <a:rPr lang="en-US" dirty="0" smtClean="0"/>
+              <a:t>;</a:t>
             </a:r>
             <a:r>
               <a:rPr lang="en-US" dirty="0"/>
-              <a:t>;}</a:t>
+              <a:t>}</a:t>
             </a:r>
             <a:r>
               <a:rPr lang="en-US" dirty="0" smtClean="0"/>
@@ -15129,7 +15494,7 @@
           <a:p>
             <a:fld id="{7053BEFA-1175-F644-B249-7D41D72BD3FF}" type="datetime1">
               <a:rPr lang="en-US" smtClean="0"/>
-              <a:t>2/3/14</a:t>
+              <a:t>2/7/14</a:t>
             </a:fld>
             <a:endParaRPr lang="en-US"/>
           </a:p>
@@ -15659,7 +16024,7 @@
           <a:p>
             <a:fld id="{7053BEFA-1175-F644-B249-7D41D72BD3FF}" type="datetime1">
               <a:rPr lang="en-US" smtClean="0"/>
-              <a:t>2/3/14</a:t>
+              <a:t>2/7/14</a:t>
             </a:fld>
             <a:endParaRPr lang="en-US"/>
           </a:p>
@@ -15717,6 +16082,13 @@
   <p:clrMapOvr>
     <a:masterClrMapping/>
   </p:clrMapOvr>
+  <p:timing>
+    <p:tnLst>
+      <p:par>
+        <p:cTn xmlns:p14="http://schemas.microsoft.com/office/powerpoint/2010/main" id="1" dur="indefinite" restart="never" nodeType="tmRoot"/>
+      </p:par>
+    </p:tnLst>
+  </p:timing>
 </p:sld>
 </file>
 
@@ -16045,7 +16417,7 @@
           <a:p>
             <a:fld id="{7053BEFA-1175-F644-B249-7D41D72BD3FF}" type="datetime1">
               <a:rPr lang="en-US" smtClean="0"/>
-              <a:t>2/3/14</a:t>
+              <a:t>2/7/14</a:t>
             </a:fld>
             <a:endParaRPr lang="en-US"/>
           </a:p>
@@ -16103,6 +16475,13 @@
   <p:clrMapOvr>
     <a:masterClrMapping/>
   </p:clrMapOvr>
+  <p:timing>
+    <p:tnLst>
+      <p:par>
+        <p:cTn xmlns:p14="http://schemas.microsoft.com/office/powerpoint/2010/main" id="1" dur="indefinite" restart="never" nodeType="tmRoot"/>
+      </p:par>
+    </p:tnLst>
+  </p:timing>
 </p:sld>
 </file>
 
@@ -16236,7 +16615,7 @@
           <a:p>
             <a:fld id="{7053BEFA-1175-F644-B249-7D41D72BD3FF}" type="datetime1">
               <a:rPr lang="en-US" smtClean="0"/>
-              <a:t>2/3/14</a:t>
+              <a:t>2/7/14</a:t>
             </a:fld>
             <a:endParaRPr lang="en-US"/>
           </a:p>
@@ -16629,7 +17008,7 @@
           <a:p>
             <a:fld id="{7053BEFA-1175-F644-B249-7D41D72BD3FF}" type="datetime1">
               <a:rPr lang="en-US" smtClean="0"/>
-              <a:t>2/3/14</a:t>
+              <a:t>2/7/14</a:t>
             </a:fld>
             <a:endParaRPr lang="en-US"/>
           </a:p>
@@ -16781,6 +17160,13 @@
   <p:clrMapOvr>
     <a:masterClrMapping/>
   </p:clrMapOvr>
+  <p:timing>
+    <p:tnLst>
+      <p:par>
+        <p:cTn xmlns:p14="http://schemas.microsoft.com/office/powerpoint/2010/main" id="1" dur="indefinite" restart="never" nodeType="tmRoot"/>
+      </p:par>
+    </p:tnLst>
+  </p:timing>
 </p:sld>
 </file>
 
@@ -17109,7 +17495,7 @@
           <a:p>
             <a:fld id="{7053BEFA-1175-F644-B249-7D41D72BD3FF}" type="datetime1">
               <a:rPr lang="en-US" smtClean="0"/>
-              <a:t>2/3/14</a:t>
+              <a:t>2/7/14</a:t>
             </a:fld>
             <a:endParaRPr lang="en-US"/>
           </a:p>
@@ -17261,6 +17647,13 @@
   <p:clrMapOvr>
     <a:masterClrMapping/>
   </p:clrMapOvr>
+  <p:timing>
+    <p:tnLst>
+      <p:par>
+        <p:cTn xmlns:p14="http://schemas.microsoft.com/office/powerpoint/2010/main" id="1" dur="indefinite" restart="never" nodeType="tmRoot"/>
+      </p:par>
+    </p:tnLst>
+  </p:timing>
 </p:sld>
 </file>
 
@@ -17589,7 +17982,7 @@
           <a:p>
             <a:fld id="{7053BEFA-1175-F644-B249-7D41D72BD3FF}" type="datetime1">
               <a:rPr lang="en-US" smtClean="0"/>
-              <a:t>2/3/14</a:t>
+              <a:t>2/7/14</a:t>
             </a:fld>
             <a:endParaRPr lang="en-US"/>
           </a:p>
@@ -17749,6 +18142,13 @@
   <p:clrMapOvr>
     <a:masterClrMapping/>
   </p:clrMapOvr>
+  <p:timing>
+    <p:tnLst>
+      <p:par>
+        <p:cTn xmlns:p14="http://schemas.microsoft.com/office/powerpoint/2010/main" id="1" dur="indefinite" restart="never" nodeType="tmRoot"/>
+      </p:par>
+    </p:tnLst>
+  </p:timing>
 </p:sld>
 </file>
 
@@ -18077,7 +18477,7 @@
           <a:p>
             <a:fld id="{7053BEFA-1175-F644-B249-7D41D72BD3FF}" type="datetime1">
               <a:rPr lang="en-US" smtClean="0"/>
-              <a:t>2/3/14</a:t>
+              <a:t>2/7/14</a:t>
             </a:fld>
             <a:endParaRPr lang="en-US"/>
           </a:p>
@@ -18237,6 +18637,13 @@
   <p:clrMapOvr>
     <a:masterClrMapping/>
   </p:clrMapOvr>
+  <p:timing>
+    <p:tnLst>
+      <p:par>
+        <p:cTn xmlns:p14="http://schemas.microsoft.com/office/powerpoint/2010/main" id="1" dur="indefinite" restart="never" nodeType="tmRoot"/>
+      </p:par>
+    </p:tnLst>
+  </p:timing>
 </p:sld>
 </file>
 
@@ -18565,7 +18972,7 @@
           <a:p>
             <a:fld id="{7053BEFA-1175-F644-B249-7D41D72BD3FF}" type="datetime1">
               <a:rPr lang="en-US" smtClean="0"/>
-              <a:t>2/3/14</a:t>
+              <a:t>2/7/14</a:t>
             </a:fld>
             <a:endParaRPr lang="en-US"/>
           </a:p>
@@ -18717,6 +19124,13 @@
   <p:clrMapOvr>
     <a:masterClrMapping/>
   </p:clrMapOvr>
+  <p:timing>
+    <p:tnLst>
+      <p:par>
+        <p:cTn xmlns:p14="http://schemas.microsoft.com/office/powerpoint/2010/main" id="1" dur="indefinite" restart="never" nodeType="tmRoot"/>
+      </p:par>
+    </p:tnLst>
+  </p:timing>
 </p:sld>
 </file>
 
@@ -19045,7 +19459,7 @@
           <a:p>
             <a:fld id="{7053BEFA-1175-F644-B249-7D41D72BD3FF}" type="datetime1">
               <a:rPr lang="en-US" smtClean="0"/>
-              <a:t>2/3/14</a:t>
+              <a:t>2/7/14</a:t>
             </a:fld>
             <a:endParaRPr lang="en-US"/>
           </a:p>
@@ -19205,6 +19619,13 @@
   <p:clrMapOvr>
     <a:masterClrMapping/>
   </p:clrMapOvr>
+  <p:timing>
+    <p:tnLst>
+      <p:par>
+        <p:cTn xmlns:p14="http://schemas.microsoft.com/office/powerpoint/2010/main" id="1" dur="indefinite" restart="never" nodeType="tmRoot"/>
+      </p:par>
+    </p:tnLst>
+  </p:timing>
 </p:sld>
 </file>
 
@@ -19533,7 +19954,7 @@
           <a:p>
             <a:fld id="{7053BEFA-1175-F644-B249-7D41D72BD3FF}" type="datetime1">
               <a:rPr lang="en-US" smtClean="0"/>
-              <a:t>2/3/14</a:t>
+              <a:t>2/7/14</a:t>
             </a:fld>
             <a:endParaRPr lang="en-US"/>
           </a:p>
@@ -19685,6 +20106,13 @@
   <p:clrMapOvr>
     <a:masterClrMapping/>
   </p:clrMapOvr>
+  <p:timing>
+    <p:tnLst>
+      <p:par>
+        <p:cTn xmlns:p14="http://schemas.microsoft.com/office/powerpoint/2010/main" id="1" dur="indefinite" restart="never" nodeType="tmRoot"/>
+      </p:par>
+    </p:tnLst>
+  </p:timing>
 </p:sld>
 </file>
 
@@ -20013,7 +20441,7 @@
           <a:p>
             <a:fld id="{7053BEFA-1175-F644-B249-7D41D72BD3FF}" type="datetime1">
               <a:rPr lang="en-US" smtClean="0"/>
-              <a:t>2/3/14</a:t>
+              <a:t>2/7/14</a:t>
             </a:fld>
             <a:endParaRPr lang="en-US"/>
           </a:p>
@@ -20173,6 +20601,13 @@
   <p:clrMapOvr>
     <a:masterClrMapping/>
   </p:clrMapOvr>
+  <p:timing>
+    <p:tnLst>
+      <p:par>
+        <p:cTn xmlns:p14="http://schemas.microsoft.com/office/powerpoint/2010/main" id="1" dur="indefinite" restart="never" nodeType="tmRoot"/>
+      </p:par>
+    </p:tnLst>
+  </p:timing>
 </p:sld>
 </file>
 
@@ -20258,7 +20693,7 @@
           <a:p>
             <a:fld id="{7053BEFA-1175-F644-B249-7D41D72BD3FF}" type="datetime1">
               <a:rPr lang="en-US" smtClean="0"/>
-              <a:t>2/3/14</a:t>
+              <a:t>2/7/14</a:t>
             </a:fld>
             <a:endParaRPr lang="en-US"/>
           </a:p>
@@ -20316,6 +20751,13 @@
   <p:clrMapOvr>
     <a:masterClrMapping/>
   </p:clrMapOvr>
+  <p:timing>
+    <p:tnLst>
+      <p:par>
+        <p:cTn xmlns:p14="http://schemas.microsoft.com/office/powerpoint/2010/main" id="1" dur="indefinite" restart="never" nodeType="tmRoot"/>
+      </p:par>
+    </p:tnLst>
+  </p:timing>
 </p:sld>
 </file>
 
@@ -20358,11 +20800,7 @@
           <a:p>
             <a:r>
               <a:rPr lang="en-US" dirty="0" smtClean="0"/>
-              <a:t>Creating Stacked </a:t>
-            </a:r>
-            <a:r>
-              <a:rPr lang="en-US" dirty="0" smtClean="0"/>
-              <a:t>Bars</a:t>
+              <a:t>Creating Stacked Bars</a:t>
             </a:r>
             <a:endParaRPr lang="en-US" dirty="0"/>
           </a:p>
@@ -20380,8 +20818,8 @@
         </p:nvSpPr>
         <p:spPr>
           <a:xfrm>
-            <a:off x="562043" y="1847153"/>
-            <a:ext cx="7887140" cy="4379976"/>
+            <a:off x="562042" y="1847153"/>
+            <a:ext cx="8581957" cy="4379976"/>
           </a:xfrm>
         </p:spPr>
         <p:txBody>
@@ -20495,10 +20933,14 @@
             </a:r>
             <a:r>
               <a:rPr lang="en-US" sz="2400" dirty="0" smtClean="0"/>
-              <a:t>return x</a:t>
-            </a:r>
-            <a:r>
-              <a:rPr lang="en-US" sz="2400" dirty="0"/>
+              <a:t>return </a:t>
+            </a:r>
+            <a:r>
+              <a:rPr lang="en-US" sz="2400" dirty="0" err="1" smtClean="0"/>
+              <a:t>x_scale</a:t>
+            </a:r>
+            <a:r>
+              <a:rPr lang="en-US" sz="2400" dirty="0" smtClean="0"/>
               <a:t>(</a:t>
             </a:r>
             <a:r>
@@ -20528,10 +20970,14 @@
             </a:r>
             <a:r>
               <a:rPr lang="en-US" sz="2400" dirty="0" smtClean="0"/>
-              <a:t>				x</a:t>
-            </a:r>
-            <a:r>
-              <a:rPr lang="en-US" sz="2400" dirty="0"/>
+              <a:t>				</a:t>
+            </a:r>
+            <a:r>
+              <a:rPr lang="en-US" sz="2400" dirty="0" err="1" smtClean="0"/>
+              <a:t>x_scale</a:t>
+            </a:r>
+            <a:r>
+              <a:rPr lang="en-US" sz="2400" dirty="0" smtClean="0"/>
               <a:t>(</a:t>
             </a:r>
             <a:r>
@@ -20562,7 +21008,7 @@
           <a:p>
             <a:fld id="{7053BEFA-1175-F644-B249-7D41D72BD3FF}" type="datetime1">
               <a:rPr lang="en-US" smtClean="0"/>
-              <a:t>2/3/14</a:t>
+              <a:t>2/7/14</a:t>
             </a:fld>
             <a:endParaRPr lang="en-US"/>
           </a:p>
@@ -20728,17 +21174,35 @@
             </a:pPr>
             <a:r>
               <a:rPr lang="en-US" sz="1600" dirty="0"/>
-              <a:t>&lt;!DOCTYPE html&gt;</a:t>
-            </a:r>
-          </a:p>
-          <a:p>
-            <a:pPr marL="228600" lvl="1" indent="0">
-              <a:buNone/>
-            </a:pPr>
+              <a:t>&lt;!DOCTYPE html</a:t>
+            </a:r>
+            <a:r>
+              <a:rPr lang="en-US" sz="1600" dirty="0" smtClean="0"/>
+              <a:t>&gt;</a:t>
+            </a:r>
+            <a:br>
+              <a:rPr lang="en-US" sz="1600" dirty="0" smtClean="0"/>
+            </a:br>
+            <a:r>
+              <a:rPr lang="en-US" sz="1600" dirty="0" smtClean="0"/>
+              <a:t>&lt;</a:t>
+            </a:r>
             <a:r>
               <a:rPr lang="en-US" sz="1600" dirty="0"/>
-              <a:t>&lt;meta charset="utf-8"&gt;</a:t>
-            </a:r>
+              <a:t>meta charset="utf-</a:t>
+            </a:r>
+            <a:r>
+              <a:rPr lang="en-US" sz="1600" dirty="0" smtClean="0"/>
+              <a:t>8”&gt;</a:t>
+            </a:r>
+            <a:br>
+              <a:rPr lang="en-US" sz="1600" dirty="0" smtClean="0"/>
+            </a:br>
+            <a:r>
+              <a:rPr lang="en-US" sz="1600" dirty="0" smtClean="0"/>
+              <a:t>&lt;body&gt;</a:t>
+            </a:r>
+            <a:endParaRPr lang="en-US" sz="1600" dirty="0"/>
           </a:p>
           <a:p>
             <a:pPr marL="228600" lvl="1" indent="0">
@@ -20793,7 +21257,7 @@
               <a:t>="</a:t>
             </a:r>
             <a:r>
-              <a:rPr lang="en-US" sz="1600" b="1" dirty="0">
+              <a:rPr lang="en-US" sz="1600" b="1" dirty="0" smtClean="0">
                 <a:solidFill>
                   <a:schemeClr val="accent2"/>
                 </a:solidFill>
@@ -20801,17 +21265,19 @@
               <a:t>500</a:t>
             </a:r>
             <a:r>
+              <a:rPr lang="en-US" sz="1600" b="1" dirty="0" smtClean="0"/>
+              <a:t>”&gt;</a:t>
+            </a:r>
+            <a:br>
+              <a:rPr lang="en-US" sz="1600" b="1" dirty="0" smtClean="0"/>
+            </a:br>
+            <a:r>
+              <a:rPr lang="en-US" sz="1600" b="1" dirty="0" smtClean="0"/>
+              <a:t>  </a:t>
+            </a:r>
+            <a:r>
               <a:rPr lang="en-US" sz="1600" b="1" dirty="0"/>
-              <a:t>"&gt;</a:t>
-            </a:r>
-          </a:p>
-          <a:p>
-            <a:pPr marL="228600" lvl="1" indent="0">
-              <a:buNone/>
-            </a:pPr>
-            <a:r>
-              <a:rPr lang="en-US" sz="1600" b="1" dirty="0"/>
-              <a:t>  &lt;text </a:t>
+              <a:t>&lt;text </a:t>
             </a:r>
             <a:r>
               <a:rPr lang="en-US" sz="1600" b="1" dirty="0">
@@ -20826,7 +21292,7 @@
               <a:t>="</a:t>
             </a:r>
             <a:r>
-              <a:rPr lang="en-US" sz="1600" b="1" dirty="0">
+              <a:rPr lang="en-US" sz="1600" b="1" dirty="0" smtClean="0">
                 <a:solidFill>
                   <a:schemeClr val="accent2"/>
                 </a:solidFill>
@@ -20834,17 +21300,23 @@
               <a:t>12</a:t>
             </a:r>
             <a:r>
-              <a:rPr lang="en-US" sz="1600" b="1" dirty="0"/>
-              <a:t>"&gt;</a:t>
-            </a:r>
-          </a:p>
-          <a:p>
-            <a:pPr marL="228600" lvl="1" indent="0">
-              <a:buNone/>
-            </a:pPr>
-            <a:r>
-              <a:rPr lang="en-US" sz="1600" b="1" dirty="0"/>
+              <a:rPr lang="en-US" sz="1600" b="1" dirty="0" smtClean="0"/>
+              <a:t>”&gt;</a:t>
+            </a:r>
+            <a:br>
+              <a:rPr lang="en-US" sz="1600" b="1" dirty="0" smtClean="0"/>
+            </a:br>
+            <a:r>
+              <a:rPr lang="en-US" sz="1600" b="1" dirty="0" smtClean="0"/>
               <a:t>   </a:t>
+            </a:r>
+            <a:r>
+              <a:rPr lang="en-US" sz="1600" b="1" dirty="0" smtClean="0">
+                <a:solidFill>
+                  <a:srgbClr val="008000"/>
+                </a:solidFill>
+              </a:rPr>
+              <a:t> </a:t>
             </a:r>
             <a:r>
               <a:rPr lang="en-US" sz="1600" b="1" dirty="0">
@@ -20852,35 +21324,64 @@
                   <a:srgbClr val="008000"/>
                 </a:solidFill>
               </a:rPr>
-              <a:t> Hello, world!</a:t>
-            </a:r>
-          </a:p>
-          <a:p>
-            <a:pPr marL="228600" lvl="1" indent="0">
-              <a:buNone/>
-            </a:pPr>
+              <a:t>Hello, world</a:t>
+            </a:r>
+            <a:r>
+              <a:rPr lang="en-US" sz="1600" b="1" dirty="0" smtClean="0">
+                <a:solidFill>
+                  <a:srgbClr val="008000"/>
+                </a:solidFill>
+              </a:rPr>
+              <a:t>!</a:t>
+            </a:r>
+            <a:br>
+              <a:rPr lang="en-US" sz="1600" b="1" dirty="0" smtClean="0">
+                <a:solidFill>
+                  <a:srgbClr val="008000"/>
+                </a:solidFill>
+              </a:rPr>
+            </a:br>
+            <a:r>
+              <a:rPr lang="en-US" sz="1600" b="1" dirty="0" smtClean="0"/>
+              <a:t>  </a:t>
+            </a:r>
             <a:r>
               <a:rPr lang="en-US" sz="1600" b="1" dirty="0"/>
-              <a:t>  &lt;/text&gt;</a:t>
-            </a:r>
-          </a:p>
-          <a:p>
-            <a:pPr marL="228600" lvl="1" indent="0">
-              <a:buNone/>
-            </a:pPr>
+              <a:t>&lt;/text</a:t>
+            </a:r>
+            <a:r>
+              <a:rPr lang="en-US" sz="1600" b="1" dirty="0" smtClean="0"/>
+              <a:t>&gt;</a:t>
+            </a:r>
+            <a:br>
+              <a:rPr lang="en-US" sz="1600" b="1" dirty="0" smtClean="0"/>
+            </a:br>
+            <a:r>
+              <a:rPr lang="en-US" sz="1600" b="1" dirty="0" smtClean="0"/>
+              <a:t>&lt;</a:t>
+            </a:r>
             <a:r>
               <a:rPr lang="en-US" sz="1600" b="1" dirty="0"/>
-              <a:t>&lt;/</a:t>
+              <a:t>/</a:t>
             </a:r>
             <a:r>
               <a:rPr lang="en-US" sz="1600" b="1" dirty="0" err="1"/>
               <a:t>svg</a:t>
             </a:r>
             <a:r>
-              <a:rPr lang="en-US" sz="1600" b="1" dirty="0"/>
+              <a:rPr lang="en-US" sz="1600" b="1" dirty="0" smtClean="0"/>
               <a:t>&gt;</a:t>
             </a:r>
-            <a:endParaRPr lang="en-US" b="1" dirty="0"/>
+          </a:p>
+          <a:p>
+            <a:pPr marL="228600" lvl="1" indent="0">
+              <a:buNone/>
+            </a:pPr>
+            <a:r>
+              <a:rPr lang="en-US" sz="1600" dirty="0" smtClean="0"/>
+              <a:t>&lt;/body&gt;</a:t>
+            </a:r>
+            <a:endParaRPr lang="en-US" dirty="0"/>
           </a:p>
         </p:txBody>
       </p:sp>
@@ -20901,7 +21402,7 @@
           <a:p>
             <a:fld id="{7053BEFA-1175-F644-B249-7D41D72BD3FF}" type="datetime1">
               <a:rPr lang="en-US" smtClean="0"/>
-              <a:t>2/3/14</a:t>
+              <a:t>2/7/14</a:t>
             </a:fld>
             <a:endParaRPr lang="en-US"/>
           </a:p>
@@ -21026,8 +21527,8 @@
         </p:nvSpPr>
         <p:spPr>
           <a:xfrm>
-            <a:off x="1128943" y="1847153"/>
-            <a:ext cx="7887140" cy="4379976"/>
+            <a:off x="701296" y="1847153"/>
+            <a:ext cx="9004780" cy="4379976"/>
           </a:xfrm>
         </p:spPr>
         <p:txBody>
@@ -21141,10 +21642,14 @@
             </a:r>
             <a:r>
               <a:rPr lang="en-US" sz="2400" dirty="0" smtClean="0"/>
-              <a:t>return x</a:t>
-            </a:r>
-            <a:r>
-              <a:rPr lang="en-US" sz="2400" dirty="0"/>
+              <a:t>return </a:t>
+            </a:r>
+            <a:r>
+              <a:rPr lang="en-US" sz="2400" dirty="0" err="1" smtClean="0"/>
+              <a:t>x_scale</a:t>
+            </a:r>
+            <a:r>
+              <a:rPr lang="en-US" sz="2400" dirty="0" smtClean="0"/>
               <a:t>(</a:t>
             </a:r>
             <a:r>
@@ -21174,10 +21679,14 @@
             </a:r>
             <a:r>
               <a:rPr lang="en-US" sz="2400" dirty="0" smtClean="0"/>
-              <a:t>				x</a:t>
-            </a:r>
-            <a:r>
-              <a:rPr lang="en-US" sz="2400" dirty="0"/>
+              <a:t>				</a:t>
+            </a:r>
+            <a:r>
+              <a:rPr lang="en-US" sz="2400" dirty="0" err="1" smtClean="0"/>
+              <a:t>x_scale</a:t>
+            </a:r>
+            <a:r>
+              <a:rPr lang="en-US" sz="2400" dirty="0" smtClean="0"/>
               <a:t>(</a:t>
             </a:r>
             <a:r>
@@ -21208,7 +21717,7 @@
           <a:p>
             <a:fld id="{7053BEFA-1175-F644-B249-7D41D72BD3FF}" type="datetime1">
               <a:rPr lang="en-US" smtClean="0"/>
-              <a:t>2/3/14</a:t>
+              <a:t>2/7/14</a:t>
             </a:fld>
             <a:endParaRPr lang="en-US"/>
           </a:p>
@@ -21264,7 +21773,7 @@
         </p:nvSpPr>
         <p:spPr>
           <a:xfrm>
-            <a:off x="2476620" y="3164727"/>
+            <a:off x="2048973" y="3164727"/>
             <a:ext cx="2169136" cy="745930"/>
           </a:xfrm>
           <a:prstGeom prst="rect">
@@ -21304,7 +21813,7 @@
         </p:nvSpPr>
         <p:spPr>
           <a:xfrm>
-            <a:off x="6264636" y="2432182"/>
+            <a:off x="5836989" y="2432182"/>
             <a:ext cx="2441101" cy="1478475"/>
           </a:xfrm>
           <a:prstGeom prst="borderCallout1">
@@ -21358,7 +21867,7 @@
         </p:nvSpPr>
         <p:spPr>
           <a:xfrm>
-            <a:off x="3713588" y="2197893"/>
+            <a:off x="3285941" y="2197893"/>
             <a:ext cx="2169136" cy="745930"/>
           </a:xfrm>
           <a:prstGeom prst="rect">
@@ -21429,6 +21938,191 @@
       </p:grpSpPr>
       <p:sp>
         <p:nvSpPr>
+          <p:cNvPr id="13" name="Content Placeholder 2"/>
+          <p:cNvSpPr>
+            <a:spLocks noGrp="1"/>
+          </p:cNvSpPr>
+          <p:nvPr>
+            <p:ph idx="1"/>
+          </p:nvPr>
+        </p:nvSpPr>
+        <p:spPr>
+          <a:xfrm>
+            <a:off x="701296" y="1847153"/>
+            <a:ext cx="9004780" cy="4379976"/>
+          </a:xfrm>
+        </p:spPr>
+        <p:txBody>
+          <a:bodyPr/>
+          <a:lstStyle/>
+          <a:p>
+            <a:pPr marL="0" indent="0">
+              <a:buNone/>
+            </a:pPr>
+            <a:r>
+              <a:rPr lang="en-US" sz="2400" dirty="0"/>
+              <a:t> // The selection '.age' will correspond to the data</a:t>
+            </a:r>
+          </a:p>
+          <a:p>
+            <a:pPr marL="0" indent="0">
+              <a:buNone/>
+            </a:pPr>
+            <a:r>
+              <a:rPr lang="en-US" sz="2400" dirty="0" err="1" smtClean="0"/>
+              <a:t>var</a:t>
+            </a:r>
+            <a:r>
+              <a:rPr lang="en-US" sz="2400" dirty="0" smtClean="0"/>
+              <a:t> </a:t>
+            </a:r>
+            <a:r>
+              <a:rPr lang="en-US" sz="2400" dirty="0"/>
+              <a:t>age = </a:t>
+            </a:r>
+            <a:r>
+              <a:rPr lang="en-US" sz="2400" dirty="0" err="1"/>
+              <a:t>svg.selectAll</a:t>
+            </a:r>
+            <a:r>
+              <a:rPr lang="en-US" sz="2400" dirty="0"/>
+              <a:t>(".Age")</a:t>
+            </a:r>
+          </a:p>
+          <a:p>
+            <a:pPr marL="0" indent="0">
+              <a:buNone/>
+            </a:pPr>
+            <a:r>
+              <a:rPr lang="en-US" sz="2400" dirty="0" smtClean="0"/>
+              <a:t>		.</a:t>
+            </a:r>
+            <a:r>
+              <a:rPr lang="en-US" sz="2400" dirty="0"/>
+              <a:t>data(data)</a:t>
+            </a:r>
+          </a:p>
+          <a:p>
+            <a:pPr marL="0" indent="0">
+              <a:buNone/>
+            </a:pPr>
+            <a:r>
+              <a:rPr lang="en-US" sz="2400" dirty="0" smtClean="0"/>
+              <a:t>	.</a:t>
+            </a:r>
+            <a:r>
+              <a:rPr lang="en-US" sz="2400" dirty="0"/>
+              <a:t>enter().append("g"</a:t>
+            </a:r>
+            <a:r>
+              <a:rPr lang="en-US" sz="2400" dirty="0" smtClean="0"/>
+              <a:t>)  </a:t>
+            </a:r>
+            <a:endParaRPr lang="en-US" sz="2400" dirty="0"/>
+          </a:p>
+          <a:p>
+            <a:pPr marL="0" indent="0">
+              <a:buNone/>
+            </a:pPr>
+            <a:r>
+              <a:rPr lang="en-US" sz="2400" dirty="0"/>
+              <a:t>           .</a:t>
+            </a:r>
+            <a:r>
+              <a:rPr lang="en-US" sz="2400" dirty="0" err="1"/>
+              <a:t>attr</a:t>
+            </a:r>
+            <a:r>
+              <a:rPr lang="en-US" sz="2400" dirty="0"/>
+              <a:t>("class", "g")</a:t>
+            </a:r>
+          </a:p>
+          <a:p>
+            <a:pPr marL="0" indent="0">
+              <a:buNone/>
+            </a:pPr>
+            <a:r>
+              <a:rPr lang="en-US" sz="2400" dirty="0"/>
+              <a:t>           .</a:t>
+            </a:r>
+            <a:r>
+              <a:rPr lang="en-US" sz="2400" dirty="0" err="1"/>
+              <a:t>attr</a:t>
+            </a:r>
+            <a:r>
+              <a:rPr lang="en-US" sz="2400" dirty="0"/>
+              <a:t>("</a:t>
+            </a:r>
+            <a:r>
+              <a:rPr lang="en-US" sz="2400" dirty="0" err="1"/>
+              <a:t>x_position</a:t>
+            </a:r>
+            <a:r>
+              <a:rPr lang="en-US" sz="2400" dirty="0"/>
+              <a:t>", function (d) {</a:t>
+            </a:r>
+            <a:r>
+              <a:rPr lang="en-US" sz="2400" dirty="0" smtClean="0"/>
+              <a:t>return </a:t>
+            </a:r>
+            <a:r>
+              <a:rPr lang="en-US" sz="2400" dirty="0" err="1" smtClean="0"/>
+              <a:t>x_scale</a:t>
+            </a:r>
+            <a:r>
+              <a:rPr lang="en-US" sz="2400" dirty="0" smtClean="0"/>
+              <a:t>(</a:t>
+            </a:r>
+            <a:r>
+              <a:rPr lang="en-US" sz="2400" dirty="0" err="1"/>
+              <a:t>d.Age</a:t>
+            </a:r>
+            <a:r>
+              <a:rPr lang="en-US" sz="2400" dirty="0"/>
+              <a:t>);})</a:t>
+            </a:r>
+          </a:p>
+          <a:p>
+            <a:pPr marL="0" indent="0">
+              <a:buNone/>
+            </a:pPr>
+            <a:r>
+              <a:rPr lang="en-US" sz="2400" dirty="0"/>
+              <a:t>           .</a:t>
+            </a:r>
+            <a:r>
+              <a:rPr lang="en-US" sz="2400" dirty="0" err="1"/>
+              <a:t>attr</a:t>
+            </a:r>
+            <a:r>
+              <a:rPr lang="en-US" sz="2400" dirty="0"/>
+              <a:t>("transform", function(d) {return "translate(" + </a:t>
+            </a:r>
+            <a:r>
+              <a:rPr lang="en-US" sz="2400" dirty="0" smtClean="0"/>
+              <a:t>				</a:t>
+            </a:r>
+            <a:r>
+              <a:rPr lang="en-US" sz="2400" dirty="0" err="1" smtClean="0"/>
+              <a:t>x_scale</a:t>
+            </a:r>
+            <a:r>
+              <a:rPr lang="en-US" sz="2400" dirty="0" smtClean="0"/>
+              <a:t>(</a:t>
+            </a:r>
+            <a:r>
+              <a:rPr lang="en-US" sz="2400" dirty="0" err="1"/>
+              <a:t>d.Age</a:t>
+            </a:r>
+            <a:r>
+              <a:rPr lang="en-US" sz="2400" dirty="0"/>
+              <a:t>) + ",0)"; });</a:t>
+            </a:r>
+          </a:p>
+        </p:txBody>
+      </p:sp>
+      <p:sp>
+        <p:nvSpPr>
           <p:cNvPr id="2" name="Title 1"/>
           <p:cNvSpPr>
             <a:spLocks noGrp="1"/>
@@ -21457,183 +22151,6 @@
       </p:sp>
       <p:sp>
         <p:nvSpPr>
-          <p:cNvPr id="3" name="Content Placeholder 2"/>
-          <p:cNvSpPr>
-            <a:spLocks noGrp="1"/>
-          </p:cNvSpPr>
-          <p:nvPr>
-            <p:ph idx="1"/>
-          </p:nvPr>
-        </p:nvSpPr>
-        <p:spPr>
-          <a:xfrm>
-            <a:off x="1128943" y="1847153"/>
-            <a:ext cx="7887140" cy="4379976"/>
-          </a:xfrm>
-        </p:spPr>
-        <p:txBody>
-          <a:bodyPr/>
-          <a:lstStyle/>
-          <a:p>
-            <a:pPr marL="0" indent="0">
-              <a:buNone/>
-            </a:pPr>
-            <a:r>
-              <a:rPr lang="en-US" sz="2400" dirty="0"/>
-              <a:t> // The selection '.age' will correspond to the data</a:t>
-            </a:r>
-          </a:p>
-          <a:p>
-            <a:pPr marL="0" indent="0">
-              <a:buNone/>
-            </a:pPr>
-            <a:r>
-              <a:rPr lang="en-US" sz="2400" dirty="0" err="1" smtClean="0"/>
-              <a:t>var</a:t>
-            </a:r>
-            <a:r>
-              <a:rPr lang="en-US" sz="2400" dirty="0" smtClean="0"/>
-              <a:t> </a:t>
-            </a:r>
-            <a:r>
-              <a:rPr lang="en-US" sz="2400" dirty="0"/>
-              <a:t>age = </a:t>
-            </a:r>
-            <a:r>
-              <a:rPr lang="en-US" sz="2400" dirty="0" err="1"/>
-              <a:t>svg.selectAll</a:t>
-            </a:r>
-            <a:r>
-              <a:rPr lang="en-US" sz="2400" dirty="0"/>
-              <a:t>(".Age")</a:t>
-            </a:r>
-          </a:p>
-          <a:p>
-            <a:pPr marL="0" indent="0">
-              <a:buNone/>
-            </a:pPr>
-            <a:r>
-              <a:rPr lang="en-US" sz="2400" dirty="0" smtClean="0"/>
-              <a:t>		.</a:t>
-            </a:r>
-            <a:r>
-              <a:rPr lang="en-US" sz="2400" dirty="0"/>
-              <a:t>data(data)</a:t>
-            </a:r>
-          </a:p>
-          <a:p>
-            <a:pPr marL="0" indent="0">
-              <a:buNone/>
-            </a:pPr>
-            <a:r>
-              <a:rPr lang="en-US" sz="2400" dirty="0" smtClean="0"/>
-              <a:t>	.</a:t>
-            </a:r>
-            <a:r>
-              <a:rPr lang="en-US" sz="2400" dirty="0"/>
-              <a:t>enter().append("g"</a:t>
-            </a:r>
-            <a:r>
-              <a:rPr lang="en-US" sz="2400" dirty="0" smtClean="0"/>
-              <a:t>)  </a:t>
-            </a:r>
-            <a:endParaRPr lang="en-US" sz="2400" dirty="0"/>
-          </a:p>
-          <a:p>
-            <a:pPr marL="0" indent="0">
-              <a:buNone/>
-            </a:pPr>
-            <a:r>
-              <a:rPr lang="en-US" sz="2400" dirty="0"/>
-              <a:t>           .</a:t>
-            </a:r>
-            <a:r>
-              <a:rPr lang="en-US" sz="2400" dirty="0" err="1"/>
-              <a:t>attr</a:t>
-            </a:r>
-            <a:r>
-              <a:rPr lang="en-US" sz="2400" dirty="0"/>
-              <a:t>("class", "g")</a:t>
-            </a:r>
-          </a:p>
-          <a:p>
-            <a:pPr marL="0" indent="0">
-              <a:buNone/>
-            </a:pPr>
-            <a:r>
-              <a:rPr lang="en-US" sz="2400" dirty="0"/>
-              <a:t>           .</a:t>
-            </a:r>
-            <a:r>
-              <a:rPr lang="en-US" sz="2400" dirty="0" err="1"/>
-              <a:t>attr</a:t>
-            </a:r>
-            <a:r>
-              <a:rPr lang="en-US" sz="2400" dirty="0"/>
-              <a:t>("</a:t>
-            </a:r>
-            <a:r>
-              <a:rPr lang="en-US" sz="2400" dirty="0" err="1"/>
-              <a:t>x_position</a:t>
-            </a:r>
-            <a:r>
-              <a:rPr lang="en-US" sz="2400" dirty="0"/>
-              <a:t>", function (d) {</a:t>
-            </a:r>
-            <a:r>
-              <a:rPr lang="en-US" sz="2400" dirty="0" smtClean="0"/>
-              <a:t>return x</a:t>
-            </a:r>
-            <a:r>
-              <a:rPr lang="en-US" sz="2400" dirty="0"/>
-              <a:t>(</a:t>
-            </a:r>
-            <a:r>
-              <a:rPr lang="en-US" sz="2400" dirty="0" err="1"/>
-              <a:t>d.Age</a:t>
-            </a:r>
-            <a:r>
-              <a:rPr lang="en-US" sz="2400" dirty="0"/>
-              <a:t>);})</a:t>
-            </a:r>
-          </a:p>
-          <a:p>
-            <a:pPr marL="0" indent="0">
-              <a:buNone/>
-            </a:pPr>
-            <a:r>
-              <a:rPr lang="en-US" sz="2400" dirty="0"/>
-              <a:t>           .</a:t>
-            </a:r>
-            <a:r>
-              <a:rPr lang="en-US" sz="2400" dirty="0" err="1"/>
-              <a:t>attr</a:t>
-            </a:r>
-            <a:r>
-              <a:rPr lang="en-US" sz="2400" dirty="0"/>
-              <a:t>("transform", function(d) {return "translate(" + </a:t>
-            </a:r>
-            <a:r>
-              <a:rPr lang="en-US" sz="2400" dirty="0" smtClean="0"/>
-              <a:t>				x</a:t>
-            </a:r>
-            <a:r>
-              <a:rPr lang="en-US" sz="2400" dirty="0"/>
-              <a:t>(</a:t>
-            </a:r>
-            <a:r>
-              <a:rPr lang="en-US" sz="2400" dirty="0" err="1"/>
-              <a:t>d.Age</a:t>
-            </a:r>
-            <a:r>
-              <a:rPr lang="en-US" sz="2400" dirty="0"/>
-              <a:t>) + ",0)"; });</a:t>
-            </a:r>
-          </a:p>
-        </p:txBody>
-      </p:sp>
-      <p:sp>
-        <p:nvSpPr>
           <p:cNvPr id="4" name="Date Placeholder 3"/>
           <p:cNvSpPr>
             <a:spLocks noGrp="1"/>
@@ -21649,7 +22166,7 @@
           <a:p>
             <a:fld id="{7053BEFA-1175-F644-B249-7D41D72BD3FF}" type="datetime1">
               <a:rPr lang="en-US" smtClean="0"/>
-              <a:t>2/3/14</a:t>
+              <a:t>2/7/14</a:t>
             </a:fld>
             <a:endParaRPr lang="en-US"/>
           </a:p>
@@ -21705,8 +22222,8 @@
         </p:nvSpPr>
         <p:spPr>
           <a:xfrm>
-            <a:off x="4191001" y="4068724"/>
-            <a:ext cx="4355598" cy="580403"/>
+            <a:off x="5559292" y="4068724"/>
+            <a:ext cx="3440871" cy="580403"/>
           </a:xfrm>
           <a:prstGeom prst="rect">
             <a:avLst/>
@@ -21745,15 +22262,15 @@
         </p:nvSpPr>
         <p:spPr>
           <a:xfrm>
-            <a:off x="6264636" y="2432182"/>
+            <a:off x="6718201" y="2432182"/>
             <a:ext cx="2441101" cy="1478475"/>
           </a:xfrm>
           <a:prstGeom prst="borderCallout1">
             <a:avLst>
               <a:gd name="adj1" fmla="val 58987"/>
               <a:gd name="adj2" fmla="val -5940"/>
-              <a:gd name="adj3" fmla="val 99351"/>
-              <a:gd name="adj4" fmla="val -56923"/>
+              <a:gd name="adj3" fmla="val 102857"/>
+              <a:gd name="adj4" fmla="val -25603"/>
             </a:avLst>
           </a:prstGeom>
           <a:ln/>
@@ -21928,6 +22445,191 @@
       </p:grpSpPr>
       <p:sp>
         <p:nvSpPr>
+          <p:cNvPr id="10" name="Content Placeholder 2"/>
+          <p:cNvSpPr>
+            <a:spLocks noGrp="1"/>
+          </p:cNvSpPr>
+          <p:nvPr>
+            <p:ph idx="1"/>
+          </p:nvPr>
+        </p:nvSpPr>
+        <p:spPr>
+          <a:xfrm>
+            <a:off x="701296" y="1847153"/>
+            <a:ext cx="9004780" cy="4379976"/>
+          </a:xfrm>
+        </p:spPr>
+        <p:txBody>
+          <a:bodyPr/>
+          <a:lstStyle/>
+          <a:p>
+            <a:pPr marL="0" indent="0">
+              <a:buNone/>
+            </a:pPr>
+            <a:r>
+              <a:rPr lang="en-US" sz="2400" dirty="0"/>
+              <a:t> // The selection '.age' will correspond to the data</a:t>
+            </a:r>
+          </a:p>
+          <a:p>
+            <a:pPr marL="0" indent="0">
+              <a:buNone/>
+            </a:pPr>
+            <a:r>
+              <a:rPr lang="en-US" sz="2400" dirty="0" err="1" smtClean="0"/>
+              <a:t>var</a:t>
+            </a:r>
+            <a:r>
+              <a:rPr lang="en-US" sz="2400" dirty="0" smtClean="0"/>
+              <a:t> </a:t>
+            </a:r>
+            <a:r>
+              <a:rPr lang="en-US" sz="2400" dirty="0"/>
+              <a:t>age = </a:t>
+            </a:r>
+            <a:r>
+              <a:rPr lang="en-US" sz="2400" dirty="0" err="1"/>
+              <a:t>svg.selectAll</a:t>
+            </a:r>
+            <a:r>
+              <a:rPr lang="en-US" sz="2400" dirty="0"/>
+              <a:t>(".Age")</a:t>
+            </a:r>
+          </a:p>
+          <a:p>
+            <a:pPr marL="0" indent="0">
+              <a:buNone/>
+            </a:pPr>
+            <a:r>
+              <a:rPr lang="en-US" sz="2400" dirty="0" smtClean="0"/>
+              <a:t>		.</a:t>
+            </a:r>
+            <a:r>
+              <a:rPr lang="en-US" sz="2400" dirty="0"/>
+              <a:t>data(data)</a:t>
+            </a:r>
+          </a:p>
+          <a:p>
+            <a:pPr marL="0" indent="0">
+              <a:buNone/>
+            </a:pPr>
+            <a:r>
+              <a:rPr lang="en-US" sz="2400" dirty="0" smtClean="0"/>
+              <a:t>	.</a:t>
+            </a:r>
+            <a:r>
+              <a:rPr lang="en-US" sz="2400" dirty="0"/>
+              <a:t>enter().append("g"</a:t>
+            </a:r>
+            <a:r>
+              <a:rPr lang="en-US" sz="2400" dirty="0" smtClean="0"/>
+              <a:t>)  </a:t>
+            </a:r>
+            <a:endParaRPr lang="en-US" sz="2400" dirty="0"/>
+          </a:p>
+          <a:p>
+            <a:pPr marL="0" indent="0">
+              <a:buNone/>
+            </a:pPr>
+            <a:r>
+              <a:rPr lang="en-US" sz="2400" dirty="0"/>
+              <a:t>           .</a:t>
+            </a:r>
+            <a:r>
+              <a:rPr lang="en-US" sz="2400" dirty="0" err="1"/>
+              <a:t>attr</a:t>
+            </a:r>
+            <a:r>
+              <a:rPr lang="en-US" sz="2400" dirty="0"/>
+              <a:t>("class", "g")</a:t>
+            </a:r>
+          </a:p>
+          <a:p>
+            <a:pPr marL="0" indent="0">
+              <a:buNone/>
+            </a:pPr>
+            <a:r>
+              <a:rPr lang="en-US" sz="2400" dirty="0"/>
+              <a:t>           .</a:t>
+            </a:r>
+            <a:r>
+              <a:rPr lang="en-US" sz="2400" dirty="0" err="1"/>
+              <a:t>attr</a:t>
+            </a:r>
+            <a:r>
+              <a:rPr lang="en-US" sz="2400" dirty="0"/>
+              <a:t>("</a:t>
+            </a:r>
+            <a:r>
+              <a:rPr lang="en-US" sz="2400" dirty="0" err="1"/>
+              <a:t>x_position</a:t>
+            </a:r>
+            <a:r>
+              <a:rPr lang="en-US" sz="2400" dirty="0"/>
+              <a:t>", function (d) {</a:t>
+            </a:r>
+            <a:r>
+              <a:rPr lang="en-US" sz="2400" dirty="0" smtClean="0"/>
+              <a:t>return </a:t>
+            </a:r>
+            <a:r>
+              <a:rPr lang="en-US" sz="2400" dirty="0" err="1" smtClean="0"/>
+              <a:t>x_scale</a:t>
+            </a:r>
+            <a:r>
+              <a:rPr lang="en-US" sz="2400" dirty="0" smtClean="0"/>
+              <a:t>(</a:t>
+            </a:r>
+            <a:r>
+              <a:rPr lang="en-US" sz="2400" dirty="0" err="1"/>
+              <a:t>d.Age</a:t>
+            </a:r>
+            <a:r>
+              <a:rPr lang="en-US" sz="2400" dirty="0"/>
+              <a:t>);})</a:t>
+            </a:r>
+          </a:p>
+          <a:p>
+            <a:pPr marL="0" indent="0">
+              <a:buNone/>
+            </a:pPr>
+            <a:r>
+              <a:rPr lang="en-US" sz="2400" dirty="0"/>
+              <a:t>           .</a:t>
+            </a:r>
+            <a:r>
+              <a:rPr lang="en-US" sz="2400" dirty="0" err="1"/>
+              <a:t>attr</a:t>
+            </a:r>
+            <a:r>
+              <a:rPr lang="en-US" sz="2400" dirty="0"/>
+              <a:t>("transform", function(d) {return "translate(" + </a:t>
+            </a:r>
+            <a:r>
+              <a:rPr lang="en-US" sz="2400" dirty="0" smtClean="0"/>
+              <a:t>				</a:t>
+            </a:r>
+            <a:r>
+              <a:rPr lang="en-US" sz="2400" dirty="0" err="1" smtClean="0"/>
+              <a:t>x_scale</a:t>
+            </a:r>
+            <a:r>
+              <a:rPr lang="en-US" sz="2400" dirty="0" smtClean="0"/>
+              <a:t>(</a:t>
+            </a:r>
+            <a:r>
+              <a:rPr lang="en-US" sz="2400" dirty="0" err="1"/>
+              <a:t>d.Age</a:t>
+            </a:r>
+            <a:r>
+              <a:rPr lang="en-US" sz="2400" dirty="0"/>
+              <a:t>) + ",0)"; });</a:t>
+            </a:r>
+          </a:p>
+        </p:txBody>
+      </p:sp>
+      <p:sp>
+        <p:nvSpPr>
           <p:cNvPr id="2" name="Title 1"/>
           <p:cNvSpPr>
             <a:spLocks noGrp="1"/>
@@ -21956,183 +22658,6 @@
       </p:sp>
       <p:sp>
         <p:nvSpPr>
-          <p:cNvPr id="3" name="Content Placeholder 2"/>
-          <p:cNvSpPr>
-            <a:spLocks noGrp="1"/>
-          </p:cNvSpPr>
-          <p:nvPr>
-            <p:ph idx="1"/>
-          </p:nvPr>
-        </p:nvSpPr>
-        <p:spPr>
-          <a:xfrm>
-            <a:off x="1128943" y="1847153"/>
-            <a:ext cx="7887140" cy="4379976"/>
-          </a:xfrm>
-        </p:spPr>
-        <p:txBody>
-          <a:bodyPr/>
-          <a:lstStyle/>
-          <a:p>
-            <a:pPr marL="0" indent="0">
-              <a:buNone/>
-            </a:pPr>
-            <a:r>
-              <a:rPr lang="en-US" sz="2400" dirty="0"/>
-              <a:t> // The selection '.age' will correspond to the data</a:t>
-            </a:r>
-          </a:p>
-          <a:p>
-            <a:pPr marL="0" indent="0">
-              <a:buNone/>
-            </a:pPr>
-            <a:r>
-              <a:rPr lang="en-US" sz="2400" dirty="0" err="1" smtClean="0"/>
-              <a:t>var</a:t>
-            </a:r>
-            <a:r>
-              <a:rPr lang="en-US" sz="2400" dirty="0" smtClean="0"/>
-              <a:t> </a:t>
-            </a:r>
-            <a:r>
-              <a:rPr lang="en-US" sz="2400" dirty="0"/>
-              <a:t>age = </a:t>
-            </a:r>
-            <a:r>
-              <a:rPr lang="en-US" sz="2400" dirty="0" err="1"/>
-              <a:t>svg.selectAll</a:t>
-            </a:r>
-            <a:r>
-              <a:rPr lang="en-US" sz="2400" dirty="0"/>
-              <a:t>(".Age")</a:t>
-            </a:r>
-          </a:p>
-          <a:p>
-            <a:pPr marL="0" indent="0">
-              <a:buNone/>
-            </a:pPr>
-            <a:r>
-              <a:rPr lang="en-US" sz="2400" dirty="0" smtClean="0"/>
-              <a:t>		.</a:t>
-            </a:r>
-            <a:r>
-              <a:rPr lang="en-US" sz="2400" dirty="0"/>
-              <a:t>data(data)</a:t>
-            </a:r>
-          </a:p>
-          <a:p>
-            <a:pPr marL="0" indent="0">
-              <a:buNone/>
-            </a:pPr>
-            <a:r>
-              <a:rPr lang="en-US" sz="2400" dirty="0" smtClean="0"/>
-              <a:t>	.</a:t>
-            </a:r>
-            <a:r>
-              <a:rPr lang="en-US" sz="2400" dirty="0"/>
-              <a:t>enter().append("g"</a:t>
-            </a:r>
-            <a:r>
-              <a:rPr lang="en-US" sz="2400" dirty="0" smtClean="0"/>
-              <a:t>)  </a:t>
-            </a:r>
-            <a:endParaRPr lang="en-US" sz="2400" dirty="0"/>
-          </a:p>
-          <a:p>
-            <a:pPr marL="0" indent="0">
-              <a:buNone/>
-            </a:pPr>
-            <a:r>
-              <a:rPr lang="en-US" sz="2400" dirty="0"/>
-              <a:t>           .</a:t>
-            </a:r>
-            <a:r>
-              <a:rPr lang="en-US" sz="2400" dirty="0" err="1"/>
-              <a:t>attr</a:t>
-            </a:r>
-            <a:r>
-              <a:rPr lang="en-US" sz="2400" dirty="0"/>
-              <a:t>("class", "g")</a:t>
-            </a:r>
-          </a:p>
-          <a:p>
-            <a:pPr marL="0" indent="0">
-              <a:buNone/>
-            </a:pPr>
-            <a:r>
-              <a:rPr lang="en-US" sz="2400" dirty="0"/>
-              <a:t>           .</a:t>
-            </a:r>
-            <a:r>
-              <a:rPr lang="en-US" sz="2400" dirty="0" err="1"/>
-              <a:t>attr</a:t>
-            </a:r>
-            <a:r>
-              <a:rPr lang="en-US" sz="2400" dirty="0"/>
-              <a:t>("</a:t>
-            </a:r>
-            <a:r>
-              <a:rPr lang="en-US" sz="2400" dirty="0" err="1"/>
-              <a:t>x_position</a:t>
-            </a:r>
-            <a:r>
-              <a:rPr lang="en-US" sz="2400" dirty="0"/>
-              <a:t>", function (d) {</a:t>
-            </a:r>
-            <a:r>
-              <a:rPr lang="en-US" sz="2400" dirty="0" smtClean="0"/>
-              <a:t>return x</a:t>
-            </a:r>
-            <a:r>
-              <a:rPr lang="en-US" sz="2400" dirty="0"/>
-              <a:t>(</a:t>
-            </a:r>
-            <a:r>
-              <a:rPr lang="en-US" sz="2400" dirty="0" err="1"/>
-              <a:t>d.Age</a:t>
-            </a:r>
-            <a:r>
-              <a:rPr lang="en-US" sz="2400" dirty="0"/>
-              <a:t>);})</a:t>
-            </a:r>
-          </a:p>
-          <a:p>
-            <a:pPr marL="0" indent="0">
-              <a:buNone/>
-            </a:pPr>
-            <a:r>
-              <a:rPr lang="en-US" sz="2400" dirty="0"/>
-              <a:t>           .</a:t>
-            </a:r>
-            <a:r>
-              <a:rPr lang="en-US" sz="2400" dirty="0" err="1"/>
-              <a:t>attr</a:t>
-            </a:r>
-            <a:r>
-              <a:rPr lang="en-US" sz="2400" dirty="0"/>
-              <a:t>("transform", function(d) {return "translate(" + </a:t>
-            </a:r>
-            <a:r>
-              <a:rPr lang="en-US" sz="2400" dirty="0" smtClean="0"/>
-              <a:t>				x</a:t>
-            </a:r>
-            <a:r>
-              <a:rPr lang="en-US" sz="2400" dirty="0"/>
-              <a:t>(</a:t>
-            </a:r>
-            <a:r>
-              <a:rPr lang="en-US" sz="2400" dirty="0" err="1"/>
-              <a:t>d.Age</a:t>
-            </a:r>
-            <a:r>
-              <a:rPr lang="en-US" sz="2400" dirty="0"/>
-              <a:t>) + ",0)"; });</a:t>
-            </a:r>
-          </a:p>
-        </p:txBody>
-      </p:sp>
-      <p:sp>
-        <p:nvSpPr>
           <p:cNvPr id="4" name="Date Placeholder 3"/>
           <p:cNvSpPr>
             <a:spLocks noGrp="1"/>
@@ -22148,7 +22673,7 @@
           <a:p>
             <a:fld id="{7053BEFA-1175-F644-B249-7D41D72BD3FF}" type="datetime1">
               <a:rPr lang="en-US" smtClean="0"/>
-              <a:t>2/3/14</a:t>
+              <a:t>2/7/14</a:t>
             </a:fld>
             <a:endParaRPr lang="en-US"/>
           </a:p>
@@ -22204,8 +22729,8 @@
         </p:nvSpPr>
         <p:spPr>
           <a:xfrm>
-            <a:off x="1909037" y="4649127"/>
-            <a:ext cx="6796699" cy="986538"/>
+            <a:off x="1027825" y="4649127"/>
+            <a:ext cx="7988258" cy="986538"/>
           </a:xfrm>
           <a:prstGeom prst="rect">
             <a:avLst/>
@@ -22244,8 +22769,8 @@
         </p:nvSpPr>
         <p:spPr>
           <a:xfrm>
-            <a:off x="6264636" y="2432182"/>
-            <a:ext cx="2441101" cy="1478475"/>
+            <a:off x="5383424" y="2432182"/>
+            <a:ext cx="2869061" cy="1478475"/>
           </a:xfrm>
           <a:prstGeom prst="borderCallout1">
             <a:avLst>
@@ -22300,6 +22825,13 @@
   <p:clrMapOvr>
     <a:masterClrMapping/>
   </p:clrMapOvr>
+  <p:timing>
+    <p:tnLst>
+      <p:par>
+        <p:cTn xmlns:p14="http://schemas.microsoft.com/office/powerpoint/2010/main" id="1" dur="indefinite" restart="never" nodeType="tmRoot"/>
+      </p:par>
+    </p:tnLst>
+  </p:timing>
 </p:sld>
 </file>
 
@@ -22475,8 +23007,8 @@
               <a:t>("width", </a:t>
             </a:r>
             <a:r>
-              <a:rPr lang="en-US" sz="2400" dirty="0" err="1"/>
-              <a:t>x.rangeBand</a:t>
+              <a:rPr lang="en-US" sz="2400" dirty="0" err="1" smtClean="0"/>
+              <a:t>x_scale.rangeBand</a:t>
             </a:r>
             <a:r>
               <a:rPr lang="en-US" sz="2400" dirty="0"/>
@@ -22499,7 +23031,19 @@
             </a:r>
             <a:r>
               <a:rPr lang="en-US" sz="2400" dirty="0"/>
-              <a:t>("y", function(d) { return y(d.y1); }</a:t>
+              <a:t>("y", function(d) { return </a:t>
+            </a:r>
+            <a:r>
+              <a:rPr lang="en-US" sz="2400" dirty="0" err="1" smtClean="0"/>
+              <a:t>y_scale</a:t>
+            </a:r>
+            <a:r>
+              <a:rPr lang="en-US" sz="2400" dirty="0" smtClean="0"/>
+              <a:t>(</a:t>
+            </a:r>
+            <a:r>
+              <a:rPr lang="en-US" sz="2400" dirty="0"/>
+              <a:t>d.y1); }</a:t>
             </a:r>
             <a:r>
               <a:rPr lang="en-US" sz="2400" dirty="0" smtClean="0"/>
@@ -22518,30 +23062,65 @@
             </a:r>
             <a:r>
               <a:rPr lang="en-US" sz="2400" dirty="0"/>
-              <a:t>("height", function(d) { return y(d.y0) - y(d.y1); })</a:t>
-            </a:r>
-          </a:p>
-          <a:p>
-            <a:pPr marL="0" indent="0">
-              <a:buNone/>
-            </a:pPr>
+              <a:t>("height", function(d) { return </a:t>
+            </a:r>
+            <a:r>
+              <a:rPr lang="en-US" sz="2400" dirty="0" err="1" smtClean="0"/>
+              <a:t>y_scale</a:t>
+            </a:r>
             <a:r>
               <a:rPr lang="en-US" sz="2400" dirty="0" smtClean="0"/>
-              <a:t>		/</a:t>
-            </a:r>
-            <a:r>
-              <a:rPr lang="en-US" sz="2400" dirty="0"/>
-              <a:t>/ use the color scale to determine the fill </a:t>
+              <a:t>(</a:t>
+            </a:r>
+            <a:r>
+              <a:rPr lang="en-US" sz="2400" dirty="0"/>
+              <a:t>d.y0) </a:t>
             </a:r>
             <a:r>
               <a:rPr lang="en-US" sz="2400" dirty="0" smtClean="0"/>
-              <a:t>color</a:t>
+              <a:t>– </a:t>
             </a:r>
             <a:br>
               <a:rPr lang="en-US" sz="2400" dirty="0" smtClean="0"/>
             </a:br>
             <a:r>
               <a:rPr lang="en-US" sz="2400" dirty="0" smtClean="0"/>
+              <a:t>			</a:t>
+            </a:r>
+            <a:r>
+              <a:rPr lang="en-US" sz="2400" dirty="0" err="1" smtClean="0"/>
+              <a:t>y_scale</a:t>
+            </a:r>
+            <a:r>
+              <a:rPr lang="en-US" sz="2400" dirty="0" smtClean="0"/>
+              <a:t>(</a:t>
+            </a:r>
+            <a:r>
+              <a:rPr lang="en-US" sz="2400" dirty="0"/>
+              <a:t>d.y1); })</a:t>
+            </a:r>
+          </a:p>
+          <a:p>
+            <a:pPr marL="0" indent="0">
+              <a:buNone/>
+            </a:pPr>
+            <a:r>
+              <a:rPr lang="en-US" sz="2400" dirty="0" smtClean="0"/>
+              <a:t>		/</a:t>
+            </a:r>
+            <a:r>
+              <a:rPr lang="en-US" sz="2400" dirty="0"/>
+              <a:t>/ use the color scale to determine the fill </a:t>
+            </a:r>
+            <a:r>
+              <a:rPr lang="en-US" sz="2400" dirty="0" smtClean="0"/>
+              <a:t>color</a:t>
+            </a:r>
+            <a:br>
+              <a:rPr lang="en-US" sz="2400" dirty="0" smtClean="0"/>
+            </a:br>
+            <a:r>
+              <a:rPr lang="en-US" sz="2400" dirty="0" smtClean="0"/>
               <a:t>		.</a:t>
             </a:r>
             <a:r>
@@ -22573,7 +23152,6 @@
               <a:rPr lang="en-US" sz="2400" dirty="0"/>
               <a:t>	</a:t>
             </a:r>
-            <a:endParaRPr lang="en-US" sz="2400" dirty="0"/>
           </a:p>
         </p:txBody>
       </p:sp>
@@ -22594,7 +23172,7 @@
           <a:p>
             <a:fld id="{7053BEFA-1175-F644-B249-7D41D72BD3FF}" type="datetime1">
               <a:rPr lang="en-US" smtClean="0"/>
-              <a:t>2/3/14</a:t>
+              <a:t>2/7/14</a:t>
             </a:fld>
             <a:endParaRPr lang="en-US"/>
           </a:p>
@@ -22652,6 +23230,13 @@
   <p:clrMapOvr>
     <a:masterClrMapping/>
   </p:clrMapOvr>
+  <p:timing>
+    <p:tnLst>
+      <p:par>
+        <p:cTn xmlns:p14="http://schemas.microsoft.com/office/powerpoint/2010/main" id="1" dur="indefinite" restart="never" nodeType="tmRoot"/>
+      </p:par>
+    </p:tnLst>
+  </p:timing>
 </p:sld>
 </file>
 
@@ -22842,7 +23427,7 @@
               <a:rPr lang="en-US" sz="2400" dirty="0" smtClean="0"/>
             </a:br>
             <a:r>
-              <a:rPr lang="en-US" sz="2400" dirty="0" smtClean="0"/>
+              <a:rPr lang="en-US" sz="2400" dirty="0"/>
               <a:t>		.</a:t>
             </a:r>
             <a:r>
@@ -22851,11 +23436,70 @@
             </a:r>
             <a:r>
               <a:rPr lang="en-US" sz="2400" dirty="0"/>
-              <a:t>("y", function(d) { return y(d.y1); }</a:t>
-            </a:r>
+              <a:t>("y", function(d) { return </a:t>
+            </a:r>
+            <a:r>
+              <a:rPr lang="en-US" sz="2400" dirty="0" err="1"/>
+              <a:t>y_scale</a:t>
+            </a:r>
+            <a:r>
+              <a:rPr lang="en-US" sz="2400" dirty="0"/>
+              <a:t>(d.y1); })</a:t>
+            </a:r>
+            <a:br>
+              <a:rPr lang="en-US" sz="2400" dirty="0"/>
+            </a:br>
+            <a:r>
+              <a:rPr lang="en-US" sz="2400" dirty="0"/>
+              <a:t>		.</a:t>
+            </a:r>
+            <a:r>
+              <a:rPr lang="en-US" sz="2400" dirty="0" err="1"/>
+              <a:t>attr</a:t>
+            </a:r>
+            <a:r>
+              <a:rPr lang="en-US" sz="2400" dirty="0"/>
+              <a:t>("height", function(d) { return </a:t>
+            </a:r>
+            <a:r>
+              <a:rPr lang="en-US" sz="2400" dirty="0" err="1"/>
+              <a:t>y_scale</a:t>
+            </a:r>
+            <a:r>
+              <a:rPr lang="en-US" sz="2400" dirty="0"/>
+              <a:t>(d.y0) – </a:t>
+            </a:r>
+            <a:br>
+              <a:rPr lang="en-US" sz="2400" dirty="0"/>
+            </a:br>
+            <a:r>
+              <a:rPr lang="en-US" sz="2400" dirty="0"/>
+              <a:t>			</a:t>
+            </a:r>
+            <a:r>
+              <a:rPr lang="en-US" sz="2400" dirty="0" err="1"/>
+              <a:t>y_scale</a:t>
+            </a:r>
+            <a:r>
+              <a:rPr lang="en-US" sz="2400" dirty="0"/>
+              <a:t>(d.y1); })</a:t>
+            </a:r>
+          </a:p>
+          <a:p>
+            <a:pPr marL="0" indent="0">
+              <a:buNone/>
+            </a:pPr>
             <a:r>
               <a:rPr lang="en-US" sz="2400" dirty="0" smtClean="0"/>
-              <a:t>)</a:t>
+              <a:t>		/</a:t>
+            </a:r>
+            <a:r>
+              <a:rPr lang="en-US" sz="2400" dirty="0"/>
+              <a:t>/ use the color scale to determine the fill </a:t>
+            </a:r>
+            <a:r>
+              <a:rPr lang="en-US" sz="2400" dirty="0" smtClean="0"/>
+              <a:t>color</a:t>
             </a:r>
             <a:br>
               <a:rPr lang="en-US" sz="2400" dirty="0" smtClean="0"/>
@@ -22865,38 +23509,6 @@
               <a:t>		.</a:t>
             </a:r>
             <a:r>
-              <a:rPr lang="en-US" sz="2400" dirty="0" err="1"/>
-              <a:t>attr</a:t>
-            </a:r>
-            <a:r>
-              <a:rPr lang="en-US" sz="2400" dirty="0"/>
-              <a:t>("height", function(d) { return y(d.y0) - y(d.y1); })</a:t>
-            </a:r>
-          </a:p>
-          <a:p>
-            <a:pPr marL="0" indent="0">
-              <a:buNone/>
-            </a:pPr>
-            <a:r>
-              <a:rPr lang="en-US" sz="2400" dirty="0" smtClean="0"/>
-              <a:t>		/</a:t>
-            </a:r>
-            <a:r>
-              <a:rPr lang="en-US" sz="2400" dirty="0"/>
-              <a:t>/ use the color scale to determine the fill </a:t>
-            </a:r>
-            <a:r>
-              <a:rPr lang="en-US" sz="2400" dirty="0" smtClean="0"/>
-              <a:t>color</a:t>
-            </a:r>
-            <a:br>
-              <a:rPr lang="en-US" sz="2400" dirty="0" smtClean="0"/>
-            </a:br>
-            <a:r>
-              <a:rPr lang="en-US" sz="2400" dirty="0" smtClean="0"/>
-              <a:t>		.</a:t>
-            </a:r>
-            <a:r>
               <a:rPr lang="en-US" sz="2400" dirty="0" err="1" smtClean="0"/>
               <a:t>attr</a:t>
             </a:r>
@@ -22925,7 +23537,6 @@
               <a:rPr lang="en-US" sz="2400" dirty="0"/>
               <a:t>	</a:t>
             </a:r>
-            <a:endParaRPr lang="en-US" sz="2400" dirty="0"/>
           </a:p>
         </p:txBody>
       </p:sp>
@@ -22946,7 +23557,7 @@
           <a:p>
             <a:fld id="{7053BEFA-1175-F644-B249-7D41D72BD3FF}" type="datetime1">
               <a:rPr lang="en-US" smtClean="0"/>
-              <a:t>2/3/14</a:t>
+              <a:t>2/7/14</a:t>
             </a:fld>
             <a:endParaRPr lang="en-US"/>
           </a:p>
@@ -23102,6 +23713,13 @@
   <p:clrMapOvr>
     <a:masterClrMapping/>
   </p:clrMapOvr>
+  <p:timing>
+    <p:tnLst>
+      <p:par>
+        <p:cTn xmlns:p14="http://schemas.microsoft.com/office/powerpoint/2010/main" id="1" dur="indefinite" restart="never" nodeType="tmRoot"/>
+      </p:par>
+    </p:tnLst>
+  </p:timing>
 </p:sld>
 </file>
 
@@ -23292,7 +23910,7 @@
               <a:rPr lang="en-US" sz="2400" dirty="0" smtClean="0"/>
             </a:br>
             <a:r>
-              <a:rPr lang="en-US" sz="2400" dirty="0" smtClean="0"/>
+              <a:rPr lang="en-US" sz="2400" dirty="0"/>
               <a:t>		.</a:t>
             </a:r>
             <a:r>
@@ -23301,11 +23919,70 @@
             </a:r>
             <a:r>
               <a:rPr lang="en-US" sz="2400" dirty="0"/>
-              <a:t>("y", function(d) { return y(d.y1); }</a:t>
-            </a:r>
+              <a:t>("y", function(d) { return </a:t>
+            </a:r>
+            <a:r>
+              <a:rPr lang="en-US" sz="2400" dirty="0" err="1"/>
+              <a:t>y_scale</a:t>
+            </a:r>
+            <a:r>
+              <a:rPr lang="en-US" sz="2400" dirty="0"/>
+              <a:t>(d.y1); })</a:t>
+            </a:r>
+            <a:br>
+              <a:rPr lang="en-US" sz="2400" dirty="0"/>
+            </a:br>
+            <a:r>
+              <a:rPr lang="en-US" sz="2400" dirty="0"/>
+              <a:t>		.</a:t>
+            </a:r>
+            <a:r>
+              <a:rPr lang="en-US" sz="2400" dirty="0" err="1"/>
+              <a:t>attr</a:t>
+            </a:r>
+            <a:r>
+              <a:rPr lang="en-US" sz="2400" dirty="0"/>
+              <a:t>("height", function(d) { return </a:t>
+            </a:r>
+            <a:r>
+              <a:rPr lang="en-US" sz="2400" dirty="0" err="1"/>
+              <a:t>y_scale</a:t>
+            </a:r>
+            <a:r>
+              <a:rPr lang="en-US" sz="2400" dirty="0"/>
+              <a:t>(d.y0) – </a:t>
+            </a:r>
+            <a:br>
+              <a:rPr lang="en-US" sz="2400" dirty="0"/>
+            </a:br>
+            <a:r>
+              <a:rPr lang="en-US" sz="2400" dirty="0"/>
+              <a:t>			</a:t>
+            </a:r>
+            <a:r>
+              <a:rPr lang="en-US" sz="2400" dirty="0" err="1"/>
+              <a:t>y_scale</a:t>
+            </a:r>
+            <a:r>
+              <a:rPr lang="en-US" sz="2400" dirty="0"/>
+              <a:t>(d.y1); })</a:t>
+            </a:r>
+          </a:p>
+          <a:p>
+            <a:pPr marL="0" indent="0">
+              <a:buNone/>
+            </a:pPr>
             <a:r>
               <a:rPr lang="en-US" sz="2400" dirty="0" smtClean="0"/>
-              <a:t>)</a:t>
+              <a:t>		/</a:t>
+            </a:r>
+            <a:r>
+              <a:rPr lang="en-US" sz="2400" dirty="0"/>
+              <a:t>/ use the color scale to determine the fill </a:t>
+            </a:r>
+            <a:r>
+              <a:rPr lang="en-US" sz="2400" dirty="0" smtClean="0"/>
+              <a:t>color</a:t>
             </a:r>
             <a:br>
               <a:rPr lang="en-US" sz="2400" dirty="0" smtClean="0"/>
@@ -23315,38 +23992,6 @@
               <a:t>		.</a:t>
             </a:r>
             <a:r>
-              <a:rPr lang="en-US" sz="2400" dirty="0" err="1"/>
-              <a:t>attr</a:t>
-            </a:r>
-            <a:r>
-              <a:rPr lang="en-US" sz="2400" dirty="0"/>
-              <a:t>("height", function(d) { return y(d.y0) - y(d.y1); })</a:t>
-            </a:r>
-          </a:p>
-          <a:p>
-            <a:pPr marL="0" indent="0">
-              <a:buNone/>
-            </a:pPr>
-            <a:r>
-              <a:rPr lang="en-US" sz="2400" dirty="0" smtClean="0"/>
-              <a:t>		/</a:t>
-            </a:r>
-            <a:r>
-              <a:rPr lang="en-US" sz="2400" dirty="0"/>
-              <a:t>/ use the color scale to determine the fill </a:t>
-            </a:r>
-            <a:r>
-              <a:rPr lang="en-US" sz="2400" dirty="0" smtClean="0"/>
-              <a:t>color</a:t>
-            </a:r>
-            <a:br>
-              <a:rPr lang="en-US" sz="2400" dirty="0" smtClean="0"/>
-            </a:br>
-            <a:r>
-              <a:rPr lang="en-US" sz="2400" dirty="0" smtClean="0"/>
-              <a:t>		.</a:t>
-            </a:r>
-            <a:r>
               <a:rPr lang="en-US" sz="2400" dirty="0" err="1" smtClean="0"/>
               <a:t>attr</a:t>
             </a:r>
@@ -23375,7 +24020,6 @@
               <a:rPr lang="en-US" sz="2400" dirty="0"/>
               <a:t>	</a:t>
             </a:r>
-            <a:endParaRPr lang="en-US" sz="2400" dirty="0"/>
           </a:p>
         </p:txBody>
       </p:sp>
@@ -23396,7 +24040,7 @@
           <a:p>
             <a:fld id="{7053BEFA-1175-F644-B249-7D41D72BD3FF}" type="datetime1">
               <a:rPr lang="en-US" smtClean="0"/>
-              <a:t>2/3/14</a:t>
+              <a:t>2/7/14</a:t>
             </a:fld>
             <a:endParaRPr lang="en-US"/>
           </a:p>
@@ -23548,6 +24192,13 @@
   <p:clrMapOvr>
     <a:masterClrMapping/>
   </p:clrMapOvr>
+  <p:timing>
+    <p:tnLst>
+      <p:par>
+        <p:cTn xmlns:p14="http://schemas.microsoft.com/office/powerpoint/2010/main" id="1" dur="indefinite" restart="never" nodeType="tmRoot"/>
+      </p:par>
+    </p:tnLst>
+  </p:timing>
 </p:sld>
 </file>
 
@@ -23738,7 +24389,7 @@
               <a:rPr lang="en-US" sz="2400" dirty="0" smtClean="0"/>
             </a:br>
             <a:r>
-              <a:rPr lang="en-US" sz="2400" dirty="0" smtClean="0"/>
+              <a:rPr lang="en-US" sz="2400" dirty="0"/>
               <a:t>		.</a:t>
             </a:r>
             <a:r>
@@ -23747,11 +24398,70 @@
             </a:r>
             <a:r>
               <a:rPr lang="en-US" sz="2400" dirty="0"/>
-              <a:t>("y", function(d) { return y(d.y1); }</a:t>
-            </a:r>
+              <a:t>("y", function(d) { return </a:t>
+            </a:r>
+            <a:r>
+              <a:rPr lang="en-US" sz="2400" dirty="0" err="1"/>
+              <a:t>y_scale</a:t>
+            </a:r>
+            <a:r>
+              <a:rPr lang="en-US" sz="2400" dirty="0"/>
+              <a:t>(d.y1); })</a:t>
+            </a:r>
+            <a:br>
+              <a:rPr lang="en-US" sz="2400" dirty="0"/>
+            </a:br>
+            <a:r>
+              <a:rPr lang="en-US" sz="2400" dirty="0"/>
+              <a:t>		.</a:t>
+            </a:r>
+            <a:r>
+              <a:rPr lang="en-US" sz="2400" dirty="0" err="1"/>
+              <a:t>attr</a:t>
+            </a:r>
+            <a:r>
+              <a:rPr lang="en-US" sz="2400" dirty="0"/>
+              <a:t>("height", function(d) { return </a:t>
+            </a:r>
+            <a:r>
+              <a:rPr lang="en-US" sz="2400" dirty="0" err="1"/>
+              <a:t>y_scale</a:t>
+            </a:r>
+            <a:r>
+              <a:rPr lang="en-US" sz="2400" dirty="0"/>
+              <a:t>(d.y0) – </a:t>
+            </a:r>
+            <a:br>
+              <a:rPr lang="en-US" sz="2400" dirty="0"/>
+            </a:br>
+            <a:r>
+              <a:rPr lang="en-US" sz="2400" dirty="0"/>
+              <a:t>			</a:t>
+            </a:r>
+            <a:r>
+              <a:rPr lang="en-US" sz="2400" dirty="0" err="1"/>
+              <a:t>y_scale</a:t>
+            </a:r>
+            <a:r>
+              <a:rPr lang="en-US" sz="2400" dirty="0"/>
+              <a:t>(d.y1); })</a:t>
+            </a:r>
+          </a:p>
+          <a:p>
+            <a:pPr marL="0" indent="0">
+              <a:buNone/>
+            </a:pPr>
             <a:r>
               <a:rPr lang="en-US" sz="2400" dirty="0" smtClean="0"/>
-              <a:t>)</a:t>
+              <a:t>		/</a:t>
+            </a:r>
+            <a:r>
+              <a:rPr lang="en-US" sz="2400" dirty="0"/>
+              <a:t>/ use the color scale to determine the fill </a:t>
+            </a:r>
+            <a:r>
+              <a:rPr lang="en-US" sz="2400" dirty="0" smtClean="0"/>
+              <a:t>color</a:t>
             </a:r>
             <a:br>
               <a:rPr lang="en-US" sz="2400" dirty="0" smtClean="0"/>
@@ -23761,38 +24471,6 @@
               <a:t>		.</a:t>
             </a:r>
             <a:r>
-              <a:rPr lang="en-US" sz="2400" dirty="0" err="1"/>
-              <a:t>attr</a:t>
-            </a:r>
-            <a:r>
-              <a:rPr lang="en-US" sz="2400" dirty="0"/>
-              <a:t>("height", function(d) { return y(d.y0) - y(d.y1); })</a:t>
-            </a:r>
-          </a:p>
-          <a:p>
-            <a:pPr marL="0" indent="0">
-              <a:buNone/>
-            </a:pPr>
-            <a:r>
-              <a:rPr lang="en-US" sz="2400" dirty="0" smtClean="0"/>
-              <a:t>		/</a:t>
-            </a:r>
-            <a:r>
-              <a:rPr lang="en-US" sz="2400" dirty="0"/>
-              <a:t>/ use the color scale to determine the fill </a:t>
-            </a:r>
-            <a:r>
-              <a:rPr lang="en-US" sz="2400" dirty="0" smtClean="0"/>
-              <a:t>color</a:t>
-            </a:r>
-            <a:br>
-              <a:rPr lang="en-US" sz="2400" dirty="0" smtClean="0"/>
-            </a:br>
-            <a:r>
-              <a:rPr lang="en-US" sz="2400" dirty="0" smtClean="0"/>
-              <a:t>		.</a:t>
-            </a:r>
-            <a:r>
               <a:rPr lang="en-US" sz="2400" dirty="0" err="1" smtClean="0"/>
               <a:t>attr</a:t>
             </a:r>
@@ -23821,7 +24499,6 @@
               <a:rPr lang="en-US" sz="2400" dirty="0"/>
               <a:t>	</a:t>
             </a:r>
-            <a:endParaRPr lang="en-US" sz="2400" dirty="0"/>
           </a:p>
         </p:txBody>
       </p:sp>
@@ -23842,7 +24519,7 @@
           <a:p>
             <a:fld id="{7053BEFA-1175-F644-B249-7D41D72BD3FF}" type="datetime1">
               <a:rPr lang="en-US" smtClean="0"/>
-              <a:t>2/3/14</a:t>
+              <a:t>2/7/14</a:t>
             </a:fld>
             <a:endParaRPr lang="en-US"/>
           </a:p>
@@ -23994,6 +24671,13 @@
   <p:clrMapOvr>
     <a:masterClrMapping/>
   </p:clrMapOvr>
+  <p:timing>
+    <p:tnLst>
+      <p:par>
+        <p:cTn xmlns:p14="http://schemas.microsoft.com/office/powerpoint/2010/main" id="1" dur="indefinite" restart="never" nodeType="tmRoot"/>
+      </p:par>
+    </p:tnLst>
+  </p:timing>
 </p:sld>
 </file>
 
@@ -24185,7 +24869,11 @@
             </a:br>
             <a:r>
               <a:rPr lang="en-US" sz="2400" dirty="0" smtClean="0"/>
-              <a:t>		.</a:t>
+              <a:t>		</a:t>
+            </a:r>
+            <a:r>
+              <a:rPr lang="en-US" sz="2400" dirty="0" smtClean="0"/>
+              <a:t>.</a:t>
             </a:r>
             <a:r>
               <a:rPr lang="en-US" sz="2400" dirty="0" err="1"/>
@@ -24193,11 +24881,70 @@
             </a:r>
             <a:r>
               <a:rPr lang="en-US" sz="2400" dirty="0"/>
-              <a:t>("y", function(d) { return y(d.y1); }</a:t>
-            </a:r>
+              <a:t>("y", function(d) { return </a:t>
+            </a:r>
+            <a:r>
+              <a:rPr lang="en-US" sz="2400" dirty="0" err="1"/>
+              <a:t>y_scale</a:t>
+            </a:r>
+            <a:r>
+              <a:rPr lang="en-US" sz="2400" dirty="0"/>
+              <a:t>(d.y1); })</a:t>
+            </a:r>
+            <a:br>
+              <a:rPr lang="en-US" sz="2400" dirty="0"/>
+            </a:br>
+            <a:r>
+              <a:rPr lang="en-US" sz="2400" dirty="0"/>
+              <a:t>		.</a:t>
+            </a:r>
+            <a:r>
+              <a:rPr lang="en-US" sz="2400" dirty="0" err="1"/>
+              <a:t>attr</a:t>
+            </a:r>
+            <a:r>
+              <a:rPr lang="en-US" sz="2400" dirty="0"/>
+              <a:t>("height", function(d) { return </a:t>
+            </a:r>
+            <a:r>
+              <a:rPr lang="en-US" sz="2400" dirty="0" err="1"/>
+              <a:t>y_scale</a:t>
+            </a:r>
+            <a:r>
+              <a:rPr lang="en-US" sz="2400" dirty="0"/>
+              <a:t>(d.y0) – </a:t>
+            </a:r>
+            <a:br>
+              <a:rPr lang="en-US" sz="2400" dirty="0"/>
+            </a:br>
+            <a:r>
+              <a:rPr lang="en-US" sz="2400" dirty="0"/>
+              <a:t>			</a:t>
+            </a:r>
+            <a:r>
+              <a:rPr lang="en-US" sz="2400" dirty="0" err="1"/>
+              <a:t>y_scale</a:t>
+            </a:r>
+            <a:r>
+              <a:rPr lang="en-US" sz="2400" dirty="0"/>
+              <a:t>(d.y1); })</a:t>
+            </a:r>
+          </a:p>
+          <a:p>
+            <a:pPr marL="0" indent="0">
+              <a:buNone/>
+            </a:pPr>
             <a:r>
               <a:rPr lang="en-US" sz="2400" dirty="0" smtClean="0"/>
-              <a:t>)</a:t>
+              <a:t>		/</a:t>
+            </a:r>
+            <a:r>
+              <a:rPr lang="en-US" sz="2400" dirty="0"/>
+              <a:t>/ use the color scale to determine the fill </a:t>
+            </a:r>
+            <a:r>
+              <a:rPr lang="en-US" sz="2400" dirty="0" smtClean="0"/>
+              <a:t>color</a:t>
             </a:r>
             <a:br>
               <a:rPr lang="en-US" sz="2400" dirty="0" smtClean="0"/>
@@ -24207,38 +24954,6 @@
               <a:t>		.</a:t>
             </a:r>
             <a:r>
-              <a:rPr lang="en-US" sz="2400" dirty="0" err="1"/>
-              <a:t>attr</a:t>
-            </a:r>
-            <a:r>
-              <a:rPr lang="en-US" sz="2400" dirty="0"/>
-              <a:t>("height", function(d) { return y(d.y0) - y(d.y1); })</a:t>
-            </a:r>
-          </a:p>
-          <a:p>
-            <a:pPr marL="0" indent="0">
-              <a:buNone/>
-            </a:pPr>
-            <a:r>
-              <a:rPr lang="en-US" sz="2400" dirty="0" smtClean="0"/>
-              <a:t>		/</a:t>
-            </a:r>
-            <a:r>
-              <a:rPr lang="en-US" sz="2400" dirty="0"/>
-              <a:t>/ use the color scale to determine the fill </a:t>
-            </a:r>
-            <a:r>
-              <a:rPr lang="en-US" sz="2400" dirty="0" smtClean="0"/>
-              <a:t>color</a:t>
-            </a:r>
-            <a:br>
-              <a:rPr lang="en-US" sz="2400" dirty="0" smtClean="0"/>
-            </a:br>
-            <a:r>
-              <a:rPr lang="en-US" sz="2400" dirty="0" smtClean="0"/>
-              <a:t>		.</a:t>
-            </a:r>
-            <a:r>
               <a:rPr lang="en-US" sz="2400" dirty="0" err="1" smtClean="0"/>
               <a:t>attr</a:t>
             </a:r>
@@ -24267,7 +24982,6 @@
               <a:rPr lang="en-US" sz="2400" dirty="0"/>
               <a:t>	</a:t>
             </a:r>
-            <a:endParaRPr lang="en-US" sz="2400" dirty="0"/>
           </a:p>
         </p:txBody>
       </p:sp>
@@ -24288,7 +25002,7 @@
           <a:p>
             <a:fld id="{7053BEFA-1175-F644-B249-7D41D72BD3FF}" type="datetime1">
               <a:rPr lang="en-US" smtClean="0"/>
-              <a:t>2/3/14</a:t>
+              <a:t>2/7/14</a:t>
             </a:fld>
             <a:endParaRPr lang="en-US"/>
           </a:p>
@@ -24344,8 +25058,8 @@
         </p:nvSpPr>
         <p:spPr>
           <a:xfrm>
-            <a:off x="1768708" y="4652100"/>
-            <a:ext cx="7375292" cy="398212"/>
+            <a:off x="1768708" y="4652099"/>
+            <a:ext cx="7375292" cy="764327"/>
           </a:xfrm>
           <a:prstGeom prst="rect">
             <a:avLst/>
@@ -24440,6 +25154,13 @@
   <p:clrMapOvr>
     <a:masterClrMapping/>
   </p:clrMapOvr>
+  <p:timing>
+    <p:tnLst>
+      <p:par>
+        <p:cTn xmlns:p14="http://schemas.microsoft.com/office/powerpoint/2010/main" id="1" dur="indefinite" restart="never" nodeType="tmRoot"/>
+      </p:par>
+    </p:tnLst>
+  </p:timing>
 </p:sld>
 </file>
 
@@ -24631,7 +25352,11 @@
             </a:br>
             <a:r>
               <a:rPr lang="en-US" sz="2400" dirty="0" smtClean="0"/>
-              <a:t>		.</a:t>
+              <a:t>		</a:t>
+            </a:r>
+            <a:r>
+              <a:rPr lang="en-US" sz="2400" dirty="0" smtClean="0"/>
+              <a:t>.</a:t>
             </a:r>
             <a:r>
               <a:rPr lang="en-US" sz="2400" dirty="0" err="1"/>
@@ -24639,11 +25364,70 @@
             </a:r>
             <a:r>
               <a:rPr lang="en-US" sz="2400" dirty="0"/>
-              <a:t>("y", function(d) { return y(d.y1); }</a:t>
-            </a:r>
+              <a:t>("y", function(d) { return </a:t>
+            </a:r>
+            <a:r>
+              <a:rPr lang="en-US" sz="2400" dirty="0" err="1"/>
+              <a:t>y_scale</a:t>
+            </a:r>
+            <a:r>
+              <a:rPr lang="en-US" sz="2400" dirty="0"/>
+              <a:t>(d.y1); })</a:t>
+            </a:r>
+            <a:br>
+              <a:rPr lang="en-US" sz="2400" dirty="0"/>
+            </a:br>
+            <a:r>
+              <a:rPr lang="en-US" sz="2400" dirty="0"/>
+              <a:t>		.</a:t>
+            </a:r>
+            <a:r>
+              <a:rPr lang="en-US" sz="2400" dirty="0" err="1"/>
+              <a:t>attr</a:t>
+            </a:r>
+            <a:r>
+              <a:rPr lang="en-US" sz="2400" dirty="0"/>
+              <a:t>("height", function(d) { return </a:t>
+            </a:r>
+            <a:r>
+              <a:rPr lang="en-US" sz="2400" dirty="0" err="1"/>
+              <a:t>y_scale</a:t>
+            </a:r>
+            <a:r>
+              <a:rPr lang="en-US" sz="2400" dirty="0"/>
+              <a:t>(d.y0) – </a:t>
+            </a:r>
+            <a:br>
+              <a:rPr lang="en-US" sz="2400" dirty="0"/>
+            </a:br>
+            <a:r>
+              <a:rPr lang="en-US" sz="2400" dirty="0"/>
+              <a:t>			</a:t>
+            </a:r>
+            <a:r>
+              <a:rPr lang="en-US" sz="2400" dirty="0" err="1"/>
+              <a:t>y_scale</a:t>
+            </a:r>
+            <a:r>
+              <a:rPr lang="en-US" sz="2400" dirty="0"/>
+              <a:t>(d.y1); })</a:t>
+            </a:r>
+          </a:p>
+          <a:p>
+            <a:pPr marL="0" indent="0">
+              <a:buNone/>
+            </a:pPr>
             <a:r>
               <a:rPr lang="en-US" sz="2400" dirty="0" smtClean="0"/>
-              <a:t>)</a:t>
+              <a:t>		/</a:t>
+            </a:r>
+            <a:r>
+              <a:rPr lang="en-US" sz="2400" dirty="0"/>
+              <a:t>/ use the color scale to determine the fill </a:t>
+            </a:r>
+            <a:r>
+              <a:rPr lang="en-US" sz="2400" dirty="0" smtClean="0"/>
+              <a:t>color</a:t>
             </a:r>
             <a:br>
               <a:rPr lang="en-US" sz="2400" dirty="0" smtClean="0"/>
@@ -24653,38 +25437,6 @@
               <a:t>		.</a:t>
             </a:r>
             <a:r>
-              <a:rPr lang="en-US" sz="2400" dirty="0" err="1"/>
-              <a:t>attr</a:t>
-            </a:r>
-            <a:r>
-              <a:rPr lang="en-US" sz="2400" dirty="0"/>
-              <a:t>("height", function(d) { return y(d.y0) - y(d.y1); })</a:t>
-            </a:r>
-          </a:p>
-          <a:p>
-            <a:pPr marL="0" indent="0">
-              <a:buNone/>
-            </a:pPr>
-            <a:r>
-              <a:rPr lang="en-US" sz="2400" dirty="0" smtClean="0"/>
-              <a:t>		/</a:t>
-            </a:r>
-            <a:r>
-              <a:rPr lang="en-US" sz="2400" dirty="0"/>
-              <a:t>/ use the color scale to determine the fill </a:t>
-            </a:r>
-            <a:r>
-              <a:rPr lang="en-US" sz="2400" dirty="0" smtClean="0"/>
-              <a:t>color</a:t>
-            </a:r>
-            <a:br>
-              <a:rPr lang="en-US" sz="2400" dirty="0" smtClean="0"/>
-            </a:br>
-            <a:r>
-              <a:rPr lang="en-US" sz="2400" dirty="0" smtClean="0"/>
-              <a:t>		.</a:t>
-            </a:r>
-            <a:r>
               <a:rPr lang="en-US" sz="2400" dirty="0" err="1" smtClean="0"/>
               <a:t>attr</a:t>
             </a:r>
@@ -24713,7 +25465,6 @@
               <a:rPr lang="en-US" sz="2400" dirty="0"/>
               <a:t>	</a:t>
             </a:r>
-            <a:endParaRPr lang="en-US" sz="2400" dirty="0"/>
           </a:p>
         </p:txBody>
       </p:sp>
@@ -24734,7 +25485,7 @@
           <a:p>
             <a:fld id="{7053BEFA-1175-F644-B249-7D41D72BD3FF}" type="datetime1">
               <a:rPr lang="en-US" smtClean="0"/>
-              <a:t>2/3/14</a:t>
+              <a:t>2/7/14</a:t>
             </a:fld>
             <a:endParaRPr lang="en-US"/>
           </a:p>
@@ -24790,7 +25541,7 @@
         </p:nvSpPr>
         <p:spPr>
           <a:xfrm>
-            <a:off x="1768708" y="5075600"/>
+            <a:off x="1768708" y="5360675"/>
             <a:ext cx="7375292" cy="1074325"/>
           </a:xfrm>
           <a:prstGeom prst="rect">
@@ -24830,7 +25581,7 @@
         </p:nvSpPr>
         <p:spPr>
           <a:xfrm>
-            <a:off x="5736646" y="3787634"/>
+            <a:off x="6060614" y="4318910"/>
             <a:ext cx="2441101" cy="657733"/>
           </a:xfrm>
           <a:prstGeom prst="borderCallout1">
@@ -24886,6 +25637,13 @@
   <p:clrMapOvr>
     <a:masterClrMapping/>
   </p:clrMapOvr>
+  <p:timing>
+    <p:tnLst>
+      <p:par>
+        <p:cTn xmlns:p14="http://schemas.microsoft.com/office/powerpoint/2010/main" id="1" dur="indefinite" restart="never" nodeType="tmRoot"/>
+      </p:par>
+    </p:tnLst>
+  </p:timing>
 </p:sld>
 </file>
 
@@ -24946,7 +25704,7 @@
           <a:p>
             <a:fld id="{7053BEFA-1175-F644-B249-7D41D72BD3FF}" type="datetime1">
               <a:rPr lang="en-US" smtClean="0"/>
-              <a:t>2/3/14</a:t>
+              <a:t>2/7/14</a:t>
             </a:fld>
             <a:endParaRPr lang="en-US"/>
           </a:p>
@@ -25068,6 +25826,13 @@
   <p:clrMapOvr>
     <a:masterClrMapping/>
   </p:clrMapOvr>
+  <p:timing>
+    <p:tnLst>
+      <p:par>
+        <p:cTn xmlns:p14="http://schemas.microsoft.com/office/powerpoint/2010/main" id="1" dur="indefinite" restart="never" nodeType="tmRoot"/>
+      </p:par>
+    </p:tnLst>
+  </p:timing>
 </p:sld>
 </file>
 
@@ -25172,16 +25937,22 @@
             </a:pPr>
             <a:r>
               <a:rPr lang="en-US" sz="1800" dirty="0"/>
-              <a:t>&lt;!DOCTYPE html&gt;</a:t>
-            </a:r>
-          </a:p>
-          <a:p>
-            <a:pPr marL="228600" lvl="1" indent="0">
-              <a:buNone/>
-            </a:pPr>
+              <a:t>&lt;!DOCTYPE html</a:t>
+            </a:r>
+            <a:r>
+              <a:rPr lang="en-US" sz="1800" dirty="0" smtClean="0"/>
+              <a:t>&gt;</a:t>
+            </a:r>
+            <a:br>
+              <a:rPr lang="en-US" sz="1800" dirty="0" smtClean="0"/>
+            </a:br>
+            <a:r>
+              <a:rPr lang="en-US" sz="1800" dirty="0" smtClean="0"/>
+              <a:t>&lt;</a:t>
+            </a:r>
             <a:r>
               <a:rPr lang="en-US" sz="1800" dirty="0"/>
-              <a:t>&lt;meta charset="utf-</a:t>
+              <a:t>meta charset="utf-</a:t>
             </a:r>
             <a:r>
               <a:rPr lang="en-US" sz="1800" dirty="0" smtClean="0"/>
@@ -25194,16 +25965,22 @@
             </a:pPr>
             <a:r>
               <a:rPr lang="en-US" sz="1800" b="1" dirty="0"/>
-              <a:t>&lt;style&gt;</a:t>
-            </a:r>
-          </a:p>
-          <a:p>
-            <a:pPr marL="228600" lvl="1" indent="0">
-              <a:buNone/>
-            </a:pPr>
+              <a:t>&lt;style</a:t>
+            </a:r>
+            <a:r>
+              <a:rPr lang="en-US" sz="1800" b="1" dirty="0" smtClean="0"/>
+              <a:t>&gt;</a:t>
+            </a:r>
+            <a:br>
+              <a:rPr lang="en-US" sz="1800" b="1" dirty="0" smtClean="0"/>
+            </a:br>
+            <a:r>
+              <a:rPr lang="en-US" sz="1800" b="1" dirty="0" smtClean="0"/>
+              <a:t>body </a:t>
+            </a:r>
             <a:r>
               <a:rPr lang="en-US" sz="1800" b="1" dirty="0"/>
-              <a:t>body { </a:t>
+              <a:t>{ </a:t>
             </a:r>
             <a:r>
               <a:rPr lang="en-US" sz="1800" b="1" dirty="0">
@@ -25227,16 +26004,22 @@
             </a:r>
             <a:r>
               <a:rPr lang="en-US" sz="1800" b="1" dirty="0"/>
-              <a:t>; }</a:t>
-            </a:r>
-          </a:p>
-          <a:p>
-            <a:pPr marL="228600" lvl="1" indent="0">
-              <a:buNone/>
-            </a:pPr>
+              <a:t>; </a:t>
+            </a:r>
+            <a:r>
+              <a:rPr lang="en-US" sz="1800" b="1" dirty="0" smtClean="0"/>
+              <a:t>}</a:t>
+            </a:r>
+            <a:br>
+              <a:rPr lang="en-US" sz="1800" b="1" dirty="0" smtClean="0"/>
+            </a:br>
+            <a:r>
+              <a:rPr lang="en-US" sz="1800" b="1" dirty="0" smtClean="0"/>
+              <a:t>&lt;</a:t>
+            </a:r>
             <a:r>
               <a:rPr lang="en-US" sz="1800" b="1" dirty="0"/>
-              <a:t>&lt;/style&gt;</a:t>
+              <a:t>/style&gt;</a:t>
             </a:r>
             <a:endParaRPr lang="en-US" sz="1800" b="1" dirty="0" smtClean="0"/>
           </a:p>
@@ -25259,7 +26042,7 @@
           <a:p>
             <a:fld id="{7053BEFA-1175-F644-B249-7D41D72BD3FF}" type="datetime1">
               <a:rPr lang="en-US" smtClean="0"/>
-              <a:t>2/3/14</a:t>
+              <a:t>2/7/14</a:t>
             </a:fld>
             <a:endParaRPr lang="en-US"/>
           </a:p>
@@ -25384,7 +26167,7 @@
           <a:p>
             <a:fld id="{7053BEFA-1175-F644-B249-7D41D72BD3FF}" type="datetime1">
               <a:rPr lang="en-US" smtClean="0"/>
-              <a:t>2/3/14</a:t>
+              <a:t>2/7/14</a:t>
             </a:fld>
             <a:endParaRPr lang="en-US"/>
           </a:p>
@@ -25506,6 +26289,13 @@
   <p:clrMapOvr>
     <a:masterClrMapping/>
   </p:clrMapOvr>
+  <p:timing>
+    <p:tnLst>
+      <p:par>
+        <p:cTn xmlns:p14="http://schemas.microsoft.com/office/powerpoint/2010/main" id="1" dur="indefinite" restart="never" nodeType="tmRoot"/>
+      </p:par>
+    </p:tnLst>
+  </p:timing>
 </p:sld>
 </file>
 
@@ -25732,7 +26522,7 @@
           <a:p>
             <a:fld id="{7053BEFA-1175-F644-B249-7D41D72BD3FF}" type="datetime1">
               <a:rPr lang="en-US" smtClean="0"/>
-              <a:t>2/3/14</a:t>
+              <a:t>2/7/14</a:t>
             </a:fld>
             <a:endParaRPr lang="en-US"/>
           </a:p>
@@ -26267,7 +27057,7 @@
           <a:p>
             <a:fld id="{7053BEFA-1175-F644-B249-7D41D72BD3FF}" type="datetime1">
               <a:rPr lang="en-US" smtClean="0"/>
-              <a:t>2/3/14</a:t>
+              <a:t>2/7/14</a:t>
             </a:fld>
             <a:endParaRPr lang="en-US"/>
           </a:p>
@@ -26489,7 +27279,7 @@
           <a:p>
             <a:fld id="{7053BEFA-1175-F644-B249-7D41D72BD3FF}" type="datetime1">
               <a:rPr lang="en-US" smtClean="0"/>
-              <a:t>2/3/14</a:t>
+              <a:t>2/7/14</a:t>
             </a:fld>
             <a:endParaRPr lang="en-US"/>
           </a:p>
@@ -26617,16 +27407,22 @@
             </a:pPr>
             <a:r>
               <a:rPr lang="en-US" dirty="0"/>
-              <a:t>&lt;!DOCTYPE html&gt;</a:t>
-            </a:r>
-          </a:p>
-          <a:p>
-            <a:pPr marL="0" indent="0">
-              <a:buNone/>
-            </a:pPr>
+              <a:t>&lt;!DOCTYPE html</a:t>
+            </a:r>
+            <a:r>
+              <a:rPr lang="en-US" dirty="0" smtClean="0"/>
+              <a:t>&gt;</a:t>
+            </a:r>
+            <a:br>
+              <a:rPr lang="en-US" dirty="0" smtClean="0"/>
+            </a:br>
+            <a:r>
+              <a:rPr lang="en-US" dirty="0" smtClean="0"/>
+              <a:t>&lt;</a:t>
+            </a:r>
             <a:r>
               <a:rPr lang="en-US" dirty="0"/>
-              <a:t>&lt;meta </a:t>
+              <a:t>meta </a:t>
             </a:r>
             <a:r>
               <a:rPr lang="en-US" dirty="0">
@@ -26646,20 +27442,30 @@
                   <a:srgbClr val="618091"/>
                 </a:solidFill>
               </a:rPr>
-              <a:t>utf-8</a:t>
+              <a:t>utf-</a:t>
+            </a:r>
+            <a:r>
+              <a:rPr lang="en-US" dirty="0" smtClean="0">
+                <a:solidFill>
+                  <a:srgbClr val="618091"/>
+                </a:solidFill>
+              </a:rPr>
+              <a:t>8</a:t>
+            </a:r>
+            <a:r>
+              <a:rPr lang="en-US" dirty="0" smtClean="0"/>
+              <a:t>”&gt;</a:t>
+            </a:r>
+            <a:br>
+              <a:rPr lang="en-US" dirty="0" smtClean="0"/>
+            </a:br>
+            <a:r>
+              <a:rPr lang="en-US" dirty="0" smtClean="0"/>
+              <a:t>&lt;</a:t>
             </a:r>
             <a:r>
               <a:rPr lang="en-US" dirty="0"/>
-              <a:t>"&gt;</a:t>
-            </a:r>
-          </a:p>
-          <a:p>
-            <a:pPr marL="0" indent="0">
-              <a:buNone/>
-            </a:pPr>
-            <a:r>
-              <a:rPr lang="en-US" dirty="0"/>
-              <a:t>&lt;style&gt;</a:t>
+              <a:t>style&gt;</a:t>
             </a:r>
             <a:r>
               <a:rPr lang="en-US" dirty="0">
@@ -26680,16 +27486,22 @@
             </a:pPr>
             <a:r>
               <a:rPr lang="en-US" dirty="0"/>
-              <a:t>&lt;body&gt;</a:t>
-            </a:r>
-          </a:p>
-          <a:p>
-            <a:pPr marL="0" indent="0">
-              <a:buNone/>
-            </a:pPr>
+              <a:t>&lt;body</a:t>
+            </a:r>
+            <a:r>
+              <a:rPr lang="en-US" dirty="0" smtClean="0"/>
+              <a:t>&gt;</a:t>
+            </a:r>
+            <a:br>
+              <a:rPr lang="en-US" dirty="0" smtClean="0"/>
+            </a:br>
+            <a:r>
+              <a:rPr lang="en-US" dirty="0" smtClean="0"/>
+              <a:t>&lt;</a:t>
+            </a:r>
             <a:r>
               <a:rPr lang="en-US" dirty="0"/>
-              <a:t>&lt;script </a:t>
+              <a:t>script </a:t>
             </a:r>
             <a:r>
               <a:rPr lang="en-US" dirty="0" err="1">
@@ -26713,16 +27525,22 @@
             </a:r>
             <a:r>
               <a:rPr lang="en-US" dirty="0"/>
-              <a:t>"&gt;&lt;/script&gt;</a:t>
-            </a:r>
-          </a:p>
-          <a:p>
-            <a:pPr marL="0" indent="0">
-              <a:buNone/>
-            </a:pPr>
+              <a:t>"&gt;&lt;/script</a:t>
+            </a:r>
+            <a:r>
+              <a:rPr lang="en-US" dirty="0" smtClean="0"/>
+              <a:t>&gt;</a:t>
+            </a:r>
+            <a:br>
+              <a:rPr lang="en-US" dirty="0" smtClean="0"/>
+            </a:br>
+            <a:r>
+              <a:rPr lang="en-US" dirty="0" smtClean="0"/>
+              <a:t>&lt;</a:t>
+            </a:r>
             <a:r>
               <a:rPr lang="en-US" dirty="0"/>
-              <a:t>&lt;script&gt;</a:t>
+              <a:t>script&gt;</a:t>
             </a:r>
             <a:r>
               <a:rPr lang="en-US" dirty="0">
@@ -26734,8 +27552,22 @@
             </a:r>
             <a:r>
               <a:rPr lang="en-US" dirty="0"/>
-              <a:t>&lt;/script&gt;</a:t>
-            </a:r>
+              <a:t>&lt;/script</a:t>
+            </a:r>
+            <a:r>
+              <a:rPr lang="en-US" dirty="0" smtClean="0"/>
+              <a:t>&gt;</a:t>
+            </a:r>
+          </a:p>
+          <a:p>
+            <a:pPr marL="0" indent="0">
+              <a:buNone/>
+            </a:pPr>
+            <a:r>
+              <a:rPr lang="en-US" dirty="0" smtClean="0"/>
+              <a:t>&lt;/body&gt;</a:t>
+            </a:r>
+            <a:endParaRPr lang="en-US" dirty="0"/>
           </a:p>
         </p:txBody>
       </p:sp>
@@ -26756,7 +27588,7 @@
           <a:p>
             <a:fld id="{7053BEFA-1175-F644-B249-7D41D72BD3FF}" type="datetime1">
               <a:rPr lang="en-US" smtClean="0"/>
-              <a:t>2/3/14</a:t>
+              <a:t>2/7/14</a:t>
             </a:fld>
             <a:endParaRPr lang="en-US"/>
           </a:p>

--- a/Lectures/Byte 3.pptx
+++ b/Lectures/Byte 3.pptx
@@ -5,35 +5,33 @@
     <p:sldMasterId id="2147483648" r:id="rId1"/>
   </p:sldMasterIdLst>
   <p:notesMasterIdLst>
-    <p:notesMasterId r:id="rId25"/>
+    <p:notesMasterId r:id="rId23"/>
   </p:notesMasterIdLst>
   <p:handoutMasterIdLst>
-    <p:handoutMasterId r:id="rId26"/>
+    <p:handoutMasterId r:id="rId24"/>
   </p:handoutMasterIdLst>
   <p:sldIdLst>
     <p:sldId id="256" r:id="rId2"/>
     <p:sldId id="301" r:id="rId3"/>
     <p:sldId id="302" r:id="rId4"/>
-    <p:sldId id="303" r:id="rId5"/>
-    <p:sldId id="304" r:id="rId6"/>
-    <p:sldId id="305" r:id="rId7"/>
-    <p:sldId id="306" r:id="rId8"/>
-    <p:sldId id="307" r:id="rId9"/>
-    <p:sldId id="316" r:id="rId10"/>
-    <p:sldId id="308" r:id="rId11"/>
-    <p:sldId id="310" r:id="rId12"/>
-    <p:sldId id="309" r:id="rId13"/>
-    <p:sldId id="311" r:id="rId14"/>
-    <p:sldId id="312" r:id="rId15"/>
-    <p:sldId id="313" r:id="rId16"/>
-    <p:sldId id="314" r:id="rId17"/>
-    <p:sldId id="315" r:id="rId18"/>
-    <p:sldId id="282" r:id="rId19"/>
-    <p:sldId id="283" r:id="rId20"/>
-    <p:sldId id="284" r:id="rId21"/>
-    <p:sldId id="285" r:id="rId22"/>
-    <p:sldId id="286" r:id="rId23"/>
-    <p:sldId id="317" r:id="rId24"/>
+    <p:sldId id="319" r:id="rId5"/>
+    <p:sldId id="318" r:id="rId6"/>
+    <p:sldId id="304" r:id="rId7"/>
+    <p:sldId id="305" r:id="rId8"/>
+    <p:sldId id="320" r:id="rId9"/>
+    <p:sldId id="321" r:id="rId10"/>
+    <p:sldId id="323" r:id="rId11"/>
+    <p:sldId id="324" r:id="rId12"/>
+    <p:sldId id="325" r:id="rId13"/>
+    <p:sldId id="326" r:id="rId14"/>
+    <p:sldId id="327" r:id="rId15"/>
+    <p:sldId id="328" r:id="rId16"/>
+    <p:sldId id="282" r:id="rId17"/>
+    <p:sldId id="283" r:id="rId18"/>
+    <p:sldId id="284" r:id="rId19"/>
+    <p:sldId id="285" r:id="rId20"/>
+    <p:sldId id="286" r:id="rId21"/>
+    <p:sldId id="317" r:id="rId22"/>
   </p:sldIdLst>
   <p:sldSz cx="9144000" cy="6858000" type="screen4x3"/>
   <p:notesSz cx="6858000" cy="9144000"/>
@@ -217,7 +215,7 @@
           <a:p>
             <a:fld id="{D3AAB66F-B1B7-D045-B4E8-4F60236F228D}" type="datetimeFigureOut">
               <a:rPr lang="en-US" smtClean="0"/>
-              <a:t>1/29/16</a:t>
+              <a:t>2/8/16</a:t>
             </a:fld>
             <a:endParaRPr lang="en-US"/>
           </a:p>
@@ -383,7 +381,7 @@
           <a:p>
             <a:fld id="{BCCF8E76-06A6-164E-A6FA-EC32C13EB232}" type="datetimeFigureOut">
               <a:rPr lang="en-US" smtClean="0"/>
-              <a:t>1/29/16</a:t>
+              <a:t>2/8/16</a:t>
             </a:fld>
             <a:endParaRPr lang="en-US"/>
           </a:p>
@@ -1169,7 +1167,7 @@
             <a:fld id="{FA3C144B-2939-9A49-B014-915EC3E81866}" type="datetime1">
               <a:rPr lang="en-US" smtClean="0"/>
               <a:pPr/>
-              <a:t>1/29/16</a:t>
+              <a:t>2/8/16</a:t>
             </a:fld>
             <a:endParaRPr lang="en-US" dirty="0"/>
           </a:p>
@@ -1598,7 +1596,7 @@
           <a:p>
             <a:fld id="{76838339-A875-5E45-AB3F-AAABD270346A}" type="datetime1">
               <a:rPr lang="en-US" smtClean="0"/>
-              <a:t>1/29/16</a:t>
+              <a:t>2/8/16</a:t>
             </a:fld>
             <a:endParaRPr lang="en-US"/>
           </a:p>
@@ -1884,7 +1882,7 @@
             <a:fld id="{FA3C144B-2939-9A49-B014-915EC3E81866}" type="datetime1">
               <a:rPr lang="en-US" smtClean="0"/>
               <a:pPr/>
-              <a:t>1/29/16</a:t>
+              <a:t>2/8/16</a:t>
             </a:fld>
             <a:endParaRPr lang="en-US" dirty="0"/>
           </a:p>
@@ -2366,7 +2364,7 @@
           <a:p>
             <a:fld id="{A73F672F-A5FB-5745-934A-1BF51CA5539C}" type="datetime1">
               <a:rPr lang="en-US" smtClean="0"/>
-              <a:t>1/29/16</a:t>
+              <a:t>2/8/16</a:t>
             </a:fld>
             <a:endParaRPr lang="en-US"/>
           </a:p>
@@ -2708,7 +2706,7 @@
             <a:fld id="{FA3C144B-2939-9A49-B014-915EC3E81866}" type="datetime1">
               <a:rPr lang="en-US" smtClean="0"/>
               <a:pPr/>
-              <a:t>1/29/16</a:t>
+              <a:t>2/8/16</a:t>
             </a:fld>
             <a:endParaRPr lang="en-US" dirty="0"/>
           </a:p>
@@ -3172,7 +3170,7 @@
           <a:p>
             <a:fld id="{6AFE6A63-5EBE-3E48-B0AE-DF655A1ECE76}" type="datetime1">
               <a:rPr lang="en-US" smtClean="0"/>
-              <a:t>1/29/16</a:t>
+              <a:t>2/8/16</a:t>
             </a:fld>
             <a:endParaRPr lang="en-US"/>
           </a:p>
@@ -3491,7 +3489,7 @@
           <a:p>
             <a:fld id="{4A019F0C-9D18-B54A-9AC9-18AA74EDB034}" type="datetime1">
               <a:rPr lang="en-US" smtClean="0"/>
-              <a:t>1/29/16</a:t>
+              <a:t>2/8/16</a:t>
             </a:fld>
             <a:endParaRPr lang="en-US"/>
           </a:p>
@@ -3801,7 +3799,7 @@
             <a:fld id="{FA3C144B-2939-9A49-B014-915EC3E81866}" type="datetime1">
               <a:rPr lang="en-US" smtClean="0"/>
               <a:pPr/>
-              <a:t>1/29/16</a:t>
+              <a:t>2/8/16</a:t>
             </a:fld>
             <a:endParaRPr lang="en-US" dirty="0"/>
           </a:p>
@@ -4064,7 +4062,7 @@
           <a:p>
             <a:fld id="{FA3C144B-2939-9A49-B014-915EC3E81866}" type="datetime1">
               <a:rPr lang="en-US" smtClean="0"/>
-              <a:t>1/29/16</a:t>
+              <a:t>2/8/16</a:t>
             </a:fld>
             <a:endParaRPr lang="en-US" dirty="0"/>
           </a:p>
@@ -4711,7 +4709,7 @@
           <a:p>
             <a:fld id="{7053BEFA-1175-F644-B249-7D41D72BD3FF}" type="datetime1">
               <a:rPr lang="en-US" smtClean="0"/>
-              <a:t>1/29/16</a:t>
+              <a:t>2/8/16</a:t>
             </a:fld>
             <a:endParaRPr lang="en-US"/>
           </a:p>
@@ -4769,287 +4767,6 @@
   <p:clrMapOvr>
     <a:masterClrMapping/>
   </p:clrMapOvr>
-</p:sldLayout>
-</file>
-
-<file path=ppt/slideLayouts/slideLayout20.xml><?xml version="1.0" encoding="utf-8"?>
-<p:sldLayout xmlns:a="http://schemas.openxmlformats.org/drawingml/2006/main" xmlns:r="http://schemas.openxmlformats.org/officeDocument/2006/relationships" xmlns:p="http://schemas.openxmlformats.org/presentationml/2006/main" type="tx">
-  <p:cSld name="Title &amp; Bullets">
-    <p:spTree>
-      <p:nvGrpSpPr>
-        <p:cNvPr id="1" name=""/>
-        <p:cNvGrpSpPr/>
-        <p:nvPr/>
-      </p:nvGrpSpPr>
-      <p:grpSpPr>
-        <a:xfrm>
-          <a:off x="0" y="0"/>
-          <a:ext cx="0" cy="0"/>
-          <a:chOff x="0" y="0"/>
-          <a:chExt cx="0" cy="0"/>
-        </a:xfrm>
-      </p:grpSpPr>
-      <p:sp>
-        <p:nvSpPr>
-          <p:cNvPr id="9" name="Shape 9"/>
-          <p:cNvSpPr>
-            <a:spLocks noGrp="1"/>
-          </p:cNvSpPr>
-          <p:nvPr>
-            <p:ph type="title"/>
-          </p:nvPr>
-        </p:nvSpPr>
-        <p:spPr>
-          <a:prstGeom prst="rect">
-            <a:avLst/>
-          </a:prstGeom>
-        </p:spPr>
-        <p:txBody>
-          <a:bodyPr/>
-          <a:lstStyle/>
-          <a:p>
-            <a:pPr lvl="0">
-              <a:defRPr sz="1800">
-                <a:solidFill>
-                  <a:srgbClr val="000000"/>
-                </a:solidFill>
-                <a:uFillTx/>
-              </a:defRPr>
-            </a:pPr>
-            <a:r>
-              <a:rPr sz="5100">
-                <a:solidFill>
-                  <a:srgbClr val="2BACE1"/>
-                </a:solidFill>
-                <a:uFill>
-                  <a:solidFill>
-                    <a:srgbClr val="004479"/>
-                  </a:solidFill>
-                </a:uFill>
-              </a:rPr>
-              <a:t>Title Text</a:t>
-            </a:r>
-          </a:p>
-        </p:txBody>
-      </p:sp>
-      <p:sp>
-        <p:nvSpPr>
-          <p:cNvPr id="10" name="Shape 10"/>
-          <p:cNvSpPr>
-            <a:spLocks noGrp="1"/>
-          </p:cNvSpPr>
-          <p:nvPr>
-            <p:ph type="body" idx="1"/>
-          </p:nvPr>
-        </p:nvSpPr>
-        <p:spPr>
-          <a:xfrm>
-            <a:off x="519112" y="1736725"/>
-            <a:ext cx="8233173" cy="4429126"/>
-          </a:xfrm>
-          <a:prstGeom prst="rect">
-            <a:avLst/>
-          </a:prstGeom>
-        </p:spPr>
-        <p:txBody>
-          <a:bodyPr/>
-          <a:lstStyle>
-            <a:lvl1pPr>
-              <a:defRPr>
-                <a:solidFill>
-                  <a:srgbClr val="004479"/>
-                </a:solidFill>
-                <a:latin typeface="+mn-lt"/>
-                <a:ea typeface="+mn-ea"/>
-                <a:cs typeface="+mn-cs"/>
-                <a:sym typeface="Gill Sans"/>
-              </a:defRPr>
-            </a:lvl1pPr>
-            <a:lvl2pPr marL="550942" indent="-200911">
-              <a:spcBef>
-                <a:spcPts val="281"/>
-              </a:spcBef>
-              <a:buChar char="–"/>
-              <a:defRPr sz="2100">
-                <a:solidFill>
-                  <a:srgbClr val="004479"/>
-                </a:solidFill>
-                <a:latin typeface="+mn-lt"/>
-                <a:ea typeface="+mn-ea"/>
-                <a:cs typeface="+mn-cs"/>
-                <a:sym typeface="Gill Sans"/>
-              </a:defRPr>
-            </a:lvl2pPr>
-            <a:lvl3pPr marL="832217" indent="-160729">
-              <a:defRPr sz="1500">
-                <a:solidFill>
-                  <a:srgbClr val="004479"/>
-                </a:solidFill>
-                <a:latin typeface="+mn-lt"/>
-                <a:ea typeface="+mn-ea"/>
-                <a:cs typeface="+mn-cs"/>
-                <a:sym typeface="Gill Sans"/>
-              </a:defRPr>
-            </a:lvl3pPr>
-            <a:lvl4pPr marL="1153674" indent="-160729">
-              <a:spcBef>
-                <a:spcPts val="281"/>
-              </a:spcBef>
-              <a:buChar char="–"/>
-              <a:defRPr sz="1300">
-                <a:solidFill>
-                  <a:srgbClr val="004479"/>
-                </a:solidFill>
-                <a:latin typeface="+mn-lt"/>
-                <a:ea typeface="+mn-ea"/>
-                <a:cs typeface="+mn-cs"/>
-                <a:sym typeface="Gill Sans"/>
-              </a:defRPr>
-            </a:lvl4pPr>
-            <a:lvl5pPr marL="1475131" indent="-160729">
-              <a:spcBef>
-                <a:spcPts val="281"/>
-              </a:spcBef>
-              <a:buChar char="»"/>
-              <a:defRPr sz="1300">
-                <a:solidFill>
-                  <a:srgbClr val="004479"/>
-                </a:solidFill>
-                <a:latin typeface="+mn-lt"/>
-                <a:ea typeface="+mn-ea"/>
-                <a:cs typeface="+mn-cs"/>
-                <a:sym typeface="Gill Sans"/>
-              </a:defRPr>
-            </a:lvl5pPr>
-          </a:lstStyle>
-          <a:p>
-            <a:pPr lvl="0">
-              <a:defRPr sz="1800">
-                <a:solidFill>
-                  <a:srgbClr val="000000"/>
-                </a:solidFill>
-                <a:uFillTx/>
-              </a:defRPr>
-            </a:pPr>
-            <a:r>
-              <a:rPr sz="2500">
-                <a:solidFill>
-                  <a:srgbClr val="004479"/>
-                </a:solidFill>
-                <a:uFill>
-                  <a:solidFill>
-                    <a:srgbClr val="004479"/>
-                  </a:solidFill>
-                </a:uFill>
-              </a:rPr>
-              <a:t>Body Level One</a:t>
-            </a:r>
-          </a:p>
-          <a:p>
-            <a:pPr lvl="1">
-              <a:defRPr sz="1800">
-                <a:solidFill>
-                  <a:srgbClr val="000000"/>
-                </a:solidFill>
-                <a:uFillTx/>
-              </a:defRPr>
-            </a:pPr>
-            <a:r>
-              <a:rPr sz="2100">
-                <a:solidFill>
-                  <a:srgbClr val="004479"/>
-                </a:solidFill>
-                <a:uFill>
-                  <a:solidFill>
-                    <a:srgbClr val="004479"/>
-                  </a:solidFill>
-                </a:uFill>
-              </a:rPr>
-              <a:t>Body Level Two</a:t>
-            </a:r>
-          </a:p>
-          <a:p>
-            <a:pPr lvl="2">
-              <a:defRPr sz="1800">
-                <a:solidFill>
-                  <a:srgbClr val="000000"/>
-                </a:solidFill>
-                <a:uFillTx/>
-              </a:defRPr>
-            </a:pPr>
-            <a:r>
-              <a:rPr sz="1500">
-                <a:solidFill>
-                  <a:srgbClr val="004479"/>
-                </a:solidFill>
-                <a:uFill>
-                  <a:solidFill>
-                    <a:srgbClr val="004479"/>
-                  </a:solidFill>
-                </a:uFill>
-              </a:rPr>
-              <a:t>Body Level Three</a:t>
-            </a:r>
-          </a:p>
-          <a:p>
-            <a:pPr lvl="3">
-              <a:defRPr>
-                <a:solidFill>
-                  <a:srgbClr val="000000"/>
-                </a:solidFill>
-                <a:uFillTx/>
-              </a:defRPr>
-            </a:pPr>
-            <a:r>
-              <a:rPr>
-                <a:solidFill>
-                  <a:srgbClr val="004479"/>
-                </a:solidFill>
-                <a:uFill>
-                  <a:solidFill>
-                    <a:srgbClr val="004479"/>
-                  </a:solidFill>
-                </a:uFill>
-              </a:rPr>
-              <a:t>Body Level Four</a:t>
-            </a:r>
-          </a:p>
-          <a:p>
-            <a:pPr lvl="4">
-              <a:defRPr>
-                <a:solidFill>
-                  <a:srgbClr val="000000"/>
-                </a:solidFill>
-                <a:uFillTx/>
-              </a:defRPr>
-            </a:pPr>
-            <a:r>
-              <a:rPr>
-                <a:solidFill>
-                  <a:srgbClr val="004479"/>
-                </a:solidFill>
-                <a:uFill>
-                  <a:solidFill>
-                    <a:srgbClr val="004479"/>
-                  </a:solidFill>
-                </a:uFill>
-              </a:rPr>
-              <a:t>Body Level Five</a:t>
-            </a:r>
-          </a:p>
-        </p:txBody>
-      </p:sp>
-    </p:spTree>
-    <p:extLst>
-      <p:ext uri="{BB962C8B-B14F-4D97-AF65-F5344CB8AC3E}">
-        <p14:creationId xmlns:p14="http://schemas.microsoft.com/office/powerpoint/2010/main" val="1563621712"/>
-      </p:ext>
-    </p:extLst>
-  </p:cSld>
-  <p:clrMapOvr>
-    <a:masterClrMapping/>
-  </p:clrMapOvr>
-  <p:transition xmlns:p14="http://schemas.microsoft.com/office/powerpoint/2010/main" spd="med"/>
 </p:sldLayout>
 </file>
 
@@ -5111,7 +4828,7 @@
             <a:fld id="{FA3C144B-2939-9A49-B014-915EC3E81866}" type="datetime1">
               <a:rPr lang="en-US" smtClean="0"/>
               <a:pPr/>
-              <a:t>1/29/16</a:t>
+              <a:t>2/8/16</a:t>
             </a:fld>
             <a:endParaRPr lang="en-US" dirty="0"/>
           </a:p>
@@ -5328,7 +5045,7 @@
             <a:fld id="{FA3C144B-2939-9A49-B014-915EC3E81866}" type="datetime1">
               <a:rPr lang="en-US" smtClean="0"/>
               <a:pPr/>
-              <a:t>1/29/16</a:t>
+              <a:t>2/8/16</a:t>
             </a:fld>
             <a:endParaRPr lang="en-US" dirty="0"/>
           </a:p>
@@ -5573,7 +5290,7 @@
             <a:fld id="{FA3C144B-2939-9A49-B014-915EC3E81866}" type="datetime1">
               <a:rPr lang="en-US" smtClean="0"/>
               <a:pPr/>
-              <a:t>1/29/16</a:t>
+              <a:t>2/8/16</a:t>
             </a:fld>
             <a:endParaRPr lang="en-US" dirty="0"/>
           </a:p>
@@ -5951,7 +5668,7 @@
           <a:p>
             <a:fld id="{111EEF3B-ABF2-AA4E-9E24-0C6256942674}" type="datetime1">
               <a:rPr lang="en-US" smtClean="0"/>
-              <a:t>1/29/16</a:t>
+              <a:t>2/8/16</a:t>
             </a:fld>
             <a:endParaRPr lang="en-US"/>
           </a:p>
@@ -6115,7 +5832,7 @@
             <a:fld id="{FA3C144B-2939-9A49-B014-915EC3E81866}" type="datetime1">
               <a:rPr lang="en-US" smtClean="0"/>
               <a:pPr/>
-              <a:t>1/29/16</a:t>
+              <a:t>2/8/16</a:t>
             </a:fld>
             <a:endParaRPr lang="en-US" dirty="0"/>
           </a:p>
@@ -6532,7 +6249,7 @@
             <a:fld id="{FA3C144B-2939-9A49-B014-915EC3E81866}" type="datetime1">
               <a:rPr lang="en-US" smtClean="0"/>
               <a:pPr/>
-              <a:t>1/29/16</a:t>
+              <a:t>2/8/16</a:t>
             </a:fld>
             <a:endParaRPr lang="en-US" dirty="0"/>
           </a:p>
@@ -6848,7 +6565,7 @@
             <a:fld id="{FA3C144B-2939-9A49-B014-915EC3E81866}" type="datetime1">
               <a:rPr lang="en-US" smtClean="0"/>
               <a:pPr/>
-              <a:t>1/29/16</a:t>
+              <a:t>2/8/16</a:t>
             </a:fld>
             <a:endParaRPr lang="en-US" dirty="0"/>
           </a:p>
@@ -7514,7 +7231,7 @@
             <a:fld id="{FA3C144B-2939-9A49-B014-915EC3E81866}" type="datetime1">
               <a:rPr lang="en-US" smtClean="0"/>
               <a:pPr/>
-              <a:t>1/29/16</a:t>
+              <a:t>2/8/16</a:t>
             </a:fld>
             <a:endParaRPr lang="en-US" dirty="0"/>
           </a:p>
@@ -7660,7 +7377,7 @@
           <p:nvPr userDrawn="1"/>
         </p:nvPicPr>
         <p:blipFill>
-          <a:blip r:embed="rId22">
+          <a:blip r:embed="rId21">
             <a:extLst>
               <a:ext uri="{28A0092B-C50C-407E-A947-70E740481C1C}">
                 <a14:useLocalDpi xmlns:a14="http://schemas.microsoft.com/office/drawing/2010/main" val="0"/>
@@ -7690,7 +7407,7 @@
           <p:nvPr userDrawn="1"/>
         </p:nvPicPr>
         <p:blipFill>
-          <a:blip r:embed="rId23"/>
+          <a:blip r:embed="rId22"/>
           <a:stretch>
             <a:fillRect/>
           </a:stretch>
@@ -7906,7 +7623,6 @@
     <p:sldLayoutId id="2147483661" r:id="rId17"/>
     <p:sldLayoutId id="2147483658" r:id="rId18"/>
     <p:sldLayoutId id="2147483671" r:id="rId19"/>
-    <p:sldLayoutId id="2147483672" r:id="rId20"/>
   </p:sldLayoutIdLst>
   <p:timing>
     <p:tnLst>
@@ -8246,7 +7962,7 @@
                 <a:ea typeface="ＭＳ Ｐゴシック" charset="0"/>
                 <a:cs typeface="ＭＳ Ｐゴシック" charset="0"/>
               </a:rPr>
-              <a:t>Byte 4</a:t>
+              <a:t>Byte 3</a:t>
             </a:r>
             <a:endParaRPr lang="en-US" dirty="0"/>
           </a:p>
@@ -8611,42 +8327,10 @@
           <a:bodyPr/>
           <a:lstStyle/>
           <a:p>
-            <a:pPr marL="0" indent="0"/>
-            <a:r>
-              <a:rPr lang="en-US" dirty="0"/>
-              <a:t>Set up the AWARE </a:t>
-            </a:r>
-            <a:r>
-              <a:rPr lang="en-US" dirty="0" smtClean="0"/>
-              <a:t>server</a:t>
-            </a:r>
-            <a:endParaRPr lang="en-US" dirty="0"/>
-          </a:p>
-        </p:txBody>
-      </p:sp>
-      <p:sp>
-        <p:nvSpPr>
-          <p:cNvPr id="3" name="Content Placeholder 2"/>
-          <p:cNvSpPr>
-            <a:spLocks noGrp="1"/>
-          </p:cNvSpPr>
-          <p:nvPr>
-            <p:ph idx="1"/>
-          </p:nvPr>
-        </p:nvSpPr>
-        <p:spPr>
-          <a:xfrm>
-            <a:off x="1128942" y="1847153"/>
-            <a:ext cx="7673287" cy="4379976"/>
-          </a:xfrm>
-        </p:spPr>
-        <p:txBody>
-          <a:bodyPr/>
-          <a:lstStyle/>
-          <a:p>
-            <a:pPr marL="0" indent="0">
-              <a:buNone/>
-            </a:pPr>
+            <a:r>
+              <a:rPr lang="en-US" dirty="0" smtClean="0"/>
+              <a:t>Create a bucket (byte3 here)</a:t>
+            </a:r>
             <a:endParaRPr lang="en-US" dirty="0"/>
           </a:p>
         </p:txBody>
@@ -8668,7 +8352,7 @@
           <a:p>
             <a:fld id="{7053BEFA-1175-F644-B249-7D41D72BD3FF}" type="datetime1">
               <a:rPr lang="en-US" smtClean="0"/>
-              <a:t>1/29/16</a:t>
+              <a:t>2/8/16</a:t>
             </a:fld>
             <a:endParaRPr lang="en-US"/>
           </a:p>
@@ -8716,182 +8400,29 @@
           </a:p>
         </p:txBody>
       </p:sp>
-      <p:sp>
-        <p:nvSpPr>
-          <p:cNvPr id="10" name="Cloud 9"/>
-          <p:cNvSpPr/>
-          <p:nvPr/>
-        </p:nvSpPr>
-        <p:spPr>
-          <a:xfrm>
-            <a:off x="465996" y="3386417"/>
-            <a:ext cx="1834533" cy="1428934"/>
-          </a:xfrm>
-          <a:prstGeom prst="cloud">
-            <a:avLst/>
-          </a:prstGeom>
-        </p:spPr>
-        <p:style>
-          <a:lnRef idx="2">
-            <a:schemeClr val="accent1">
-              <a:shade val="50000"/>
-            </a:schemeClr>
-          </a:lnRef>
-          <a:fillRef idx="1">
-            <a:schemeClr val="accent1"/>
-          </a:fillRef>
-          <a:effectRef idx="0">
-            <a:schemeClr val="accent1"/>
-          </a:effectRef>
-          <a:fontRef idx="minor">
-            <a:schemeClr val="lt1"/>
-          </a:fontRef>
-        </p:style>
-        <p:txBody>
-          <a:bodyPr rtlCol="0" anchor="ctr"/>
-          <a:lstStyle/>
-          <a:p>
-            <a:pPr algn="ctr"/>
-            <a:r>
-              <a:rPr lang="en-US" dirty="0" smtClean="0"/>
-              <a:t>Cloud Storage:</a:t>
-            </a:r>
-            <a:br>
-              <a:rPr lang="en-US" dirty="0" smtClean="0"/>
-            </a:br>
-            <a:r>
-              <a:rPr lang="en-US" dirty="0" smtClean="0"/>
-              <a:t>‘</a:t>
-            </a:r>
-            <a:r>
-              <a:rPr lang="en-US" dirty="0" err="1" smtClean="0"/>
-              <a:t>CloudIP</a:t>
-            </a:r>
-            <a:r>
-              <a:rPr lang="en-US" dirty="0" smtClean="0"/>
-              <a:t>’</a:t>
-            </a:r>
-            <a:endParaRPr lang="en-US" dirty="0"/>
-          </a:p>
-        </p:txBody>
-      </p:sp>
-      <p:sp>
-        <p:nvSpPr>
-          <p:cNvPr id="11" name="TextBox 10"/>
-          <p:cNvSpPr txBox="1"/>
-          <p:nvPr/>
-        </p:nvSpPr>
-        <p:spPr>
-          <a:xfrm>
-            <a:off x="6690991" y="5011816"/>
-            <a:ext cx="2238038" cy="369332"/>
-          </a:xfrm>
-          <a:prstGeom prst="rect">
-            <a:avLst/>
-          </a:prstGeom>
-          <a:noFill/>
-        </p:spPr>
-        <p:txBody>
-          <a:bodyPr wrap="none" rtlCol="0">
-            <a:spAutoFit/>
-          </a:bodyPr>
-          <a:lstStyle/>
-          <a:p>
-            <a:r>
-              <a:rPr lang="en-US" dirty="0" smtClean="0"/>
-              <a:t>Step 7: Create a study</a:t>
-            </a:r>
-            <a:endParaRPr lang="en-US" dirty="0"/>
-          </a:p>
-        </p:txBody>
-      </p:sp>
       <p:pic>
         <p:nvPicPr>
-          <p:cNvPr id="12" name="Picture 11" descr="aware-logo.png"/>
+          <p:cNvPr id="8" name="Content Placeholder 7"/>
           <p:cNvPicPr>
-            <a:picLocks noChangeAspect="1"/>
+            <a:picLocks noGrp="1" noChangeAspect="1"/>
           </p:cNvPicPr>
-          <p:nvPr/>
+          <p:nvPr>
+            <p:ph idx="1"/>
+          </p:nvPr>
         </p:nvPicPr>
         <p:blipFill>
-          <a:blip r:embed="rId2">
-            <a:extLst>
-              <a:ext uri="{28A0092B-C50C-407E-A947-70E740481C1C}">
-                <a14:useLocalDpi xmlns:a14="http://schemas.microsoft.com/office/drawing/2010/main" val="0"/>
-              </a:ext>
-            </a:extLst>
-          </a:blip>
+          <a:blip r:embed="rId2"/>
+          <a:srcRect t="-54013" b="-54013"/>
           <a:stretch>
             <a:fillRect/>
           </a:stretch>
         </p:blipFill>
-        <p:spPr>
-          <a:xfrm>
-            <a:off x="7308088" y="3383036"/>
-            <a:ext cx="1494141" cy="1494141"/>
-          </a:xfrm>
-          <a:prstGeom prst="rect">
-            <a:avLst/>
-          </a:prstGeom>
-        </p:spPr>
-      </p:pic>
-      <p:pic>
-        <p:nvPicPr>
-          <p:cNvPr id="8" name="Picture 7"/>
-          <p:cNvPicPr>
-            <a:picLocks noChangeAspect="1"/>
-          </p:cNvPicPr>
-          <p:nvPr/>
-        </p:nvPicPr>
-        <p:blipFill rotWithShape="1">
-          <a:blip r:embed="rId3"/>
-          <a:srcRect r="55245"/>
-          <a:stretch/>
-        </p:blipFill>
-        <p:spPr>
-          <a:xfrm>
-            <a:off x="465996" y="2587966"/>
-            <a:ext cx="4092420" cy="4454769"/>
-          </a:xfrm>
-          <a:prstGeom prst="rect">
-            <a:avLst/>
-          </a:prstGeom>
-          <a:solidFill>
-            <a:srgbClr val="FFFFFF">
-              <a:shade val="85000"/>
-            </a:srgbClr>
-          </a:solidFill>
-          <a:ln w="88900" cap="sq">
-            <a:solidFill>
-              <a:srgbClr val="FFFFFF"/>
-            </a:solidFill>
-            <a:miter lim="800000"/>
-          </a:ln>
-          <a:effectLst>
-            <a:outerShdw blurRad="55000" dist="18000" dir="5400000" algn="tl" rotWithShape="0">
-              <a:srgbClr val="000000">
-                <a:alpha val="40000"/>
-              </a:srgbClr>
-            </a:outerShdw>
-          </a:effectLst>
-          <a:scene3d>
-            <a:camera prst="orthographicFront"/>
-            <a:lightRig rig="twoPt" dir="t">
-              <a:rot lat="0" lon="0" rev="7200000"/>
-            </a:lightRig>
-          </a:scene3d>
-          <a:sp3d>
-            <a:bevelT w="25400" h="19050"/>
-            <a:contourClr>
-              <a:srgbClr val="FFFFFF"/>
-            </a:contourClr>
-          </a:sp3d>
-        </p:spPr>
+        <p:spPr/>
       </p:pic>
     </p:spTree>
     <p:extLst>
       <p:ext uri="{BB962C8B-B14F-4D97-AF65-F5344CB8AC3E}">
-        <p14:creationId xmlns:p14="http://schemas.microsoft.com/office/powerpoint/2010/main" val="2487789895"/>
+        <p14:creationId xmlns:p14="http://schemas.microsoft.com/office/powerpoint/2010/main" val="310867465"/>
       </p:ext>
     </p:extLst>
   </p:cSld>
@@ -8940,37 +8471,18 @@
           <a:bodyPr/>
           <a:lstStyle/>
           <a:p>
-            <a:pPr marL="0" indent="0"/>
-            <a:r>
-              <a:rPr lang="en-US" dirty="0"/>
-              <a:t>Set up the AWARE server</a:t>
-            </a:r>
-          </a:p>
-        </p:txBody>
-      </p:sp>
-      <p:sp>
-        <p:nvSpPr>
-          <p:cNvPr id="3" name="Content Placeholder 2"/>
-          <p:cNvSpPr>
-            <a:spLocks noGrp="1"/>
-          </p:cNvSpPr>
-          <p:nvPr>
-            <p:ph idx="1"/>
-          </p:nvPr>
-        </p:nvSpPr>
-        <p:spPr>
-          <a:xfrm>
-            <a:off x="1128942" y="1847153"/>
-            <a:ext cx="7673287" cy="4379976"/>
-          </a:xfrm>
-        </p:spPr>
-        <p:txBody>
-          <a:bodyPr/>
-          <a:lstStyle/>
-          <a:p>
-            <a:pPr marL="0" indent="0">
-              <a:buNone/>
-            </a:pPr>
+            <a:r>
+              <a:rPr lang="en-US" dirty="0" smtClean="0"/>
+              <a:t>Upload the </a:t>
+            </a:r>
+            <a:r>
+              <a:rPr lang="en-US" dirty="0" err="1" smtClean="0"/>
+              <a:t>sql</a:t>
+            </a:r>
+            <a:r>
+              <a:rPr lang="en-US" dirty="0" smtClean="0"/>
+              <a:t> dump file</a:t>
+            </a:r>
             <a:endParaRPr lang="en-US" dirty="0"/>
           </a:p>
         </p:txBody>
@@ -8992,7 +8504,7 @@
           <a:p>
             <a:fld id="{7053BEFA-1175-F644-B249-7D41D72BD3FF}" type="datetime1">
               <a:rPr lang="en-US" smtClean="0"/>
-              <a:t>1/29/16</a:t>
+              <a:t>2/8/16</a:t>
             </a:fld>
             <a:endParaRPr lang="en-US"/>
           </a:p>
@@ -9040,208 +8552,29 @@
           </a:p>
         </p:txBody>
       </p:sp>
-      <p:sp>
-        <p:nvSpPr>
-          <p:cNvPr id="10" name="Cloud 9"/>
-          <p:cNvSpPr/>
-          <p:nvPr/>
-        </p:nvSpPr>
-        <p:spPr>
-          <a:xfrm>
-            <a:off x="465996" y="3386417"/>
-            <a:ext cx="1834533" cy="1428934"/>
-          </a:xfrm>
-          <a:prstGeom prst="cloud">
-            <a:avLst/>
-          </a:prstGeom>
-        </p:spPr>
-        <p:style>
-          <a:lnRef idx="2">
-            <a:schemeClr val="accent1">
-              <a:shade val="50000"/>
-            </a:schemeClr>
-          </a:lnRef>
-          <a:fillRef idx="1">
-            <a:schemeClr val="accent1"/>
-          </a:fillRef>
-          <a:effectRef idx="0">
-            <a:schemeClr val="accent1"/>
-          </a:effectRef>
-          <a:fontRef idx="minor">
-            <a:schemeClr val="lt1"/>
-          </a:fontRef>
-        </p:style>
-        <p:txBody>
-          <a:bodyPr rtlCol="0" anchor="ctr"/>
-          <a:lstStyle/>
-          <a:p>
-            <a:pPr algn="ctr"/>
-            <a:r>
-              <a:rPr lang="en-US" dirty="0" smtClean="0"/>
-              <a:t>Cloud Storage:</a:t>
-            </a:r>
-            <a:br>
-              <a:rPr lang="en-US" dirty="0" smtClean="0"/>
-            </a:br>
-            <a:r>
-              <a:rPr lang="en-US" dirty="0" smtClean="0"/>
-              <a:t>‘</a:t>
-            </a:r>
-            <a:r>
-              <a:rPr lang="en-US" dirty="0" err="1" smtClean="0"/>
-              <a:t>CloudIP</a:t>
-            </a:r>
-            <a:r>
-              <a:rPr lang="en-US" dirty="0" smtClean="0"/>
-              <a:t>’</a:t>
-            </a:r>
-            <a:endParaRPr lang="en-US" dirty="0"/>
-          </a:p>
-        </p:txBody>
-      </p:sp>
-      <p:sp>
-        <p:nvSpPr>
-          <p:cNvPr id="11" name="TextBox 10"/>
-          <p:cNvSpPr txBox="1"/>
-          <p:nvPr/>
-        </p:nvSpPr>
-        <p:spPr>
-          <a:xfrm>
-            <a:off x="6690991" y="5011816"/>
-            <a:ext cx="2121093" cy="923330"/>
-          </a:xfrm>
-          <a:prstGeom prst="rect">
-            <a:avLst/>
-          </a:prstGeom>
-          <a:noFill/>
-        </p:spPr>
-        <p:txBody>
-          <a:bodyPr wrap="none" rtlCol="0">
-            <a:spAutoFit/>
-          </a:bodyPr>
-          <a:lstStyle/>
-          <a:p>
-            <a:r>
-              <a:rPr lang="en-US" dirty="0" smtClean="0"/>
-              <a:t>Step 8: Set the study </a:t>
-            </a:r>
-            <a:br>
-              <a:rPr lang="en-US" dirty="0" smtClean="0"/>
-            </a:br>
-            <a:r>
-              <a:rPr lang="en-US" dirty="0" smtClean="0"/>
-              <a:t>database hostname</a:t>
-            </a:r>
-            <a:br>
-              <a:rPr lang="en-US" dirty="0" smtClean="0"/>
-            </a:br>
-            <a:r>
-              <a:rPr lang="en-US" dirty="0" smtClean="0"/>
-              <a:t>to ‘</a:t>
-            </a:r>
-            <a:r>
-              <a:rPr lang="en-US" dirty="0" err="1" smtClean="0"/>
-              <a:t>CloudIP</a:t>
-            </a:r>
-            <a:r>
-              <a:rPr lang="en-US" dirty="0" smtClean="0"/>
-              <a:t>’</a:t>
-            </a:r>
-            <a:endParaRPr lang="en-US" dirty="0"/>
-          </a:p>
-        </p:txBody>
-      </p:sp>
       <p:pic>
         <p:nvPicPr>
-          <p:cNvPr id="12" name="Picture 11" descr="aware-logo.png"/>
+          <p:cNvPr id="7" name="Content Placeholder 6"/>
           <p:cNvPicPr>
-            <a:picLocks noChangeAspect="1"/>
+            <a:picLocks noGrp="1" noChangeAspect="1"/>
           </p:cNvPicPr>
-          <p:nvPr/>
+          <p:nvPr>
+            <p:ph idx="1"/>
+          </p:nvPr>
         </p:nvPicPr>
         <p:blipFill>
-          <a:blip r:embed="rId2">
-            <a:extLst>
-              <a:ext uri="{28A0092B-C50C-407E-A947-70E740481C1C}">
-                <a14:useLocalDpi xmlns:a14="http://schemas.microsoft.com/office/drawing/2010/main" val="0"/>
-              </a:ext>
-            </a:extLst>
-          </a:blip>
+          <a:blip r:embed="rId2"/>
+          <a:srcRect t="-46903" b="-46903"/>
           <a:stretch>
             <a:fillRect/>
           </a:stretch>
         </p:blipFill>
-        <p:spPr>
-          <a:xfrm>
-            <a:off x="7308088" y="3383036"/>
-            <a:ext cx="1494141" cy="1494141"/>
-          </a:xfrm>
-          <a:prstGeom prst="rect">
-            <a:avLst/>
-          </a:prstGeom>
-        </p:spPr>
+        <p:spPr/>
       </p:pic>
-      <p:pic>
-        <p:nvPicPr>
-          <p:cNvPr id="7" name="Picture 6"/>
-          <p:cNvPicPr>
-            <a:picLocks noChangeAspect="1"/>
-          </p:cNvPicPr>
-          <p:nvPr/>
-        </p:nvPicPr>
-        <p:blipFill rotWithShape="1">
-          <a:blip r:embed="rId3"/>
-          <a:srcRect l="12459" r="43171"/>
-          <a:stretch/>
-        </p:blipFill>
-        <p:spPr>
-          <a:xfrm>
-            <a:off x="2633851" y="2691449"/>
-            <a:ext cx="4057140" cy="3535680"/>
-          </a:xfrm>
-          <a:prstGeom prst="rect">
-            <a:avLst/>
-          </a:prstGeom>
-        </p:spPr>
-      </p:pic>
-      <p:cxnSp>
-        <p:nvCxnSpPr>
-          <p:cNvPr id="13" name="Curved Connector 12"/>
-          <p:cNvCxnSpPr/>
-          <p:nvPr/>
-        </p:nvCxnSpPr>
-        <p:spPr>
-          <a:xfrm rot="10800000">
-            <a:off x="2362201" y="4191000"/>
-            <a:ext cx="4872375" cy="25240"/>
-          </a:xfrm>
-          <a:prstGeom prst="curvedConnector3">
-            <a:avLst/>
-          </a:prstGeom>
-          <a:ln>
-            <a:headEnd type="arrow"/>
-            <a:tailEnd type="arrow"/>
-          </a:ln>
-        </p:spPr>
-        <p:style>
-          <a:lnRef idx="2">
-            <a:schemeClr val="accent1"/>
-          </a:lnRef>
-          <a:fillRef idx="0">
-            <a:schemeClr val="accent1"/>
-          </a:fillRef>
-          <a:effectRef idx="1">
-            <a:schemeClr val="accent1"/>
-          </a:effectRef>
-          <a:fontRef idx="minor">
-            <a:schemeClr val="tx1"/>
-          </a:fontRef>
-        </p:style>
-      </p:cxnSp>
     </p:spTree>
     <p:extLst>
       <p:ext uri="{BB962C8B-B14F-4D97-AF65-F5344CB8AC3E}">
-        <p14:creationId xmlns:p14="http://schemas.microsoft.com/office/powerpoint/2010/main" val="2978374076"/>
+        <p14:creationId xmlns:p14="http://schemas.microsoft.com/office/powerpoint/2010/main" val="1395449403"/>
       </p:ext>
     </p:extLst>
   </p:cSld>
@@ -9290,37 +8623,10 @@
           <a:bodyPr/>
           <a:lstStyle/>
           <a:p>
-            <a:pPr marL="0" indent="0"/>
-            <a:r>
-              <a:rPr lang="en-US" dirty="0"/>
-              <a:t>Set up the AWARE server</a:t>
-            </a:r>
-          </a:p>
-        </p:txBody>
-      </p:sp>
-      <p:sp>
-        <p:nvSpPr>
-          <p:cNvPr id="3" name="Content Placeholder 2"/>
-          <p:cNvSpPr>
-            <a:spLocks noGrp="1"/>
-          </p:cNvSpPr>
-          <p:nvPr>
-            <p:ph idx="1"/>
-          </p:nvPr>
-        </p:nvSpPr>
-        <p:spPr>
-          <a:xfrm>
-            <a:off x="1128942" y="1847153"/>
-            <a:ext cx="7673287" cy="4379976"/>
-          </a:xfrm>
-        </p:spPr>
-        <p:txBody>
-          <a:bodyPr/>
-          <a:lstStyle/>
-          <a:p>
-            <a:pPr marL="0" indent="0">
-              <a:buNone/>
-            </a:pPr>
+            <a:r>
+              <a:rPr lang="en-US" dirty="0" smtClean="0"/>
+              <a:t>Now click on byte3</a:t>
+            </a:r>
             <a:endParaRPr lang="en-US" dirty="0"/>
           </a:p>
         </p:txBody>
@@ -9342,7 +8648,7 @@
           <a:p>
             <a:fld id="{7053BEFA-1175-F644-B249-7D41D72BD3FF}" type="datetime1">
               <a:rPr lang="en-US" smtClean="0"/>
-              <a:t>1/29/16</a:t>
+              <a:t>2/8/16</a:t>
             </a:fld>
             <a:endParaRPr lang="en-US"/>
           </a:p>
@@ -9390,190 +8696,34 @@
           </a:p>
         </p:txBody>
       </p:sp>
-      <p:sp>
-        <p:nvSpPr>
-          <p:cNvPr id="10" name="Cloud 9"/>
-          <p:cNvSpPr/>
-          <p:nvPr/>
-        </p:nvSpPr>
-        <p:spPr>
-          <a:xfrm>
-            <a:off x="465996" y="3386417"/>
-            <a:ext cx="1834533" cy="1428934"/>
-          </a:xfrm>
-          <a:prstGeom prst="cloud">
-            <a:avLst/>
-          </a:prstGeom>
-        </p:spPr>
-        <p:style>
-          <a:lnRef idx="2">
-            <a:schemeClr val="accent1">
-              <a:shade val="50000"/>
-            </a:schemeClr>
-          </a:lnRef>
-          <a:fillRef idx="1">
-            <a:schemeClr val="accent1"/>
-          </a:fillRef>
-          <a:effectRef idx="0">
-            <a:schemeClr val="accent1"/>
-          </a:effectRef>
-          <a:fontRef idx="minor">
-            <a:schemeClr val="lt1"/>
-          </a:fontRef>
-        </p:style>
-        <p:txBody>
-          <a:bodyPr rtlCol="0" anchor="ctr"/>
-          <a:lstStyle/>
-          <a:p>
-            <a:pPr algn="ctr"/>
-            <a:r>
-              <a:rPr lang="en-US" dirty="0" smtClean="0"/>
-              <a:t>Cloud Storage:</a:t>
-            </a:r>
-            <a:br>
-              <a:rPr lang="en-US" dirty="0" smtClean="0"/>
-            </a:br>
-            <a:r>
-              <a:rPr lang="en-US" dirty="0" smtClean="0"/>
-              <a:t>‘</a:t>
-            </a:r>
-            <a:r>
-              <a:rPr lang="en-US" dirty="0" err="1" smtClean="0"/>
-              <a:t>CloudIP</a:t>
-            </a:r>
-            <a:r>
-              <a:rPr lang="en-US" dirty="0" smtClean="0"/>
-              <a:t>’</a:t>
-            </a:r>
-            <a:endParaRPr lang="en-US" dirty="0"/>
-          </a:p>
-        </p:txBody>
-      </p:sp>
-      <p:sp>
-        <p:nvSpPr>
-          <p:cNvPr id="11" name="TextBox 10"/>
-          <p:cNvSpPr txBox="1"/>
-          <p:nvPr/>
-        </p:nvSpPr>
-        <p:spPr>
-          <a:xfrm>
-            <a:off x="6690991" y="5011816"/>
-            <a:ext cx="2047105" cy="646331"/>
-          </a:xfrm>
-          <a:prstGeom prst="rect">
-            <a:avLst/>
-          </a:prstGeom>
-          <a:noFill/>
-        </p:spPr>
-        <p:txBody>
-          <a:bodyPr wrap="none" rtlCol="0">
-            <a:spAutoFit/>
-          </a:bodyPr>
-          <a:lstStyle/>
-          <a:p>
-            <a:r>
-              <a:rPr lang="en-US" dirty="0" smtClean="0"/>
-              <a:t>Step 9: Set up study</a:t>
-            </a:r>
-            <a:br>
-              <a:rPr lang="en-US" dirty="0" smtClean="0"/>
-            </a:br>
-            <a:r>
-              <a:rPr lang="en-US" dirty="0" smtClean="0"/>
-              <a:t>sensors &amp; so on</a:t>
-            </a:r>
-            <a:endParaRPr lang="en-US" dirty="0"/>
-          </a:p>
-        </p:txBody>
-      </p:sp>
       <p:pic>
         <p:nvPicPr>
-          <p:cNvPr id="12" name="Picture 11" descr="aware-logo.png"/>
+          <p:cNvPr id="8" name="Content Placeholder 7"/>
           <p:cNvPicPr>
-            <a:picLocks noChangeAspect="1"/>
+            <a:picLocks noGrp="1" noChangeAspect="1"/>
           </p:cNvPicPr>
-          <p:nvPr/>
+          <p:nvPr>
+            <p:ph idx="1"/>
+          </p:nvPr>
         </p:nvPicPr>
         <p:blipFill>
-          <a:blip r:embed="rId2">
-            <a:extLst>
-              <a:ext uri="{28A0092B-C50C-407E-A947-70E740481C1C}">
-                <a14:useLocalDpi xmlns:a14="http://schemas.microsoft.com/office/drawing/2010/main" val="0"/>
-              </a:ext>
-            </a:extLst>
-          </a:blip>
+          <a:blip r:embed="rId2"/>
+          <a:srcRect t="-23419" b="-23419"/>
           <a:stretch>
             <a:fillRect/>
           </a:stretch>
         </p:blipFill>
         <p:spPr>
           <a:xfrm>
-            <a:off x="7308088" y="3383036"/>
-            <a:ext cx="1494141" cy="1494141"/>
+            <a:off x="1128713" y="1847850"/>
+            <a:ext cx="7048500" cy="4379913"/>
           </a:xfrm>
-          <a:prstGeom prst="rect">
-            <a:avLst/>
-          </a:prstGeom>
-        </p:spPr>
-      </p:pic>
-      <p:pic>
-        <p:nvPicPr>
-          <p:cNvPr id="9" name="Picture 8"/>
-          <p:cNvPicPr>
-            <a:picLocks noChangeAspect="1"/>
-          </p:cNvPicPr>
-          <p:nvPr/>
-        </p:nvPicPr>
-        <p:blipFill>
-          <a:blip r:embed="rId3"/>
-          <a:stretch>
-            <a:fillRect/>
-          </a:stretch>
-        </p:blipFill>
-        <p:spPr>
-          <a:xfrm>
-            <a:off x="35280" y="2480476"/>
-            <a:ext cx="5627809" cy="4793402"/>
-          </a:xfrm>
-          <a:prstGeom prst="rect">
-            <a:avLst/>
-          </a:prstGeom>
-          <a:solidFill>
-            <a:srgbClr val="FFFFFF">
-              <a:shade val="85000"/>
-            </a:srgbClr>
-          </a:solidFill>
-          <a:ln w="88900" cap="sq">
-            <a:solidFill>
-              <a:srgbClr val="FFFFFF"/>
-            </a:solidFill>
-            <a:miter lim="800000"/>
-          </a:ln>
-          <a:effectLst>
-            <a:outerShdw blurRad="55000" dist="18000" dir="5400000" algn="tl" rotWithShape="0">
-              <a:srgbClr val="000000">
-                <a:alpha val="40000"/>
-              </a:srgbClr>
-            </a:outerShdw>
-          </a:effectLst>
-          <a:scene3d>
-            <a:camera prst="orthographicFront"/>
-            <a:lightRig rig="twoPt" dir="t">
-              <a:rot lat="0" lon="0" rev="7200000"/>
-            </a:lightRig>
-          </a:scene3d>
-          <a:sp3d>
-            <a:bevelT w="25400" h="19050"/>
-            <a:contourClr>
-              <a:srgbClr val="FFFFFF"/>
-            </a:contourClr>
-          </a:sp3d>
         </p:spPr>
       </p:pic>
     </p:spTree>
     <p:extLst>
       <p:ext uri="{BB962C8B-B14F-4D97-AF65-F5344CB8AC3E}">
-        <p14:creationId xmlns:p14="http://schemas.microsoft.com/office/powerpoint/2010/main" val="2936280867"/>
+        <p14:creationId xmlns:p14="http://schemas.microsoft.com/office/powerpoint/2010/main" val="564561214"/>
       </p:ext>
     </p:extLst>
   </p:cSld>
@@ -9622,37 +8772,10 @@
           <a:bodyPr/>
           <a:lstStyle/>
           <a:p>
-            <a:pPr marL="0" indent="0"/>
-            <a:r>
-              <a:rPr lang="en-US" dirty="0"/>
-              <a:t>Set up the AWARE server</a:t>
-            </a:r>
-          </a:p>
-        </p:txBody>
-      </p:sp>
-      <p:sp>
-        <p:nvSpPr>
-          <p:cNvPr id="3" name="Content Placeholder 2"/>
-          <p:cNvSpPr>
-            <a:spLocks noGrp="1"/>
-          </p:cNvSpPr>
-          <p:nvPr>
-            <p:ph idx="1"/>
-          </p:nvPr>
-        </p:nvSpPr>
-        <p:spPr>
-          <a:xfrm>
-            <a:off x="1128942" y="1847153"/>
-            <a:ext cx="7673287" cy="4379976"/>
-          </a:xfrm>
-        </p:spPr>
-        <p:txBody>
-          <a:bodyPr/>
-          <a:lstStyle/>
-          <a:p>
-            <a:pPr marL="0" indent="0">
-              <a:buNone/>
-            </a:pPr>
+            <a:r>
+              <a:rPr lang="en-US" dirty="0" smtClean="0"/>
+              <a:t>Create a database in it</a:t>
+            </a:r>
             <a:endParaRPr lang="en-US" dirty="0"/>
           </a:p>
         </p:txBody>
@@ -9674,7 +8797,7 @@
           <a:p>
             <a:fld id="{7053BEFA-1175-F644-B249-7D41D72BD3FF}" type="datetime1">
               <a:rPr lang="en-US" smtClean="0"/>
-              <a:t>1/29/16</a:t>
+              <a:t>2/8/16</a:t>
             </a:fld>
             <a:endParaRPr lang="en-US"/>
           </a:p>
@@ -9722,267 +8845,29 @@
           </a:p>
         </p:txBody>
       </p:sp>
-      <p:sp>
-        <p:nvSpPr>
-          <p:cNvPr id="10" name="Cloud 9"/>
-          <p:cNvSpPr/>
-          <p:nvPr/>
-        </p:nvSpPr>
-        <p:spPr>
-          <a:xfrm>
-            <a:off x="465996" y="3386417"/>
-            <a:ext cx="1834533" cy="1428934"/>
-          </a:xfrm>
-          <a:prstGeom prst="cloud">
-            <a:avLst/>
-          </a:prstGeom>
-        </p:spPr>
-        <p:style>
-          <a:lnRef idx="2">
-            <a:schemeClr val="accent1">
-              <a:shade val="50000"/>
-            </a:schemeClr>
-          </a:lnRef>
-          <a:fillRef idx="1">
-            <a:schemeClr val="accent1"/>
-          </a:fillRef>
-          <a:effectRef idx="0">
-            <a:schemeClr val="accent1"/>
-          </a:effectRef>
-          <a:fontRef idx="minor">
-            <a:schemeClr val="lt1"/>
-          </a:fontRef>
-        </p:style>
-        <p:txBody>
-          <a:bodyPr rtlCol="0" anchor="ctr"/>
-          <a:lstStyle/>
-          <a:p>
-            <a:pPr algn="ctr"/>
-            <a:r>
-              <a:rPr lang="en-US" dirty="0" smtClean="0"/>
-              <a:t>Cloud Storage:</a:t>
-            </a:r>
-            <a:br>
-              <a:rPr lang="en-US" dirty="0" smtClean="0"/>
-            </a:br>
-            <a:r>
-              <a:rPr lang="en-US" dirty="0" smtClean="0"/>
-              <a:t>‘</a:t>
-            </a:r>
-            <a:r>
-              <a:rPr lang="en-US" dirty="0" err="1" smtClean="0"/>
-              <a:t>CloudIP</a:t>
-            </a:r>
-            <a:r>
-              <a:rPr lang="en-US" dirty="0" smtClean="0"/>
-              <a:t>’</a:t>
-            </a:r>
-            <a:endParaRPr lang="en-US" dirty="0"/>
-          </a:p>
-        </p:txBody>
-      </p:sp>
-      <p:sp>
-        <p:nvSpPr>
-          <p:cNvPr id="11" name="TextBox 10"/>
-          <p:cNvSpPr txBox="1"/>
-          <p:nvPr/>
-        </p:nvSpPr>
-        <p:spPr>
-          <a:xfrm>
-            <a:off x="6690991" y="5011816"/>
-            <a:ext cx="2047105" cy="646331"/>
-          </a:xfrm>
-          <a:prstGeom prst="rect">
-            <a:avLst/>
-          </a:prstGeom>
-          <a:noFill/>
-        </p:spPr>
-        <p:txBody>
-          <a:bodyPr wrap="none" rtlCol="0">
-            <a:spAutoFit/>
-          </a:bodyPr>
-          <a:lstStyle/>
-          <a:p>
-            <a:r>
-              <a:rPr lang="en-US" dirty="0" smtClean="0"/>
-              <a:t>Step 9: Set up study</a:t>
-            </a:r>
-            <a:br>
-              <a:rPr lang="en-US" dirty="0" smtClean="0"/>
-            </a:br>
-            <a:r>
-              <a:rPr lang="en-US" dirty="0" smtClean="0"/>
-              <a:t>sensors &amp; so on</a:t>
-            </a:r>
-            <a:endParaRPr lang="en-US" dirty="0"/>
-          </a:p>
-        </p:txBody>
-      </p:sp>
       <p:pic>
         <p:nvPicPr>
-          <p:cNvPr id="12" name="Picture 11" descr="aware-logo.png"/>
+          <p:cNvPr id="7" name="Content Placeholder 6"/>
           <p:cNvPicPr>
-            <a:picLocks noChangeAspect="1"/>
+            <a:picLocks noGrp="1" noChangeAspect="1"/>
           </p:cNvPicPr>
-          <p:nvPr/>
+          <p:nvPr>
+            <p:ph idx="1"/>
+          </p:nvPr>
         </p:nvPicPr>
         <p:blipFill>
-          <a:blip r:embed="rId2">
-            <a:extLst>
-              <a:ext uri="{28A0092B-C50C-407E-A947-70E740481C1C}">
-                <a14:useLocalDpi xmlns:a14="http://schemas.microsoft.com/office/drawing/2010/main" val="0"/>
-              </a:ext>
-            </a:extLst>
-          </a:blip>
+          <a:blip r:embed="rId2"/>
+          <a:srcRect l="57" r="57"/>
           <a:stretch>
             <a:fillRect/>
           </a:stretch>
         </p:blipFill>
-        <p:spPr>
-          <a:xfrm>
-            <a:off x="7308088" y="3383036"/>
-            <a:ext cx="1494141" cy="1494141"/>
-          </a:xfrm>
-          <a:prstGeom prst="rect">
-            <a:avLst/>
-          </a:prstGeom>
-        </p:spPr>
+        <p:spPr/>
       </p:pic>
-      <p:pic>
-        <p:nvPicPr>
-          <p:cNvPr id="9" name="Picture 8"/>
-          <p:cNvPicPr>
-            <a:picLocks noChangeAspect="1"/>
-          </p:cNvPicPr>
-          <p:nvPr/>
-        </p:nvPicPr>
-        <p:blipFill>
-          <a:blip r:embed="rId3"/>
-          <a:stretch>
-            <a:fillRect/>
-          </a:stretch>
-        </p:blipFill>
-        <p:spPr>
-          <a:xfrm>
-            <a:off x="35280" y="2480476"/>
-            <a:ext cx="5627809" cy="4793402"/>
-          </a:xfrm>
-          <a:prstGeom prst="rect">
-            <a:avLst/>
-          </a:prstGeom>
-          <a:solidFill>
-            <a:srgbClr val="FFFFFF">
-              <a:shade val="85000"/>
-            </a:srgbClr>
-          </a:solidFill>
-          <a:ln w="88900" cap="sq">
-            <a:solidFill>
-              <a:srgbClr val="FFFFFF"/>
-            </a:solidFill>
-            <a:miter lim="800000"/>
-          </a:ln>
-          <a:effectLst>
-            <a:outerShdw blurRad="55000" dist="18000" dir="5400000" algn="tl" rotWithShape="0">
-              <a:srgbClr val="000000">
-                <a:alpha val="40000"/>
-              </a:srgbClr>
-            </a:outerShdw>
-          </a:effectLst>
-          <a:scene3d>
-            <a:camera prst="orthographicFront"/>
-            <a:lightRig rig="twoPt" dir="t">
-              <a:rot lat="0" lon="0" rev="7200000"/>
-            </a:lightRig>
-          </a:scene3d>
-          <a:sp3d>
-            <a:bevelT w="25400" h="19050"/>
-            <a:contourClr>
-              <a:srgbClr val="FFFFFF"/>
-            </a:contourClr>
-          </a:sp3d>
-        </p:spPr>
-      </p:pic>
-      <p:sp>
-        <p:nvSpPr>
-          <p:cNvPr id="7" name="Rectangle 6"/>
-          <p:cNvSpPr/>
-          <p:nvPr/>
-        </p:nvSpPr>
-        <p:spPr>
-          <a:xfrm>
-            <a:off x="4903847" y="5151218"/>
-            <a:ext cx="759241" cy="1075911"/>
-          </a:xfrm>
-          <a:prstGeom prst="rect">
-            <a:avLst/>
-          </a:prstGeom>
-          <a:noFill/>
-          <a:ln w="38100" cmpd="sng"/>
-        </p:spPr>
-        <p:style>
-          <a:lnRef idx="1">
-            <a:schemeClr val="accent1"/>
-          </a:lnRef>
-          <a:fillRef idx="3">
-            <a:schemeClr val="accent1"/>
-          </a:fillRef>
-          <a:effectRef idx="2">
-            <a:schemeClr val="accent1"/>
-          </a:effectRef>
-          <a:fontRef idx="minor">
-            <a:schemeClr val="lt1"/>
-          </a:fontRef>
-        </p:style>
-        <p:txBody>
-          <a:bodyPr rtlCol="0" anchor="ctr"/>
-          <a:lstStyle/>
-          <a:p>
-            <a:pPr algn="ctr"/>
-            <a:endParaRPr lang="en-US"/>
-          </a:p>
-        </p:txBody>
-      </p:sp>
-      <p:sp>
-        <p:nvSpPr>
-          <p:cNvPr id="8" name="TextBox 7"/>
-          <p:cNvSpPr txBox="1"/>
-          <p:nvPr/>
-        </p:nvSpPr>
-        <p:spPr>
-          <a:xfrm>
-            <a:off x="4702203" y="4439181"/>
-            <a:ext cx="1877437" cy="646331"/>
-          </a:xfrm>
-          <a:prstGeom prst="rect">
-            <a:avLst/>
-          </a:prstGeom>
-          <a:noFill/>
-        </p:spPr>
-        <p:txBody>
-          <a:bodyPr wrap="none" rtlCol="0">
-            <a:spAutoFit/>
-          </a:bodyPr>
-          <a:lstStyle/>
-          <a:p>
-            <a:r>
-              <a:rPr lang="en-US" dirty="0" smtClean="0"/>
-              <a:t>Edit study sensors</a:t>
-            </a:r>
-            <a:br>
-              <a:rPr lang="en-US" dirty="0" smtClean="0"/>
-            </a:br>
-            <a:r>
-              <a:rPr lang="en-US" dirty="0" smtClean="0"/>
-              <a:t>by clicking on this</a:t>
-            </a:r>
-            <a:endParaRPr lang="en-US" dirty="0"/>
-          </a:p>
-        </p:txBody>
-      </p:sp>
     </p:spTree>
     <p:extLst>
       <p:ext uri="{BB962C8B-B14F-4D97-AF65-F5344CB8AC3E}">
-        <p14:creationId xmlns:p14="http://schemas.microsoft.com/office/powerpoint/2010/main" val="73277137"/>
+        <p14:creationId xmlns:p14="http://schemas.microsoft.com/office/powerpoint/2010/main" val="666558361"/>
       </p:ext>
     </p:extLst>
   </p:cSld>
@@ -10026,52 +8911,15 @@
             <p:ph type="title"/>
           </p:nvPr>
         </p:nvSpPr>
-        <p:spPr>
-          <a:xfrm>
-            <a:off x="954132" y="310162"/>
-            <a:ext cx="8189868" cy="990107"/>
-          </a:xfrm>
-        </p:spPr>
-        <p:txBody>
-          <a:bodyPr/>
-          <a:lstStyle/>
-          <a:p>
-            <a:pPr marL="0" indent="0"/>
-            <a:r>
-              <a:rPr lang="en-US" dirty="0"/>
-              <a:t>Connect the AWARE client with your </a:t>
-            </a:r>
-            <a:r>
-              <a:rPr lang="en-US" dirty="0" smtClean="0"/>
-              <a:t>study</a:t>
-            </a:r>
-            <a:endParaRPr lang="en-US" dirty="0"/>
-          </a:p>
-        </p:txBody>
-      </p:sp>
-      <p:sp>
-        <p:nvSpPr>
-          <p:cNvPr id="3" name="Content Placeholder 2"/>
-          <p:cNvSpPr>
-            <a:spLocks noGrp="1"/>
-          </p:cNvSpPr>
-          <p:nvPr>
-            <p:ph idx="1"/>
-          </p:nvPr>
-        </p:nvSpPr>
-        <p:spPr>
-          <a:xfrm>
-            <a:off x="1128942" y="1847153"/>
-            <a:ext cx="7673287" cy="4379976"/>
-          </a:xfrm>
-        </p:spPr>
-        <p:txBody>
-          <a:bodyPr/>
-          <a:lstStyle/>
-          <a:p>
-            <a:pPr marL="0" indent="0">
-              <a:buNone/>
-            </a:pPr>
+        <p:spPr/>
+        <p:txBody>
+          <a:bodyPr/>
+          <a:lstStyle/>
+          <a:p>
+            <a:r>
+              <a:rPr lang="en-US" dirty="0" smtClean="0"/>
+              <a:t>Create a database in it</a:t>
+            </a:r>
             <a:endParaRPr lang="en-US" dirty="0"/>
           </a:p>
         </p:txBody>
@@ -10093,7 +8941,7 @@
           <a:p>
             <a:fld id="{7053BEFA-1175-F644-B249-7D41D72BD3FF}" type="datetime1">
               <a:rPr lang="en-US" smtClean="0"/>
-              <a:t>1/29/16</a:t>
+              <a:t>2/8/16</a:t>
             </a:fld>
             <a:endParaRPr lang="en-US"/>
           </a:p>
@@ -10143,254 +8991,27 @@
       </p:sp>
       <p:pic>
         <p:nvPicPr>
-          <p:cNvPr id="14" name="aware_tilt_right.png"/>
-          <p:cNvPicPr/>
-          <p:nvPr/>
+          <p:cNvPr id="8" name="Content Placeholder 7"/>
+          <p:cNvPicPr>
+            <a:picLocks noGrp="1" noChangeAspect="1"/>
+          </p:cNvPicPr>
+          <p:nvPr>
+            <p:ph idx="1"/>
+          </p:nvPr>
         </p:nvPicPr>
         <p:blipFill>
-          <a:blip r:embed="rId2">
-            <a:extLst/>
-          </a:blip>
+          <a:blip r:embed="rId2"/>
+          <a:srcRect l="13265" r="13265"/>
           <a:stretch>
             <a:fillRect/>
           </a:stretch>
         </p:blipFill>
-        <p:spPr>
-          <a:xfrm>
-            <a:off x="465996" y="1847153"/>
-            <a:ext cx="5199040" cy="4135219"/>
-          </a:xfrm>
-          <a:prstGeom prst="rect">
-            <a:avLst/>
-          </a:prstGeom>
-          <a:ln w="12700">
-            <a:miter lim="400000"/>
-          </a:ln>
-        </p:spPr>
+        <p:spPr/>
       </p:pic>
-      <p:pic>
-        <p:nvPicPr>
-          <p:cNvPr id="7" name="Picture 6"/>
-          <p:cNvPicPr>
-            <a:picLocks noChangeAspect="1"/>
-          </p:cNvPicPr>
-          <p:nvPr/>
-        </p:nvPicPr>
-        <p:blipFill rotWithShape="1">
-          <a:blip r:embed="rId3"/>
-          <a:srcRect b="61586"/>
-          <a:stretch/>
-        </p:blipFill>
-        <p:spPr>
-          <a:xfrm>
-            <a:off x="689429" y="2632575"/>
-            <a:ext cx="2226965" cy="1520845"/>
-          </a:xfrm>
-          <a:prstGeom prst="rect">
-            <a:avLst/>
-          </a:prstGeom>
-          <a:solidFill>
-            <a:srgbClr val="FFFFFF">
-              <a:shade val="85000"/>
-            </a:srgbClr>
-          </a:solidFill>
-          <a:ln w="88900" cap="sq">
-            <a:solidFill>
-              <a:srgbClr val="FFFFFF"/>
-            </a:solidFill>
-            <a:miter lim="800000"/>
-          </a:ln>
-          <a:effectLst>
-            <a:outerShdw blurRad="55000" dist="18000" dir="5400000" algn="tl" rotWithShape="0">
-              <a:srgbClr val="000000">
-                <a:alpha val="40000"/>
-              </a:srgbClr>
-            </a:outerShdw>
-          </a:effectLst>
-          <a:scene3d>
-            <a:camera prst="orthographicFront"/>
-            <a:lightRig rig="twoPt" dir="t">
-              <a:rot lat="0" lon="0" rev="7200000"/>
-            </a:lightRig>
-          </a:scene3d>
-          <a:sp3d>
-            <a:bevelT w="25400" h="19050"/>
-            <a:contourClr>
-              <a:srgbClr val="FFFFFF"/>
-            </a:contourClr>
-          </a:sp3d>
-        </p:spPr>
-      </p:pic>
-      <p:pic>
-        <p:nvPicPr>
-          <p:cNvPr id="8" name="Picture 7"/>
-          <p:cNvPicPr>
-            <a:picLocks noChangeAspect="1"/>
-          </p:cNvPicPr>
-          <p:nvPr/>
-        </p:nvPicPr>
-        <p:blipFill rotWithShape="1">
-          <a:blip r:embed="rId4"/>
-          <a:srcRect r="74978"/>
-          <a:stretch/>
-        </p:blipFill>
-        <p:spPr>
-          <a:xfrm>
-            <a:off x="5131178" y="2466057"/>
-            <a:ext cx="2033767" cy="4013200"/>
-          </a:xfrm>
-          <a:prstGeom prst="rect">
-            <a:avLst/>
-          </a:prstGeom>
-          <a:solidFill>
-            <a:srgbClr val="FFFFFF">
-              <a:shade val="85000"/>
-            </a:srgbClr>
-          </a:solidFill>
-          <a:ln w="88900" cap="sq">
-            <a:solidFill>
-              <a:srgbClr val="FFFFFF"/>
-            </a:solidFill>
-            <a:miter lim="800000"/>
-          </a:ln>
-          <a:effectLst>
-            <a:outerShdw blurRad="55000" dist="18000" dir="5400000" algn="tl" rotWithShape="0">
-              <a:srgbClr val="000000">
-                <a:alpha val="40000"/>
-              </a:srgbClr>
-            </a:outerShdw>
-          </a:effectLst>
-          <a:scene3d>
-            <a:camera prst="orthographicFront"/>
-            <a:lightRig rig="twoPt" dir="t">
-              <a:rot lat="0" lon="0" rev="7200000"/>
-            </a:lightRig>
-          </a:scene3d>
-          <a:sp3d>
-            <a:bevelT w="25400" h="19050"/>
-            <a:contourClr>
-              <a:srgbClr val="FFFFFF"/>
-            </a:contourClr>
-          </a:sp3d>
-        </p:spPr>
-      </p:pic>
-      <p:pic>
-        <p:nvPicPr>
-          <p:cNvPr id="9" name="Picture 8"/>
-          <p:cNvPicPr>
-            <a:picLocks noChangeAspect="1"/>
-          </p:cNvPicPr>
-          <p:nvPr/>
-        </p:nvPicPr>
-        <p:blipFill rotWithShape="1">
-          <a:blip r:embed="rId4"/>
-          <a:srcRect l="35269" t="6149" r="37723" b="22423"/>
-          <a:stretch/>
-        </p:blipFill>
-        <p:spPr>
-          <a:xfrm>
-            <a:off x="6948713" y="2315005"/>
-            <a:ext cx="2195287" cy="2866571"/>
-          </a:xfrm>
-          <a:prstGeom prst="rect">
-            <a:avLst/>
-          </a:prstGeom>
-        </p:spPr>
-      </p:pic>
-      <p:sp>
-        <p:nvSpPr>
-          <p:cNvPr id="12" name="Trapezoid 11"/>
-          <p:cNvSpPr/>
-          <p:nvPr/>
-        </p:nvSpPr>
-        <p:spPr>
-          <a:xfrm rot="16200000">
-            <a:off x="6621213" y="2702354"/>
-            <a:ext cx="522420" cy="382864"/>
-          </a:xfrm>
-          <a:prstGeom prst="trapezoid">
-            <a:avLst/>
-          </a:prstGeom>
-          <a:solidFill>
-            <a:srgbClr val="E74438"/>
-          </a:solidFill>
-          <a:ln>
-            <a:noFill/>
-          </a:ln>
-        </p:spPr>
-        <p:style>
-          <a:lnRef idx="2">
-            <a:schemeClr val="accent1">
-              <a:shade val="50000"/>
-            </a:schemeClr>
-          </a:lnRef>
-          <a:fillRef idx="1">
-            <a:schemeClr val="accent1"/>
-          </a:fillRef>
-          <a:effectRef idx="0">
-            <a:schemeClr val="accent1"/>
-          </a:effectRef>
-          <a:fontRef idx="minor">
-            <a:schemeClr val="lt1"/>
-          </a:fontRef>
-        </p:style>
-        <p:txBody>
-          <a:bodyPr rtlCol="0" anchor="ctr"/>
-          <a:lstStyle/>
-          <a:p>
-            <a:pPr algn="ctr"/>
-            <a:endParaRPr lang="en-US"/>
-          </a:p>
-        </p:txBody>
-      </p:sp>
-      <p:sp>
-        <p:nvSpPr>
-          <p:cNvPr id="11" name="TextBox 10"/>
-          <p:cNvSpPr txBox="1"/>
-          <p:nvPr/>
-        </p:nvSpPr>
-        <p:spPr>
-          <a:xfrm>
-            <a:off x="689429" y="5181575"/>
-            <a:ext cx="8307903" cy="923330"/>
-          </a:xfrm>
-          <a:prstGeom prst="rect">
-            <a:avLst/>
-          </a:prstGeom>
-          <a:noFill/>
-        </p:spPr>
-        <p:txBody>
-          <a:bodyPr wrap="square" rtlCol="0">
-            <a:spAutoFit/>
-          </a:bodyPr>
-          <a:lstStyle/>
-          <a:p>
-            <a:r>
-              <a:rPr lang="en-US" dirty="0" smtClean="0"/>
-              <a:t>Step 10: Join the study by launching the client, and choosing ‘Studies’ and then </a:t>
-            </a:r>
-            <a:br>
-              <a:rPr lang="en-US" dirty="0" smtClean="0"/>
-            </a:br>
-            <a:r>
-              <a:rPr lang="en-US" dirty="0" smtClean="0"/>
-              <a:t>pointing the QR code reader at the QR code generated by the website when you click</a:t>
-            </a:r>
-            <a:br>
-              <a:rPr lang="en-US" dirty="0" smtClean="0"/>
-            </a:br>
-            <a:r>
-              <a:rPr lang="en-US" dirty="0" smtClean="0"/>
-              <a:t>‘Show QR Code’ for your study</a:t>
-            </a:r>
-            <a:endParaRPr lang="en-US" dirty="0"/>
-          </a:p>
-        </p:txBody>
-      </p:sp>
     </p:spTree>
     <p:extLst>
       <p:ext uri="{BB962C8B-B14F-4D97-AF65-F5344CB8AC3E}">
-        <p14:creationId xmlns:p14="http://schemas.microsoft.com/office/powerpoint/2010/main" val="2586151754"/>
+        <p14:creationId xmlns:p14="http://schemas.microsoft.com/office/powerpoint/2010/main" val="1687310214"/>
       </p:ext>
     </p:extLst>
   </p:cSld>
@@ -10439,41 +9060,14 @@
           <a:bodyPr/>
           <a:lstStyle/>
           <a:p>
-            <a:pPr marL="0" indent="0"/>
-            <a:r>
-              <a:rPr lang="en-US" dirty="0"/>
-              <a:t>Double </a:t>
-            </a:r>
-            <a:r>
-              <a:rPr lang="en-US" dirty="0" smtClean="0"/>
-              <a:t>Check Everything </a:t>
-            </a:r>
-            <a:endParaRPr lang="en-US" dirty="0"/>
-          </a:p>
-        </p:txBody>
-      </p:sp>
-      <p:pic>
-        <p:nvPicPr>
-          <p:cNvPr id="8" name="Content Placeholder 7"/>
-          <p:cNvPicPr>
-            <a:picLocks noGrp="1" noChangeAspect="1"/>
-          </p:cNvPicPr>
-          <p:nvPr>
-            <p:ph idx="1"/>
-          </p:nvPr>
-        </p:nvPicPr>
-        <p:blipFill rotWithShape="1">
-          <a:blip r:embed="rId2"/>
-          <a:srcRect l="14961" r="29051"/>
-          <a:stretch/>
-        </p:blipFill>
-        <p:spPr>
-          <a:xfrm>
-            <a:off x="0" y="1847850"/>
-            <a:ext cx="7655647" cy="4379913"/>
-          </a:xfrm>
-        </p:spPr>
-      </p:pic>
+            <a:r>
+              <a:rPr lang="en-US" dirty="0" smtClean="0"/>
+              <a:t>Import your data</a:t>
+            </a:r>
+            <a:endParaRPr lang="en-US" dirty="0"/>
+          </a:p>
+        </p:txBody>
+      </p:sp>
       <p:sp>
         <p:nvSpPr>
           <p:cNvPr id="4" name="Date Placeholder 3"/>
@@ -10491,7 +9085,7 @@
           <a:p>
             <a:fld id="{7053BEFA-1175-F644-B249-7D41D72BD3FF}" type="datetime1">
               <a:rPr lang="en-US" smtClean="0"/>
-              <a:t>1/29/16</a:t>
+              <a:t>2/8/16</a:t>
             </a:fld>
             <a:endParaRPr lang="en-US"/>
           </a:p>
@@ -10539,138 +9133,29 @@
           </a:p>
         </p:txBody>
       </p:sp>
-      <p:sp>
-        <p:nvSpPr>
-          <p:cNvPr id="11" name="TextBox 10"/>
-          <p:cNvSpPr txBox="1"/>
-          <p:nvPr/>
-        </p:nvSpPr>
-        <p:spPr>
-          <a:xfrm>
-            <a:off x="6690991" y="5011816"/>
-            <a:ext cx="2484875" cy="923330"/>
-          </a:xfrm>
-          <a:prstGeom prst="rect">
-            <a:avLst/>
-          </a:prstGeom>
-          <a:noFill/>
-        </p:spPr>
-        <p:txBody>
-          <a:bodyPr wrap="none" rtlCol="0">
-            <a:spAutoFit/>
-          </a:bodyPr>
-          <a:lstStyle/>
-          <a:p>
-            <a:r>
-              <a:rPr lang="en-US" dirty="0" smtClean="0"/>
-              <a:t>Step 11: Check that your</a:t>
-            </a:r>
-            <a:br>
-              <a:rPr lang="en-US" dirty="0" smtClean="0"/>
-            </a:br>
-            <a:r>
-              <a:rPr lang="en-US" dirty="0" smtClean="0"/>
-              <a:t>phone is in the list of</a:t>
-            </a:r>
-            <a:br>
-              <a:rPr lang="en-US" dirty="0" smtClean="0"/>
-            </a:br>
-            <a:r>
-              <a:rPr lang="en-US" dirty="0" smtClean="0"/>
-              <a:t>devices</a:t>
-            </a:r>
-            <a:endParaRPr lang="en-US" dirty="0"/>
-          </a:p>
-        </p:txBody>
-      </p:sp>
       <p:pic>
         <p:nvPicPr>
-          <p:cNvPr id="12" name="Picture 11" descr="aware-logo.png"/>
+          <p:cNvPr id="7" name="Content Placeholder 6"/>
           <p:cNvPicPr>
-            <a:picLocks noChangeAspect="1"/>
+            <a:picLocks noGrp="1" noChangeAspect="1"/>
           </p:cNvPicPr>
-          <p:nvPr/>
+          <p:nvPr>
+            <p:ph idx="1"/>
+          </p:nvPr>
         </p:nvPicPr>
         <p:blipFill>
-          <a:blip r:embed="rId3">
-            <a:extLst>
-              <a:ext uri="{28A0092B-C50C-407E-A947-70E740481C1C}">
-                <a14:useLocalDpi xmlns:a14="http://schemas.microsoft.com/office/drawing/2010/main" val="0"/>
-              </a:ext>
-            </a:extLst>
-          </a:blip>
+          <a:blip r:embed="rId2"/>
+          <a:srcRect l="17738" r="17738"/>
           <a:stretch>
             <a:fillRect/>
           </a:stretch>
         </p:blipFill>
-        <p:spPr>
-          <a:xfrm>
-            <a:off x="7308088" y="3383036"/>
-            <a:ext cx="1494141" cy="1494141"/>
-          </a:xfrm>
-          <a:prstGeom prst="rect">
-            <a:avLst/>
-          </a:prstGeom>
-        </p:spPr>
-      </p:pic>
-      <p:pic>
-        <p:nvPicPr>
-          <p:cNvPr id="14" name="Picture 13"/>
-          <p:cNvPicPr>
-            <a:picLocks noChangeAspect="1"/>
-          </p:cNvPicPr>
-          <p:nvPr/>
-        </p:nvPicPr>
-        <p:blipFill>
-          <a:blip r:embed="rId4"/>
-          <a:stretch>
-            <a:fillRect/>
-          </a:stretch>
-        </p:blipFill>
-        <p:spPr>
-          <a:xfrm>
-            <a:off x="3941025" y="2801878"/>
-            <a:ext cx="2226965" cy="3959049"/>
-          </a:xfrm>
-          <a:prstGeom prst="rect">
-            <a:avLst/>
-          </a:prstGeom>
-          <a:solidFill>
-            <a:srgbClr val="FFFFFF">
-              <a:shade val="85000"/>
-            </a:srgbClr>
-          </a:solidFill>
-          <a:ln w="88900" cap="sq">
-            <a:solidFill>
-              <a:srgbClr val="FFFFFF"/>
-            </a:solidFill>
-            <a:miter lim="800000"/>
-          </a:ln>
-          <a:effectLst>
-            <a:outerShdw blurRad="55000" dist="18000" dir="5400000" algn="tl" rotWithShape="0">
-              <a:srgbClr val="000000">
-                <a:alpha val="40000"/>
-              </a:srgbClr>
-            </a:outerShdw>
-          </a:effectLst>
-          <a:scene3d>
-            <a:camera prst="orthographicFront"/>
-            <a:lightRig rig="twoPt" dir="t">
-              <a:rot lat="0" lon="0" rev="7200000"/>
-            </a:lightRig>
-          </a:scene3d>
-          <a:sp3d>
-            <a:bevelT w="25400" h="19050"/>
-            <a:contourClr>
-              <a:srgbClr val="FFFFFF"/>
-            </a:contourClr>
-          </a:sp3d>
-        </p:spPr>
+        <p:spPr/>
       </p:pic>
     </p:spTree>
     <p:extLst>
       <p:ext uri="{BB962C8B-B14F-4D97-AF65-F5344CB8AC3E}">
-        <p14:creationId xmlns:p14="http://schemas.microsoft.com/office/powerpoint/2010/main" val="2491417361"/>
+        <p14:creationId xmlns:p14="http://schemas.microsoft.com/office/powerpoint/2010/main" val="2116767914"/>
       </p:ext>
     </p:extLst>
   </p:cSld>
@@ -10719,15 +9204,157 @@
           <a:bodyPr/>
           <a:lstStyle/>
           <a:p>
-            <a:pPr marL="0" indent="0"/>
+            <a:r>
+              <a:rPr lang="en-US" dirty="0" smtClean="0"/>
+              <a:t>Accessing MySQL from python</a:t>
+            </a:r>
+            <a:endParaRPr lang="en-US" dirty="0"/>
+          </a:p>
+        </p:txBody>
+      </p:sp>
+      <p:sp>
+        <p:nvSpPr>
+          <p:cNvPr id="3" name="Content Placeholder 2"/>
+          <p:cNvSpPr>
+            <a:spLocks noGrp="1"/>
+          </p:cNvSpPr>
+          <p:nvPr>
+            <p:ph idx="1"/>
+          </p:nvPr>
+        </p:nvSpPr>
+        <p:spPr/>
+        <p:txBody>
+          <a:bodyPr/>
+          <a:lstStyle/>
+          <a:p>
+            <a:pPr marL="0" indent="0">
+              <a:buNone/>
+            </a:pPr>
+            <a:r>
+              <a:rPr lang="en-US" dirty="0" err="1" smtClean="0"/>
+              <a:t>db</a:t>
+            </a:r>
+            <a:r>
+              <a:rPr lang="en-US" dirty="0" smtClean="0"/>
+              <a:t> </a:t>
+            </a:r>
             <a:r>
               <a:rPr lang="en-US" dirty="0"/>
-              <a:t>Double </a:t>
-            </a:r>
-            <a:r>
-              <a:rPr lang="en-US" dirty="0" smtClean="0"/>
-              <a:t>Check Everything </a:t>
-            </a:r>
+              <a:t>= </a:t>
+            </a:r>
+            <a:r>
+              <a:rPr lang="en-US" dirty="0" err="1"/>
+              <a:t>MySQLdb.connect</a:t>
+            </a:r>
+            <a:r>
+              <a:rPr lang="en-US" dirty="0"/>
+              <a:t>(</a:t>
+            </a:r>
+            <a:r>
+              <a:rPr lang="en-US" dirty="0" err="1"/>
+              <a:t>unix_socket</a:t>
+            </a:r>
+            <a:r>
+              <a:rPr lang="en-US" dirty="0"/>
+              <a:t>='/</a:t>
+            </a:r>
+            <a:r>
+              <a:rPr lang="en-US" dirty="0" err="1"/>
+              <a:t>cloudsql</a:t>
+            </a:r>
+            <a:r>
+              <a:rPr lang="en-US" dirty="0"/>
+              <a:t>/' + _INSTANCE_NAME, </a:t>
+            </a:r>
+            <a:r>
+              <a:rPr lang="en-US" dirty="0" err="1"/>
+              <a:t>db</a:t>
+            </a:r>
+            <a:r>
+              <a:rPr lang="en-US" dirty="0"/>
+              <a:t>=_DB, user='root')</a:t>
+            </a:r>
+          </a:p>
+          <a:p>
+            <a:pPr marL="0" indent="0">
+              <a:buNone/>
+            </a:pPr>
+            <a:r>
+              <a:rPr lang="en-US" dirty="0" smtClean="0"/>
+              <a:t>cursor </a:t>
+            </a:r>
+            <a:r>
+              <a:rPr lang="en-US" dirty="0"/>
+              <a:t>= </a:t>
+            </a:r>
+            <a:r>
+              <a:rPr lang="en-US" dirty="0" err="1"/>
+              <a:t>db.cursor</a:t>
+            </a:r>
+            <a:r>
+              <a:rPr lang="en-US" dirty="0"/>
+              <a:t>(</a:t>
+            </a:r>
+            <a:r>
+              <a:rPr lang="en-US" dirty="0" smtClean="0"/>
+              <a:t>)</a:t>
+            </a:r>
+            <a:endParaRPr lang="en-US" dirty="0"/>
+          </a:p>
+          <a:p>
+            <a:r>
+              <a:rPr lang="en-US" dirty="0" smtClean="0"/>
+              <a:t>Helper function – prints result to log</a:t>
+            </a:r>
+          </a:p>
+          <a:p>
+            <a:pPr marL="0" indent="0">
+              <a:buNone/>
+            </a:pPr>
+            <a:r>
+              <a:rPr lang="en-US" dirty="0" err="1" smtClean="0"/>
+              <a:t>self.make_and_print_query</a:t>
+            </a:r>
+            <a:r>
+              <a:rPr lang="en-US" dirty="0"/>
+              <a:t>(cursor, 'SHOW TABLES', 'Show the names of all tables'</a:t>
+            </a:r>
+            <a:r>
+              <a:rPr lang="en-US" dirty="0" smtClean="0"/>
+              <a:t>)</a:t>
+            </a:r>
+          </a:p>
+          <a:p>
+            <a:r>
+              <a:rPr lang="en-US" dirty="0" smtClean="0"/>
+              <a:t>Helper function – returns result as list</a:t>
+            </a:r>
+          </a:p>
+          <a:p>
+            <a:pPr marL="0" indent="0">
+              <a:buNone/>
+            </a:pPr>
+            <a:r>
+              <a:rPr lang="en-US" dirty="0"/>
+              <a:t> rows = </a:t>
+            </a:r>
+            <a:r>
+              <a:rPr lang="en-US" dirty="0" err="1"/>
+              <a:t>self.make_query</a:t>
+            </a:r>
+            <a:r>
+              <a:rPr lang="en-US" dirty="0"/>
+              <a:t>(cursor, query</a:t>
+            </a:r>
+            <a:r>
+              <a:rPr lang="en-US" dirty="0" smtClean="0"/>
+              <a:t>)</a:t>
+            </a:r>
+          </a:p>
+          <a:p>
+            <a:pPr marL="0" indent="0">
+              <a:buNone/>
+            </a:pPr>
             <a:endParaRPr lang="en-US" dirty="0"/>
           </a:p>
         </p:txBody>
@@ -10749,7 +9376,7 @@
           <a:p>
             <a:fld id="{7053BEFA-1175-F644-B249-7D41D72BD3FF}" type="datetime1">
               <a:rPr lang="en-US" smtClean="0"/>
-              <a:t>1/29/16</a:t>
+              <a:t>2/8/16</a:t>
             </a:fld>
             <a:endParaRPr lang="en-US"/>
           </a:p>
@@ -10797,174 +9424,10 @@
           </a:p>
         </p:txBody>
       </p:sp>
-      <p:sp>
-        <p:nvSpPr>
-          <p:cNvPr id="10" name="Cloud 9"/>
-          <p:cNvSpPr/>
-          <p:nvPr/>
-        </p:nvSpPr>
-        <p:spPr>
-          <a:xfrm>
-            <a:off x="465996" y="3386417"/>
-            <a:ext cx="1834533" cy="1428934"/>
-          </a:xfrm>
-          <a:prstGeom prst="cloud">
-            <a:avLst/>
-          </a:prstGeom>
-        </p:spPr>
-        <p:style>
-          <a:lnRef idx="2">
-            <a:schemeClr val="accent1">
-              <a:shade val="50000"/>
-            </a:schemeClr>
-          </a:lnRef>
-          <a:fillRef idx="1">
-            <a:schemeClr val="accent1"/>
-          </a:fillRef>
-          <a:effectRef idx="0">
-            <a:schemeClr val="accent1"/>
-          </a:effectRef>
-          <a:fontRef idx="minor">
-            <a:schemeClr val="lt1"/>
-          </a:fontRef>
-        </p:style>
-        <p:txBody>
-          <a:bodyPr rtlCol="0" anchor="ctr"/>
-          <a:lstStyle/>
-          <a:p>
-            <a:pPr algn="ctr"/>
-            <a:r>
-              <a:rPr lang="en-US" dirty="0" smtClean="0"/>
-              <a:t>Cloud Storage:</a:t>
-            </a:r>
-            <a:br>
-              <a:rPr lang="en-US" dirty="0" smtClean="0"/>
-            </a:br>
-            <a:r>
-              <a:rPr lang="en-US" dirty="0" smtClean="0"/>
-              <a:t>‘</a:t>
-            </a:r>
-            <a:r>
-              <a:rPr lang="en-US" dirty="0" err="1" smtClean="0"/>
-              <a:t>CloudIP</a:t>
-            </a:r>
-            <a:r>
-              <a:rPr lang="en-US" dirty="0" smtClean="0"/>
-              <a:t>’</a:t>
-            </a:r>
-            <a:endParaRPr lang="en-US" dirty="0"/>
-          </a:p>
-        </p:txBody>
-      </p:sp>
-      <p:sp>
-        <p:nvSpPr>
-          <p:cNvPr id="11" name="TextBox 10"/>
-          <p:cNvSpPr txBox="1"/>
-          <p:nvPr/>
-        </p:nvSpPr>
-        <p:spPr>
-          <a:xfrm>
-            <a:off x="6690991" y="5011816"/>
-            <a:ext cx="2005677" cy="1200329"/>
-          </a:xfrm>
-          <a:prstGeom prst="rect">
-            <a:avLst/>
-          </a:prstGeom>
-          <a:noFill/>
-        </p:spPr>
-        <p:txBody>
-          <a:bodyPr wrap="none" rtlCol="0">
-            <a:spAutoFit/>
-          </a:bodyPr>
-          <a:lstStyle/>
-          <a:p>
-            <a:r>
-              <a:rPr lang="en-US" dirty="0" smtClean="0"/>
-              <a:t>Step 12: Check that </a:t>
-            </a:r>
-            <a:br>
-              <a:rPr lang="en-US" dirty="0" smtClean="0"/>
-            </a:br>
-            <a:r>
-              <a:rPr lang="en-US" dirty="0" smtClean="0"/>
-              <a:t>AWARE can </a:t>
-            </a:r>
-            <a:br>
-              <a:rPr lang="en-US" dirty="0" smtClean="0"/>
-            </a:br>
-            <a:r>
-              <a:rPr lang="en-US" dirty="0" smtClean="0"/>
-              <a:t>communicate </a:t>
-            </a:r>
-            <a:br>
-              <a:rPr lang="en-US" dirty="0" smtClean="0"/>
-            </a:br>
-            <a:r>
-              <a:rPr lang="en-US" dirty="0" smtClean="0"/>
-              <a:t>with your phone</a:t>
-            </a:r>
-            <a:endParaRPr lang="en-US" dirty="0"/>
-          </a:p>
-        </p:txBody>
-      </p:sp>
-      <p:pic>
-        <p:nvPicPr>
-          <p:cNvPr id="12" name="Picture 11" descr="aware-logo.png"/>
-          <p:cNvPicPr>
-            <a:picLocks noChangeAspect="1"/>
-          </p:cNvPicPr>
-          <p:nvPr/>
-        </p:nvPicPr>
-        <p:blipFill>
-          <a:blip r:embed="rId2">
-            <a:extLst>
-              <a:ext uri="{28A0092B-C50C-407E-A947-70E740481C1C}">
-                <a14:useLocalDpi xmlns:a14="http://schemas.microsoft.com/office/drawing/2010/main" val="0"/>
-              </a:ext>
-            </a:extLst>
-          </a:blip>
-          <a:stretch>
-            <a:fillRect/>
-          </a:stretch>
-        </p:blipFill>
-        <p:spPr>
-          <a:xfrm>
-            <a:off x="7308088" y="3383036"/>
-            <a:ext cx="1494141" cy="1494141"/>
-          </a:xfrm>
-          <a:prstGeom prst="rect">
-            <a:avLst/>
-          </a:prstGeom>
-        </p:spPr>
-      </p:pic>
-      <p:pic>
-        <p:nvPicPr>
-          <p:cNvPr id="7" name="Content Placeholder 6"/>
-          <p:cNvPicPr>
-            <a:picLocks noGrp="1" noChangeAspect="1"/>
-          </p:cNvPicPr>
-          <p:nvPr>
-            <p:ph idx="1"/>
-          </p:nvPr>
-        </p:nvPicPr>
-        <p:blipFill>
-          <a:blip r:embed="rId3"/>
-          <a:srcRect l="27872" r="27872"/>
-          <a:stretch>
-            <a:fillRect/>
-          </a:stretch>
-        </p:blipFill>
-        <p:spPr>
-          <a:xfrm>
-            <a:off x="-816740" y="1847153"/>
-            <a:ext cx="7048804" cy="4379976"/>
-          </a:xfrm>
-        </p:spPr>
-      </p:pic>
     </p:spTree>
     <p:extLst>
       <p:ext uri="{BB962C8B-B14F-4D97-AF65-F5344CB8AC3E}">
-        <p14:creationId xmlns:p14="http://schemas.microsoft.com/office/powerpoint/2010/main" val="1175360983"/>
+        <p14:creationId xmlns:p14="http://schemas.microsoft.com/office/powerpoint/2010/main" val="4093573450"/>
       </p:ext>
     </p:extLst>
   </p:cSld>
@@ -11013,15 +9476,42 @@
           <a:bodyPr/>
           <a:lstStyle/>
           <a:p>
-            <a:pPr marL="0" indent="0"/>
-            <a:r>
-              <a:rPr lang="en-US" dirty="0"/>
-              <a:t>Double </a:t>
-            </a:r>
-            <a:r>
-              <a:rPr lang="en-US" dirty="0" smtClean="0"/>
-              <a:t>Check Everything </a:t>
-            </a:r>
+            <a:r>
+              <a:rPr lang="en-US" dirty="0" smtClean="0"/>
+              <a:t>Debugging this assignment</a:t>
+            </a:r>
+            <a:endParaRPr lang="en-US" dirty="0"/>
+          </a:p>
+        </p:txBody>
+      </p:sp>
+      <p:sp>
+        <p:nvSpPr>
+          <p:cNvPr id="3" name="Content Placeholder 2"/>
+          <p:cNvSpPr>
+            <a:spLocks noGrp="1"/>
+          </p:cNvSpPr>
+          <p:nvPr>
+            <p:ph idx="1"/>
+          </p:nvPr>
+        </p:nvSpPr>
+        <p:spPr/>
+        <p:txBody>
+          <a:bodyPr/>
+          <a:lstStyle/>
+          <a:p>
+            <a:r>
+              <a:rPr lang="en-US" dirty="0" smtClean="0"/>
+              <a:t>Server side debugging is a bit of a pain</a:t>
+            </a:r>
+          </a:p>
+          <a:p>
+            <a:r>
+              <a:rPr lang="en-US" dirty="0" smtClean="0"/>
+              <a:t>Google helps though – provides access to logs</a:t>
+            </a:r>
+          </a:p>
+          <a:p>
+            <a:pPr lvl="1"/>
             <a:endParaRPr lang="en-US" dirty="0"/>
           </a:p>
         </p:txBody>
@@ -11043,7 +9533,7 @@
           <a:p>
             <a:fld id="{7053BEFA-1175-F644-B249-7D41D72BD3FF}" type="datetime1">
               <a:rPr lang="en-US" smtClean="0"/>
-              <a:t>1/29/16</a:t>
+              <a:t>2/8/16</a:t>
             </a:fld>
             <a:endParaRPr lang="en-US"/>
           </a:p>
@@ -11086,590 +9576,6 @@
             <a:fld id="{17E276FA-8F89-B34D-A726-BE3FA1F8DD97}" type="slidenum">
               <a:rPr lang="en-US" smtClean="0"/>
               <a:t>17</a:t>
-            </a:fld>
-            <a:endParaRPr lang="en-US" dirty="0"/>
-          </a:p>
-        </p:txBody>
-      </p:sp>
-      <p:sp>
-        <p:nvSpPr>
-          <p:cNvPr id="10" name="Cloud 9"/>
-          <p:cNvSpPr/>
-          <p:nvPr/>
-        </p:nvSpPr>
-        <p:spPr>
-          <a:xfrm>
-            <a:off x="465996" y="3386417"/>
-            <a:ext cx="1834533" cy="1428934"/>
-          </a:xfrm>
-          <a:prstGeom prst="cloud">
-            <a:avLst/>
-          </a:prstGeom>
-        </p:spPr>
-        <p:style>
-          <a:lnRef idx="2">
-            <a:schemeClr val="accent1">
-              <a:shade val="50000"/>
-            </a:schemeClr>
-          </a:lnRef>
-          <a:fillRef idx="1">
-            <a:schemeClr val="accent1"/>
-          </a:fillRef>
-          <a:effectRef idx="0">
-            <a:schemeClr val="accent1"/>
-          </a:effectRef>
-          <a:fontRef idx="minor">
-            <a:schemeClr val="lt1"/>
-          </a:fontRef>
-        </p:style>
-        <p:txBody>
-          <a:bodyPr rtlCol="0" anchor="ctr"/>
-          <a:lstStyle/>
-          <a:p>
-            <a:pPr algn="ctr"/>
-            <a:r>
-              <a:rPr lang="en-US" dirty="0" smtClean="0"/>
-              <a:t>Cloud Storage:</a:t>
-            </a:r>
-            <a:br>
-              <a:rPr lang="en-US" dirty="0" smtClean="0"/>
-            </a:br>
-            <a:r>
-              <a:rPr lang="en-US" dirty="0" smtClean="0"/>
-              <a:t>‘</a:t>
-            </a:r>
-            <a:r>
-              <a:rPr lang="en-US" dirty="0" err="1" smtClean="0"/>
-              <a:t>CloudIP</a:t>
-            </a:r>
-            <a:r>
-              <a:rPr lang="en-US" dirty="0" smtClean="0"/>
-              <a:t>’</a:t>
-            </a:r>
-            <a:endParaRPr lang="en-US" dirty="0"/>
-          </a:p>
-        </p:txBody>
-      </p:sp>
-      <p:sp>
-        <p:nvSpPr>
-          <p:cNvPr id="11" name="TextBox 10"/>
-          <p:cNvSpPr txBox="1"/>
-          <p:nvPr/>
-        </p:nvSpPr>
-        <p:spPr>
-          <a:xfrm>
-            <a:off x="485658" y="4841895"/>
-            <a:ext cx="2289659" cy="923330"/>
-          </a:xfrm>
-          <a:prstGeom prst="rect">
-            <a:avLst/>
-          </a:prstGeom>
-          <a:noFill/>
-        </p:spPr>
-        <p:txBody>
-          <a:bodyPr wrap="none" rtlCol="0">
-            <a:spAutoFit/>
-          </a:bodyPr>
-          <a:lstStyle/>
-          <a:p>
-            <a:r>
-              <a:rPr lang="en-US" dirty="0" smtClean="0"/>
-              <a:t>Step 13: Check that </a:t>
-            </a:r>
-            <a:br>
-              <a:rPr lang="en-US" dirty="0" smtClean="0"/>
-            </a:br>
-            <a:r>
-              <a:rPr lang="en-US" dirty="0" smtClean="0"/>
-              <a:t>AWARE is logging data</a:t>
-            </a:r>
-            <a:br>
-              <a:rPr lang="en-US" dirty="0" smtClean="0"/>
-            </a:br>
-            <a:r>
-              <a:rPr lang="en-US" dirty="0" smtClean="0"/>
-              <a:t>to the cloud</a:t>
-            </a:r>
-            <a:endParaRPr lang="en-US" dirty="0"/>
-          </a:p>
-        </p:txBody>
-      </p:sp>
-      <p:pic>
-        <p:nvPicPr>
-          <p:cNvPr id="12" name="Picture 11" descr="aware-logo.png"/>
-          <p:cNvPicPr>
-            <a:picLocks noChangeAspect="1"/>
-          </p:cNvPicPr>
-          <p:nvPr/>
-        </p:nvPicPr>
-        <p:blipFill>
-          <a:blip r:embed="rId2">
-            <a:extLst>
-              <a:ext uri="{28A0092B-C50C-407E-A947-70E740481C1C}">
-                <a14:useLocalDpi xmlns:a14="http://schemas.microsoft.com/office/drawing/2010/main" val="0"/>
-              </a:ext>
-            </a:extLst>
-          </a:blip>
-          <a:stretch>
-            <a:fillRect/>
-          </a:stretch>
-        </p:blipFill>
-        <p:spPr>
-          <a:xfrm>
-            <a:off x="7308088" y="3383036"/>
-            <a:ext cx="1494141" cy="1494141"/>
-          </a:xfrm>
-          <a:prstGeom prst="rect">
-            <a:avLst/>
-          </a:prstGeom>
-        </p:spPr>
-      </p:pic>
-      <p:sp>
-        <p:nvSpPr>
-          <p:cNvPr id="3" name="Content Placeholder 2"/>
-          <p:cNvSpPr>
-            <a:spLocks noGrp="1"/>
-          </p:cNvSpPr>
-          <p:nvPr>
-            <p:ph idx="1"/>
-          </p:nvPr>
-        </p:nvSpPr>
-        <p:spPr/>
-        <p:txBody>
-          <a:bodyPr/>
-          <a:lstStyle/>
-          <a:p>
-            <a:pPr marL="0" indent="0">
-              <a:buNone/>
-            </a:pPr>
-            <a:endParaRPr lang="en-US" dirty="0"/>
-          </a:p>
-        </p:txBody>
-      </p:sp>
-    </p:spTree>
-    <p:extLst>
-      <p:ext uri="{BB962C8B-B14F-4D97-AF65-F5344CB8AC3E}">
-        <p14:creationId xmlns:p14="http://schemas.microsoft.com/office/powerpoint/2010/main" val="3080033146"/>
-      </p:ext>
-    </p:extLst>
-  </p:cSld>
-  <p:clrMapOvr>
-    <a:masterClrMapping/>
-  </p:clrMapOvr>
-  <p:timing>
-    <p:tnLst>
-      <p:par>
-        <p:cTn xmlns:p14="http://schemas.microsoft.com/office/powerpoint/2010/main" id="1" dur="indefinite" restart="never" nodeType="tmRoot"/>
-      </p:par>
-    </p:tnLst>
-  </p:timing>
-</p:sld>
-</file>
-
-<file path=ppt/slides/slide18.xml><?xml version="1.0" encoding="utf-8"?>
-<p:sld xmlns:a="http://schemas.openxmlformats.org/drawingml/2006/main" xmlns:r="http://schemas.openxmlformats.org/officeDocument/2006/relationships" xmlns:p="http://schemas.openxmlformats.org/presentationml/2006/main">
-  <p:cSld>
-    <p:spTree>
-      <p:nvGrpSpPr>
-        <p:cNvPr id="1" name=""/>
-        <p:cNvGrpSpPr/>
-        <p:nvPr/>
-      </p:nvGrpSpPr>
-      <p:grpSpPr>
-        <a:xfrm>
-          <a:off x="0" y="0"/>
-          <a:ext cx="0" cy="0"/>
-          <a:chOff x="0" y="0"/>
-          <a:chExt cx="0" cy="0"/>
-        </a:xfrm>
-      </p:grpSpPr>
-      <p:sp>
-        <p:nvSpPr>
-          <p:cNvPr id="2" name="Title 1"/>
-          <p:cNvSpPr>
-            <a:spLocks noGrp="1"/>
-          </p:cNvSpPr>
-          <p:nvPr>
-            <p:ph type="title"/>
-          </p:nvPr>
-        </p:nvSpPr>
-        <p:spPr/>
-        <p:txBody>
-          <a:bodyPr/>
-          <a:lstStyle/>
-          <a:p>
-            <a:r>
-              <a:rPr lang="en-US" dirty="0" smtClean="0"/>
-              <a:t>Accessing MySQL</a:t>
-            </a:r>
-            <a:endParaRPr lang="en-US" dirty="0"/>
-          </a:p>
-        </p:txBody>
-      </p:sp>
-      <p:sp>
-        <p:nvSpPr>
-          <p:cNvPr id="3" name="Content Placeholder 2"/>
-          <p:cNvSpPr>
-            <a:spLocks noGrp="1"/>
-          </p:cNvSpPr>
-          <p:nvPr>
-            <p:ph idx="1"/>
-          </p:nvPr>
-        </p:nvSpPr>
-        <p:spPr/>
-        <p:txBody>
-          <a:bodyPr/>
-          <a:lstStyle/>
-          <a:p>
-            <a:pPr marL="0" indent="0">
-              <a:buNone/>
-            </a:pPr>
-            <a:r>
-              <a:rPr lang="en-US" dirty="0" err="1" smtClean="0"/>
-              <a:t>db</a:t>
-            </a:r>
-            <a:r>
-              <a:rPr lang="en-US" dirty="0" smtClean="0"/>
-              <a:t> </a:t>
-            </a:r>
-            <a:r>
-              <a:rPr lang="en-US" dirty="0"/>
-              <a:t>= </a:t>
-            </a:r>
-            <a:r>
-              <a:rPr lang="en-US" dirty="0" err="1"/>
-              <a:t>MySQLdb.connect</a:t>
-            </a:r>
-            <a:r>
-              <a:rPr lang="en-US" dirty="0"/>
-              <a:t>(</a:t>
-            </a:r>
-            <a:r>
-              <a:rPr lang="en-US" dirty="0" err="1"/>
-              <a:t>unix_socket</a:t>
-            </a:r>
-            <a:r>
-              <a:rPr lang="en-US" dirty="0"/>
-              <a:t>='/</a:t>
-            </a:r>
-            <a:r>
-              <a:rPr lang="en-US" dirty="0" err="1"/>
-              <a:t>cloudsql</a:t>
-            </a:r>
-            <a:r>
-              <a:rPr lang="en-US" dirty="0"/>
-              <a:t>/' + _INSTANCE_NAME, </a:t>
-            </a:r>
-            <a:r>
-              <a:rPr lang="en-US" dirty="0" err="1"/>
-              <a:t>db</a:t>
-            </a:r>
-            <a:r>
-              <a:rPr lang="en-US" dirty="0"/>
-              <a:t>=_DB, user='root')</a:t>
-            </a:r>
-          </a:p>
-          <a:p>
-            <a:pPr marL="0" indent="0">
-              <a:buNone/>
-            </a:pPr>
-            <a:r>
-              <a:rPr lang="en-US" dirty="0" smtClean="0"/>
-              <a:t>cursor </a:t>
-            </a:r>
-            <a:r>
-              <a:rPr lang="en-US" dirty="0"/>
-              <a:t>= </a:t>
-            </a:r>
-            <a:r>
-              <a:rPr lang="en-US" dirty="0" err="1"/>
-              <a:t>db.cursor</a:t>
-            </a:r>
-            <a:r>
-              <a:rPr lang="en-US" dirty="0"/>
-              <a:t>(</a:t>
-            </a:r>
-            <a:r>
-              <a:rPr lang="en-US" dirty="0" smtClean="0"/>
-              <a:t>)</a:t>
-            </a:r>
-            <a:endParaRPr lang="en-US" dirty="0"/>
-          </a:p>
-          <a:p>
-            <a:r>
-              <a:rPr lang="en-US" dirty="0" smtClean="0"/>
-              <a:t>Helper function – prints result to log</a:t>
-            </a:r>
-          </a:p>
-          <a:p>
-            <a:pPr marL="0" indent="0">
-              <a:buNone/>
-            </a:pPr>
-            <a:r>
-              <a:rPr lang="en-US" dirty="0" err="1" smtClean="0"/>
-              <a:t>self.make_and_print_query</a:t>
-            </a:r>
-            <a:r>
-              <a:rPr lang="en-US" dirty="0"/>
-              <a:t>(cursor, 'SHOW TABLES', 'Show the names of all tables'</a:t>
-            </a:r>
-            <a:r>
-              <a:rPr lang="en-US" dirty="0" smtClean="0"/>
-              <a:t>)</a:t>
-            </a:r>
-          </a:p>
-          <a:p>
-            <a:r>
-              <a:rPr lang="en-US" dirty="0" smtClean="0"/>
-              <a:t>Helper function – returns result as list</a:t>
-            </a:r>
-          </a:p>
-          <a:p>
-            <a:pPr marL="0" indent="0">
-              <a:buNone/>
-            </a:pPr>
-            <a:r>
-              <a:rPr lang="en-US" dirty="0"/>
-              <a:t> rows = </a:t>
-            </a:r>
-            <a:r>
-              <a:rPr lang="en-US" dirty="0" err="1"/>
-              <a:t>self.make_query</a:t>
-            </a:r>
-            <a:r>
-              <a:rPr lang="en-US" dirty="0"/>
-              <a:t>(cursor, query</a:t>
-            </a:r>
-            <a:r>
-              <a:rPr lang="en-US" dirty="0" smtClean="0"/>
-              <a:t>)</a:t>
-            </a:r>
-          </a:p>
-          <a:p>
-            <a:pPr marL="0" indent="0">
-              <a:buNone/>
-            </a:pPr>
-            <a:endParaRPr lang="en-US" dirty="0"/>
-          </a:p>
-        </p:txBody>
-      </p:sp>
-      <p:sp>
-        <p:nvSpPr>
-          <p:cNvPr id="4" name="Date Placeholder 3"/>
-          <p:cNvSpPr>
-            <a:spLocks noGrp="1"/>
-          </p:cNvSpPr>
-          <p:nvPr>
-            <p:ph type="dt" sz="half" idx="10"/>
-          </p:nvPr>
-        </p:nvSpPr>
-        <p:spPr/>
-        <p:txBody>
-          <a:bodyPr/>
-          <a:lstStyle/>
-          <a:p>
-            <a:fld id="{7053BEFA-1175-F644-B249-7D41D72BD3FF}" type="datetime1">
-              <a:rPr lang="en-US" smtClean="0"/>
-              <a:t>1/29/16</a:t>
-            </a:fld>
-            <a:endParaRPr lang="en-US"/>
-          </a:p>
-        </p:txBody>
-      </p:sp>
-      <p:sp>
-        <p:nvSpPr>
-          <p:cNvPr id="5" name="Footer Placeholder 4"/>
-          <p:cNvSpPr>
-            <a:spLocks noGrp="1"/>
-          </p:cNvSpPr>
-          <p:nvPr>
-            <p:ph type="ftr" sz="quarter" idx="11"/>
-          </p:nvPr>
-        </p:nvSpPr>
-        <p:spPr/>
-        <p:txBody>
-          <a:bodyPr/>
-          <a:lstStyle/>
-          <a:p>
-            <a:endParaRPr lang="en-US" dirty="0"/>
-          </a:p>
-        </p:txBody>
-      </p:sp>
-      <p:sp>
-        <p:nvSpPr>
-          <p:cNvPr id="6" name="Slide Number Placeholder 5"/>
-          <p:cNvSpPr>
-            <a:spLocks noGrp="1"/>
-          </p:cNvSpPr>
-          <p:nvPr>
-            <p:ph type="sldNum" sz="quarter" idx="12"/>
-          </p:nvPr>
-        </p:nvSpPr>
-        <p:spPr/>
-        <p:txBody>
-          <a:bodyPr/>
-          <a:lstStyle/>
-          <a:p>
-            <a:fld id="{17E276FA-8F89-B34D-A726-BE3FA1F8DD97}" type="slidenum">
-              <a:rPr lang="en-US" smtClean="0"/>
-              <a:t>18</a:t>
-            </a:fld>
-            <a:endParaRPr lang="en-US" dirty="0"/>
-          </a:p>
-        </p:txBody>
-      </p:sp>
-    </p:spTree>
-    <p:extLst>
-      <p:ext uri="{BB962C8B-B14F-4D97-AF65-F5344CB8AC3E}">
-        <p14:creationId xmlns:p14="http://schemas.microsoft.com/office/powerpoint/2010/main" val="4093573450"/>
-      </p:ext>
-    </p:extLst>
-  </p:cSld>
-  <p:clrMapOvr>
-    <a:masterClrMapping/>
-  </p:clrMapOvr>
-  <p:timing>
-    <p:tnLst>
-      <p:par>
-        <p:cTn xmlns:p14="http://schemas.microsoft.com/office/powerpoint/2010/main" id="1" dur="indefinite" restart="never" nodeType="tmRoot"/>
-      </p:par>
-    </p:tnLst>
-  </p:timing>
-</p:sld>
-</file>
-
-<file path=ppt/slides/slide19.xml><?xml version="1.0" encoding="utf-8"?>
-<p:sld xmlns:a="http://schemas.openxmlformats.org/drawingml/2006/main" xmlns:r="http://schemas.openxmlformats.org/officeDocument/2006/relationships" xmlns:p="http://schemas.openxmlformats.org/presentationml/2006/main">
-  <p:cSld>
-    <p:spTree>
-      <p:nvGrpSpPr>
-        <p:cNvPr id="1" name=""/>
-        <p:cNvGrpSpPr/>
-        <p:nvPr/>
-      </p:nvGrpSpPr>
-      <p:grpSpPr>
-        <a:xfrm>
-          <a:off x="0" y="0"/>
-          <a:ext cx="0" cy="0"/>
-          <a:chOff x="0" y="0"/>
-          <a:chExt cx="0" cy="0"/>
-        </a:xfrm>
-      </p:grpSpPr>
-      <p:sp>
-        <p:nvSpPr>
-          <p:cNvPr id="2" name="Title 1"/>
-          <p:cNvSpPr>
-            <a:spLocks noGrp="1"/>
-          </p:cNvSpPr>
-          <p:nvPr>
-            <p:ph type="title"/>
-          </p:nvPr>
-        </p:nvSpPr>
-        <p:spPr/>
-        <p:txBody>
-          <a:bodyPr/>
-          <a:lstStyle/>
-          <a:p>
-            <a:r>
-              <a:rPr lang="en-US" dirty="0" smtClean="0"/>
-              <a:t>Debugging this assignment</a:t>
-            </a:r>
-            <a:endParaRPr lang="en-US" dirty="0"/>
-          </a:p>
-        </p:txBody>
-      </p:sp>
-      <p:sp>
-        <p:nvSpPr>
-          <p:cNvPr id="3" name="Content Placeholder 2"/>
-          <p:cNvSpPr>
-            <a:spLocks noGrp="1"/>
-          </p:cNvSpPr>
-          <p:nvPr>
-            <p:ph idx="1"/>
-          </p:nvPr>
-        </p:nvSpPr>
-        <p:spPr/>
-        <p:txBody>
-          <a:bodyPr/>
-          <a:lstStyle/>
-          <a:p>
-            <a:r>
-              <a:rPr lang="en-US" dirty="0" smtClean="0"/>
-              <a:t>Server side debugging is a bit of a pain</a:t>
-            </a:r>
-          </a:p>
-          <a:p>
-            <a:r>
-              <a:rPr lang="en-US" dirty="0" smtClean="0"/>
-              <a:t>Google helps though – provides access to logs</a:t>
-            </a:r>
-          </a:p>
-          <a:p>
-            <a:pPr lvl="1"/>
-            <a:endParaRPr lang="en-US" dirty="0"/>
-          </a:p>
-        </p:txBody>
-      </p:sp>
-      <p:sp>
-        <p:nvSpPr>
-          <p:cNvPr id="4" name="Date Placeholder 3"/>
-          <p:cNvSpPr>
-            <a:spLocks noGrp="1"/>
-          </p:cNvSpPr>
-          <p:nvPr>
-            <p:ph type="dt" sz="half" idx="10"/>
-          </p:nvPr>
-        </p:nvSpPr>
-        <p:spPr/>
-        <p:txBody>
-          <a:bodyPr/>
-          <a:lstStyle/>
-          <a:p>
-            <a:fld id="{7053BEFA-1175-F644-B249-7D41D72BD3FF}" type="datetime1">
-              <a:rPr lang="en-US" smtClean="0"/>
-              <a:t>1/29/16</a:t>
-            </a:fld>
-            <a:endParaRPr lang="en-US"/>
-          </a:p>
-        </p:txBody>
-      </p:sp>
-      <p:sp>
-        <p:nvSpPr>
-          <p:cNvPr id="5" name="Footer Placeholder 4"/>
-          <p:cNvSpPr>
-            <a:spLocks noGrp="1"/>
-          </p:cNvSpPr>
-          <p:nvPr>
-            <p:ph type="ftr" sz="quarter" idx="11"/>
-          </p:nvPr>
-        </p:nvSpPr>
-        <p:spPr/>
-        <p:txBody>
-          <a:bodyPr/>
-          <a:lstStyle/>
-          <a:p>
-            <a:endParaRPr lang="en-US" dirty="0"/>
-          </a:p>
-        </p:txBody>
-      </p:sp>
-      <p:sp>
-        <p:nvSpPr>
-          <p:cNvPr id="6" name="Slide Number Placeholder 5"/>
-          <p:cNvSpPr>
-            <a:spLocks noGrp="1"/>
-          </p:cNvSpPr>
-          <p:nvPr>
-            <p:ph type="sldNum" sz="quarter" idx="12"/>
-          </p:nvPr>
-        </p:nvSpPr>
-        <p:spPr/>
-        <p:txBody>
-          <a:bodyPr/>
-          <a:lstStyle/>
-          <a:p>
-            <a:fld id="{17E276FA-8F89-B34D-A726-BE3FA1F8DD97}" type="slidenum">
-              <a:rPr lang="en-US" smtClean="0"/>
-              <a:t>19</a:t>
             </a:fld>
             <a:endParaRPr lang="en-US" dirty="0"/>
           </a:p>
@@ -11719,6 +9625,330 @@
 </p:sld>
 </file>
 
+<file path=ppt/slides/slide18.xml><?xml version="1.0" encoding="utf-8"?>
+<p:sld xmlns:a="http://schemas.openxmlformats.org/drawingml/2006/main" xmlns:r="http://schemas.openxmlformats.org/officeDocument/2006/relationships" xmlns:p="http://schemas.openxmlformats.org/presentationml/2006/main">
+  <p:cSld>
+    <p:spTree>
+      <p:nvGrpSpPr>
+        <p:cNvPr id="1" name=""/>
+        <p:cNvGrpSpPr/>
+        <p:nvPr/>
+      </p:nvGrpSpPr>
+      <p:grpSpPr>
+        <a:xfrm>
+          <a:off x="0" y="0"/>
+          <a:ext cx="0" cy="0"/>
+          <a:chOff x="0" y="0"/>
+          <a:chExt cx="0" cy="0"/>
+        </a:xfrm>
+      </p:grpSpPr>
+      <p:sp>
+        <p:nvSpPr>
+          <p:cNvPr id="2" name="Title 1"/>
+          <p:cNvSpPr>
+            <a:spLocks noGrp="1"/>
+          </p:cNvSpPr>
+          <p:nvPr>
+            <p:ph type="title"/>
+          </p:nvPr>
+        </p:nvSpPr>
+        <p:spPr/>
+        <p:txBody>
+          <a:bodyPr/>
+          <a:lstStyle/>
+          <a:p>
+            <a:r>
+              <a:rPr lang="en-US" dirty="0" smtClean="0"/>
+              <a:t>More Debugging</a:t>
+            </a:r>
+            <a:endParaRPr lang="en-US" dirty="0"/>
+          </a:p>
+        </p:txBody>
+      </p:sp>
+      <p:sp>
+        <p:nvSpPr>
+          <p:cNvPr id="3" name="Content Placeholder 2"/>
+          <p:cNvSpPr>
+            <a:spLocks noGrp="1"/>
+          </p:cNvSpPr>
+          <p:nvPr>
+            <p:ph idx="1"/>
+          </p:nvPr>
+        </p:nvSpPr>
+        <p:spPr/>
+        <p:txBody>
+          <a:bodyPr/>
+          <a:lstStyle/>
+          <a:p>
+            <a:r>
+              <a:rPr lang="en-US" dirty="0" smtClean="0"/>
+              <a:t>My helper function prints recent SQL commands to log and catches SQL query errors</a:t>
+            </a:r>
+          </a:p>
+          <a:p>
+            <a:r>
+              <a:rPr lang="en-US" dirty="0" smtClean="0"/>
+              <a:t>You may also see errors show up in the [</a:t>
+            </a:r>
+            <a:r>
+              <a:rPr lang="en-US" dirty="0" err="1" smtClean="0"/>
+              <a:t>projectname</a:t>
+            </a:r>
+            <a:r>
+              <a:rPr lang="en-US" dirty="0" smtClean="0"/>
+              <a:t>]-byte4 browser window</a:t>
+            </a:r>
+            <a:endParaRPr lang="en-US" dirty="0"/>
+          </a:p>
+        </p:txBody>
+      </p:sp>
+      <p:sp>
+        <p:nvSpPr>
+          <p:cNvPr id="4" name="Date Placeholder 3"/>
+          <p:cNvSpPr>
+            <a:spLocks noGrp="1"/>
+          </p:cNvSpPr>
+          <p:nvPr>
+            <p:ph type="dt" sz="half" idx="10"/>
+          </p:nvPr>
+        </p:nvSpPr>
+        <p:spPr/>
+        <p:txBody>
+          <a:bodyPr/>
+          <a:lstStyle/>
+          <a:p>
+            <a:fld id="{7053BEFA-1175-F644-B249-7D41D72BD3FF}" type="datetime1">
+              <a:rPr lang="en-US" smtClean="0"/>
+              <a:t>2/8/16</a:t>
+            </a:fld>
+            <a:endParaRPr lang="en-US"/>
+          </a:p>
+        </p:txBody>
+      </p:sp>
+      <p:sp>
+        <p:nvSpPr>
+          <p:cNvPr id="5" name="Footer Placeholder 4"/>
+          <p:cNvSpPr>
+            <a:spLocks noGrp="1"/>
+          </p:cNvSpPr>
+          <p:nvPr>
+            <p:ph type="ftr" sz="quarter" idx="11"/>
+          </p:nvPr>
+        </p:nvSpPr>
+        <p:spPr/>
+        <p:txBody>
+          <a:bodyPr/>
+          <a:lstStyle/>
+          <a:p>
+            <a:endParaRPr lang="en-US" dirty="0"/>
+          </a:p>
+        </p:txBody>
+      </p:sp>
+      <p:sp>
+        <p:nvSpPr>
+          <p:cNvPr id="6" name="Slide Number Placeholder 5"/>
+          <p:cNvSpPr>
+            <a:spLocks noGrp="1"/>
+          </p:cNvSpPr>
+          <p:nvPr>
+            <p:ph type="sldNum" sz="quarter" idx="12"/>
+          </p:nvPr>
+        </p:nvSpPr>
+        <p:spPr/>
+        <p:txBody>
+          <a:bodyPr/>
+          <a:lstStyle/>
+          <a:p>
+            <a:fld id="{17E276FA-8F89-B34D-A726-BE3FA1F8DD97}" type="slidenum">
+              <a:rPr lang="en-US" smtClean="0"/>
+              <a:t>18</a:t>
+            </a:fld>
+            <a:endParaRPr lang="en-US" dirty="0"/>
+          </a:p>
+        </p:txBody>
+      </p:sp>
+    </p:spTree>
+    <p:extLst>
+      <p:ext uri="{BB962C8B-B14F-4D97-AF65-F5344CB8AC3E}">
+        <p14:creationId xmlns:p14="http://schemas.microsoft.com/office/powerpoint/2010/main" val="2250825258"/>
+      </p:ext>
+    </p:extLst>
+  </p:cSld>
+  <p:clrMapOvr>
+    <a:masterClrMapping/>
+  </p:clrMapOvr>
+  <p:timing>
+    <p:tnLst>
+      <p:par>
+        <p:cTn xmlns:p14="http://schemas.microsoft.com/office/powerpoint/2010/main" id="1" dur="indefinite" restart="never" nodeType="tmRoot"/>
+      </p:par>
+    </p:tnLst>
+  </p:timing>
+</p:sld>
+</file>
+
+<file path=ppt/slides/slide19.xml><?xml version="1.0" encoding="utf-8"?>
+<p:sld xmlns:a="http://schemas.openxmlformats.org/drawingml/2006/main" xmlns:r="http://schemas.openxmlformats.org/officeDocument/2006/relationships" xmlns:p="http://schemas.openxmlformats.org/presentationml/2006/main">
+  <p:cSld>
+    <p:spTree>
+      <p:nvGrpSpPr>
+        <p:cNvPr id="1" name=""/>
+        <p:cNvGrpSpPr/>
+        <p:nvPr/>
+      </p:nvGrpSpPr>
+      <p:grpSpPr>
+        <a:xfrm>
+          <a:off x="0" y="0"/>
+          <a:ext cx="0" cy="0"/>
+          <a:chOff x="0" y="0"/>
+          <a:chExt cx="0" cy="0"/>
+        </a:xfrm>
+      </p:grpSpPr>
+      <p:sp>
+        <p:nvSpPr>
+          <p:cNvPr id="2" name="Title 1"/>
+          <p:cNvSpPr>
+            <a:spLocks noGrp="1"/>
+          </p:cNvSpPr>
+          <p:nvPr>
+            <p:ph type="title"/>
+          </p:nvPr>
+        </p:nvSpPr>
+        <p:spPr/>
+        <p:txBody>
+          <a:bodyPr/>
+          <a:lstStyle/>
+          <a:p>
+            <a:r>
+              <a:rPr lang="en-US" dirty="0" smtClean="0"/>
+              <a:t>What do can need to do with mobile data?</a:t>
+            </a:r>
+            <a:endParaRPr lang="en-US" dirty="0"/>
+          </a:p>
+        </p:txBody>
+      </p:sp>
+      <p:sp>
+        <p:nvSpPr>
+          <p:cNvPr id="3" name="Content Placeholder 2"/>
+          <p:cNvSpPr>
+            <a:spLocks noGrp="1"/>
+          </p:cNvSpPr>
+          <p:nvPr>
+            <p:ph idx="1"/>
+          </p:nvPr>
+        </p:nvSpPr>
+        <p:spPr/>
+        <p:txBody>
+          <a:bodyPr/>
+          <a:lstStyle/>
+          <a:p>
+            <a:r>
+              <a:rPr lang="en-US" dirty="0" smtClean="0"/>
+              <a:t>Cleaning: can you tell when the phone is off? (not a focus of this byte)</a:t>
+            </a:r>
+          </a:p>
+          <a:p>
+            <a:r>
+              <a:rPr lang="en-US" dirty="0" smtClean="0"/>
+              <a:t>Organizing: identifying common locations (what the byte walks you through)</a:t>
+            </a:r>
+          </a:p>
+          <a:p>
+            <a:r>
+              <a:rPr lang="en-US" dirty="0" smtClean="0"/>
+              <a:t>Associating: connecting activities to other context (we explore location + activity, homework is to explore time + activity)</a:t>
+            </a:r>
+          </a:p>
+          <a:p>
+            <a:endParaRPr lang="en-US" dirty="0"/>
+          </a:p>
+        </p:txBody>
+      </p:sp>
+      <p:sp>
+        <p:nvSpPr>
+          <p:cNvPr id="4" name="Date Placeholder 3"/>
+          <p:cNvSpPr>
+            <a:spLocks noGrp="1"/>
+          </p:cNvSpPr>
+          <p:nvPr>
+            <p:ph type="dt" sz="half" idx="10"/>
+          </p:nvPr>
+        </p:nvSpPr>
+        <p:spPr/>
+        <p:txBody>
+          <a:bodyPr/>
+          <a:lstStyle/>
+          <a:p>
+            <a:fld id="{7053BEFA-1175-F644-B249-7D41D72BD3FF}" type="datetime1">
+              <a:rPr lang="en-US" smtClean="0"/>
+              <a:t>2/8/16</a:t>
+            </a:fld>
+            <a:endParaRPr lang="en-US"/>
+          </a:p>
+        </p:txBody>
+      </p:sp>
+      <p:sp>
+        <p:nvSpPr>
+          <p:cNvPr id="5" name="Footer Placeholder 4"/>
+          <p:cNvSpPr>
+            <a:spLocks noGrp="1"/>
+          </p:cNvSpPr>
+          <p:nvPr>
+            <p:ph type="ftr" sz="quarter" idx="11"/>
+          </p:nvPr>
+        </p:nvSpPr>
+        <p:spPr/>
+        <p:txBody>
+          <a:bodyPr/>
+          <a:lstStyle/>
+          <a:p>
+            <a:endParaRPr lang="en-US" dirty="0"/>
+          </a:p>
+        </p:txBody>
+      </p:sp>
+      <p:sp>
+        <p:nvSpPr>
+          <p:cNvPr id="6" name="Slide Number Placeholder 5"/>
+          <p:cNvSpPr>
+            <a:spLocks noGrp="1"/>
+          </p:cNvSpPr>
+          <p:nvPr>
+            <p:ph type="sldNum" sz="quarter" idx="12"/>
+          </p:nvPr>
+        </p:nvSpPr>
+        <p:spPr/>
+        <p:txBody>
+          <a:bodyPr/>
+          <a:lstStyle/>
+          <a:p>
+            <a:fld id="{17E276FA-8F89-B34D-A726-BE3FA1F8DD97}" type="slidenum">
+              <a:rPr lang="en-US" smtClean="0"/>
+              <a:t>19</a:t>
+            </a:fld>
+            <a:endParaRPr lang="en-US" dirty="0"/>
+          </a:p>
+        </p:txBody>
+      </p:sp>
+    </p:spTree>
+    <p:extLst>
+      <p:ext uri="{BB962C8B-B14F-4D97-AF65-F5344CB8AC3E}">
+        <p14:creationId xmlns:p14="http://schemas.microsoft.com/office/powerpoint/2010/main" val="4058846990"/>
+      </p:ext>
+    </p:extLst>
+  </p:cSld>
+  <p:clrMapOvr>
+    <a:masterClrMapping/>
+  </p:clrMapOvr>
+  <p:timing>
+    <p:tnLst>
+      <p:par>
+        <p:cTn xmlns:p14="http://schemas.microsoft.com/office/powerpoint/2010/main" id="1" dur="indefinite" restart="never" nodeType="tmRoot"/>
+      </p:par>
+    </p:tnLst>
+  </p:timing>
+</p:sld>
+</file>
+
 <file path=ppt/slides/slide2.xml><?xml version="1.0" encoding="utf-8"?>
 <p:sld xmlns:a="http://schemas.openxmlformats.org/drawingml/2006/main" xmlns:r="http://schemas.openxmlformats.org/officeDocument/2006/relationships" xmlns:p="http://schemas.openxmlformats.org/presentationml/2006/main">
   <p:cSld>
@@ -11753,7 +9983,7 @@
           <a:p>
             <a:r>
               <a:rPr lang="en-US" dirty="0" smtClean="0"/>
-              <a:t>Byte 4	</a:t>
+              <a:t>Byte 3	</a:t>
             </a:r>
             <a:endParaRPr lang="en-US" dirty="0"/>
           </a:p>
@@ -11815,14 +10045,6 @@
             </a:r>
             <a:endParaRPr lang="en-US" dirty="0" smtClean="0"/>
           </a:p>
-          <a:p>
-            <a:pPr lvl="1"/>
-            <a:r>
-              <a:rPr lang="en-US" dirty="0" smtClean="0"/>
-              <a:t>Learn about how to use AWARE</a:t>
-            </a:r>
-            <a:endParaRPr lang="en-US" dirty="0"/>
-          </a:p>
         </p:txBody>
       </p:sp>
       <p:sp>
@@ -11842,7 +10064,7 @@
           <a:p>
             <a:fld id="{7053BEFA-1175-F644-B249-7D41D72BD3FF}" type="datetime1">
               <a:rPr lang="en-US" smtClean="0"/>
-              <a:t>1/29/16</a:t>
+              <a:t>2/8/16</a:t>
             </a:fld>
             <a:endParaRPr lang="en-US"/>
           </a:p>
@@ -11944,7 +10166,7 @@
           <a:p>
             <a:r>
               <a:rPr lang="en-US" dirty="0" smtClean="0"/>
-              <a:t>More Debugging</a:t>
+              <a:t>Basic Hand In Expectations</a:t>
             </a:r>
             <a:endParaRPr lang="en-US" dirty="0"/>
           </a:p>
@@ -11967,21 +10189,28 @@
           <a:p>
             <a:r>
               <a:rPr lang="en-US" dirty="0" smtClean="0"/>
-              <a:t>My helper function prints recent SQL commands to log and catches SQL query errors</a:t>
-            </a:r>
-          </a:p>
-          <a:p>
-            <a:r>
-              <a:rPr lang="en-US" dirty="0" smtClean="0"/>
-              <a:t>You may also see errors show up in the [</a:t>
-            </a:r>
-            <a:r>
-              <a:rPr lang="en-US" dirty="0" err="1" smtClean="0"/>
-              <a:t>yourname</a:t>
-            </a:r>
-            <a:r>
-              <a:rPr lang="en-US" dirty="0" smtClean="0"/>
-              <a:t>]-byte4 browser window</a:t>
+              <a:t>Improve the location binning by picking a better epsilon</a:t>
+            </a:r>
+          </a:p>
+          <a:p>
+            <a:r>
+              <a:rPr lang="en-US" dirty="0" smtClean="0"/>
+              <a:t>Explore relationship </a:t>
+            </a:r>
+            <a:r>
+              <a:rPr lang="en-US" dirty="0"/>
+              <a:t>between time and </a:t>
+            </a:r>
+            <a:r>
+              <a:rPr lang="en-US" dirty="0" smtClean="0"/>
+              <a:t>activity (your main job on this assignment)</a:t>
+            </a:r>
+            <a:endParaRPr lang="en-US" dirty="0"/>
+          </a:p>
+          <a:p>
+            <a:r>
+              <a:rPr lang="en-US" dirty="0" smtClean="0"/>
+              <a:t>Display the results (more nicely than I do!)</a:t>
             </a:r>
             <a:endParaRPr lang="en-US" dirty="0"/>
           </a:p>
@@ -12004,7 +10233,7 @@
           <a:p>
             <a:fld id="{7053BEFA-1175-F644-B249-7D41D72BD3FF}" type="datetime1">
               <a:rPr lang="en-US" smtClean="0"/>
-              <a:t>1/29/16</a:t>
+              <a:t>2/8/16</a:t>
             </a:fld>
             <a:endParaRPr lang="en-US"/>
           </a:p>
@@ -12055,7 +10284,7 @@
     </p:spTree>
     <p:extLst>
       <p:ext uri="{BB962C8B-B14F-4D97-AF65-F5344CB8AC3E}">
-        <p14:creationId xmlns:p14="http://schemas.microsoft.com/office/powerpoint/2010/main" val="2250825258"/>
+        <p14:creationId xmlns:p14="http://schemas.microsoft.com/office/powerpoint/2010/main" val="1848637858"/>
       </p:ext>
     </p:extLst>
   </p:cSld>
@@ -12106,7 +10335,7 @@
           <a:p>
             <a:r>
               <a:rPr lang="en-US" dirty="0" smtClean="0"/>
-              <a:t>What do can need to do with mobile data?</a:t>
+              <a:t>Advanced Hand In Expectations</a:t>
             </a:r>
             <a:endParaRPr lang="en-US" dirty="0"/>
           </a:p>
@@ -12129,22 +10358,18 @@
           <a:p>
             <a:r>
               <a:rPr lang="en-US" dirty="0" smtClean="0"/>
-              <a:t>Cleaning: can you tell when the phone is off? (not a focus of this byte)</a:t>
-            </a:r>
-          </a:p>
-          <a:p>
-            <a:r>
-              <a:rPr lang="en-US" dirty="0" smtClean="0"/>
-              <a:t>Organizing: identifying common locations (what the byte walks you through)</a:t>
-            </a:r>
-          </a:p>
-          <a:p>
-            <a:r>
-              <a:rPr lang="en-US" dirty="0" smtClean="0"/>
-              <a:t>Associating: connecting activities to other context (we explore location + activity, homework is to explore time + activity)</a:t>
-            </a:r>
-          </a:p>
-          <a:p>
+              <a:t>You could design a study that looks at something besides activity</a:t>
+            </a:r>
+          </a:p>
+          <a:p>
+            <a:r>
+              <a:rPr lang="en-US" dirty="0" smtClean="0"/>
+              <a:t>Talk to me about goals &amp; outcomes that </a:t>
+            </a:r>
+            <a:r>
+              <a:rPr lang="en-US" smtClean="0"/>
+              <a:t>make sense</a:t>
+            </a:r>
             <a:endParaRPr lang="en-US" dirty="0"/>
           </a:p>
         </p:txBody>
@@ -12166,7 +10391,7 @@
           <a:p>
             <a:fld id="{7053BEFA-1175-F644-B249-7D41D72BD3FF}" type="datetime1">
               <a:rPr lang="en-US" smtClean="0"/>
-              <a:t>1/29/16</a:t>
+              <a:t>2/8/16</a:t>
             </a:fld>
             <a:endParaRPr lang="en-US"/>
           </a:p>
@@ -12209,333 +10434,6 @@
             <a:fld id="{17E276FA-8F89-B34D-A726-BE3FA1F8DD97}" type="slidenum">
               <a:rPr lang="en-US" smtClean="0"/>
               <a:t>21</a:t>
-            </a:fld>
-            <a:endParaRPr lang="en-US" dirty="0"/>
-          </a:p>
-        </p:txBody>
-      </p:sp>
-    </p:spTree>
-    <p:extLst>
-      <p:ext uri="{BB962C8B-B14F-4D97-AF65-F5344CB8AC3E}">
-        <p14:creationId xmlns:p14="http://schemas.microsoft.com/office/powerpoint/2010/main" val="4058846990"/>
-      </p:ext>
-    </p:extLst>
-  </p:cSld>
-  <p:clrMapOvr>
-    <a:masterClrMapping/>
-  </p:clrMapOvr>
-  <p:timing>
-    <p:tnLst>
-      <p:par>
-        <p:cTn xmlns:p14="http://schemas.microsoft.com/office/powerpoint/2010/main" id="1" dur="indefinite" restart="never" nodeType="tmRoot"/>
-      </p:par>
-    </p:tnLst>
-  </p:timing>
-</p:sld>
-</file>
-
-<file path=ppt/slides/slide22.xml><?xml version="1.0" encoding="utf-8"?>
-<p:sld xmlns:a="http://schemas.openxmlformats.org/drawingml/2006/main" xmlns:r="http://schemas.openxmlformats.org/officeDocument/2006/relationships" xmlns:p="http://schemas.openxmlformats.org/presentationml/2006/main">
-  <p:cSld>
-    <p:spTree>
-      <p:nvGrpSpPr>
-        <p:cNvPr id="1" name=""/>
-        <p:cNvGrpSpPr/>
-        <p:nvPr/>
-      </p:nvGrpSpPr>
-      <p:grpSpPr>
-        <a:xfrm>
-          <a:off x="0" y="0"/>
-          <a:ext cx="0" cy="0"/>
-          <a:chOff x="0" y="0"/>
-          <a:chExt cx="0" cy="0"/>
-        </a:xfrm>
-      </p:grpSpPr>
-      <p:sp>
-        <p:nvSpPr>
-          <p:cNvPr id="2" name="Title 1"/>
-          <p:cNvSpPr>
-            <a:spLocks noGrp="1"/>
-          </p:cNvSpPr>
-          <p:nvPr>
-            <p:ph type="title"/>
-          </p:nvPr>
-        </p:nvSpPr>
-        <p:spPr/>
-        <p:txBody>
-          <a:bodyPr/>
-          <a:lstStyle/>
-          <a:p>
-            <a:r>
-              <a:rPr lang="en-US" dirty="0" smtClean="0"/>
-              <a:t>Basic Hand In Expectations</a:t>
-            </a:r>
-            <a:endParaRPr lang="en-US" dirty="0"/>
-          </a:p>
-        </p:txBody>
-      </p:sp>
-      <p:sp>
-        <p:nvSpPr>
-          <p:cNvPr id="3" name="Content Placeholder 2"/>
-          <p:cNvSpPr>
-            <a:spLocks noGrp="1"/>
-          </p:cNvSpPr>
-          <p:nvPr>
-            <p:ph idx="1"/>
-          </p:nvPr>
-        </p:nvSpPr>
-        <p:spPr/>
-        <p:txBody>
-          <a:bodyPr/>
-          <a:lstStyle/>
-          <a:p>
-            <a:r>
-              <a:rPr lang="en-US" dirty="0" smtClean="0"/>
-              <a:t>Improve the location binning by picking a better epsilon</a:t>
-            </a:r>
-          </a:p>
-          <a:p>
-            <a:r>
-              <a:rPr lang="en-US" dirty="0" smtClean="0"/>
-              <a:t>Explore about relationship </a:t>
-            </a:r>
-            <a:r>
-              <a:rPr lang="en-US" dirty="0"/>
-              <a:t>between time and </a:t>
-            </a:r>
-            <a:r>
-              <a:rPr lang="en-US" dirty="0" smtClean="0"/>
-              <a:t>activity (your main job on this assignment)</a:t>
-            </a:r>
-            <a:endParaRPr lang="en-US" dirty="0"/>
-          </a:p>
-          <a:p>
-            <a:r>
-              <a:rPr lang="en-US" dirty="0" smtClean="0"/>
-              <a:t>Display the results (more nicely than I do!)</a:t>
-            </a:r>
-            <a:endParaRPr lang="en-US" dirty="0"/>
-          </a:p>
-        </p:txBody>
-      </p:sp>
-      <p:sp>
-        <p:nvSpPr>
-          <p:cNvPr id="4" name="Date Placeholder 3"/>
-          <p:cNvSpPr>
-            <a:spLocks noGrp="1"/>
-          </p:cNvSpPr>
-          <p:nvPr>
-            <p:ph type="dt" sz="half" idx="10"/>
-          </p:nvPr>
-        </p:nvSpPr>
-        <p:spPr/>
-        <p:txBody>
-          <a:bodyPr/>
-          <a:lstStyle/>
-          <a:p>
-            <a:fld id="{7053BEFA-1175-F644-B249-7D41D72BD3FF}" type="datetime1">
-              <a:rPr lang="en-US" smtClean="0"/>
-              <a:t>1/29/16</a:t>
-            </a:fld>
-            <a:endParaRPr lang="en-US"/>
-          </a:p>
-        </p:txBody>
-      </p:sp>
-      <p:sp>
-        <p:nvSpPr>
-          <p:cNvPr id="5" name="Footer Placeholder 4"/>
-          <p:cNvSpPr>
-            <a:spLocks noGrp="1"/>
-          </p:cNvSpPr>
-          <p:nvPr>
-            <p:ph type="ftr" sz="quarter" idx="11"/>
-          </p:nvPr>
-        </p:nvSpPr>
-        <p:spPr/>
-        <p:txBody>
-          <a:bodyPr/>
-          <a:lstStyle/>
-          <a:p>
-            <a:endParaRPr lang="en-US" dirty="0"/>
-          </a:p>
-        </p:txBody>
-      </p:sp>
-      <p:sp>
-        <p:nvSpPr>
-          <p:cNvPr id="6" name="Slide Number Placeholder 5"/>
-          <p:cNvSpPr>
-            <a:spLocks noGrp="1"/>
-          </p:cNvSpPr>
-          <p:nvPr>
-            <p:ph type="sldNum" sz="quarter" idx="12"/>
-          </p:nvPr>
-        </p:nvSpPr>
-        <p:spPr/>
-        <p:txBody>
-          <a:bodyPr/>
-          <a:lstStyle/>
-          <a:p>
-            <a:fld id="{17E276FA-8F89-B34D-A726-BE3FA1F8DD97}" type="slidenum">
-              <a:rPr lang="en-US" smtClean="0"/>
-              <a:t>22</a:t>
-            </a:fld>
-            <a:endParaRPr lang="en-US" dirty="0"/>
-          </a:p>
-        </p:txBody>
-      </p:sp>
-    </p:spTree>
-    <p:extLst>
-      <p:ext uri="{BB962C8B-B14F-4D97-AF65-F5344CB8AC3E}">
-        <p14:creationId xmlns:p14="http://schemas.microsoft.com/office/powerpoint/2010/main" val="1848637858"/>
-      </p:ext>
-    </p:extLst>
-  </p:cSld>
-  <p:clrMapOvr>
-    <a:masterClrMapping/>
-  </p:clrMapOvr>
-  <p:timing>
-    <p:tnLst>
-      <p:par>
-        <p:cTn xmlns:p14="http://schemas.microsoft.com/office/powerpoint/2010/main" id="1" dur="indefinite" restart="never" nodeType="tmRoot"/>
-      </p:par>
-    </p:tnLst>
-  </p:timing>
-</p:sld>
-</file>
-
-<file path=ppt/slides/slide23.xml><?xml version="1.0" encoding="utf-8"?>
-<p:sld xmlns:a="http://schemas.openxmlformats.org/drawingml/2006/main" xmlns:r="http://schemas.openxmlformats.org/officeDocument/2006/relationships" xmlns:p="http://schemas.openxmlformats.org/presentationml/2006/main">
-  <p:cSld>
-    <p:spTree>
-      <p:nvGrpSpPr>
-        <p:cNvPr id="1" name=""/>
-        <p:cNvGrpSpPr/>
-        <p:nvPr/>
-      </p:nvGrpSpPr>
-      <p:grpSpPr>
-        <a:xfrm>
-          <a:off x="0" y="0"/>
-          <a:ext cx="0" cy="0"/>
-          <a:chOff x="0" y="0"/>
-          <a:chExt cx="0" cy="0"/>
-        </a:xfrm>
-      </p:grpSpPr>
-      <p:sp>
-        <p:nvSpPr>
-          <p:cNvPr id="2" name="Title 1"/>
-          <p:cNvSpPr>
-            <a:spLocks noGrp="1"/>
-          </p:cNvSpPr>
-          <p:nvPr>
-            <p:ph type="title"/>
-          </p:nvPr>
-        </p:nvSpPr>
-        <p:spPr/>
-        <p:txBody>
-          <a:bodyPr/>
-          <a:lstStyle/>
-          <a:p>
-            <a:r>
-              <a:rPr lang="en-US" dirty="0" smtClean="0"/>
-              <a:t>Advanced Hand In Expectations</a:t>
-            </a:r>
-            <a:endParaRPr lang="en-US" dirty="0"/>
-          </a:p>
-        </p:txBody>
-      </p:sp>
-      <p:sp>
-        <p:nvSpPr>
-          <p:cNvPr id="3" name="Content Placeholder 2"/>
-          <p:cNvSpPr>
-            <a:spLocks noGrp="1"/>
-          </p:cNvSpPr>
-          <p:nvPr>
-            <p:ph idx="1"/>
-          </p:nvPr>
-        </p:nvSpPr>
-        <p:spPr/>
-        <p:txBody>
-          <a:bodyPr/>
-          <a:lstStyle/>
-          <a:p>
-            <a:r>
-              <a:rPr lang="en-US" dirty="0" smtClean="0"/>
-              <a:t>You could design a study that looks at something besides activity</a:t>
-            </a:r>
-          </a:p>
-          <a:p>
-            <a:r>
-              <a:rPr lang="en-US" dirty="0" smtClean="0"/>
-              <a:t>Talk to me about goals &amp; outcomes that </a:t>
-            </a:r>
-            <a:r>
-              <a:rPr lang="en-US" smtClean="0"/>
-              <a:t>make sense</a:t>
-            </a:r>
-            <a:endParaRPr lang="en-US" dirty="0"/>
-          </a:p>
-        </p:txBody>
-      </p:sp>
-      <p:sp>
-        <p:nvSpPr>
-          <p:cNvPr id="4" name="Date Placeholder 3"/>
-          <p:cNvSpPr>
-            <a:spLocks noGrp="1"/>
-          </p:cNvSpPr>
-          <p:nvPr>
-            <p:ph type="dt" sz="half" idx="10"/>
-          </p:nvPr>
-        </p:nvSpPr>
-        <p:spPr/>
-        <p:txBody>
-          <a:bodyPr/>
-          <a:lstStyle/>
-          <a:p>
-            <a:fld id="{7053BEFA-1175-F644-B249-7D41D72BD3FF}" type="datetime1">
-              <a:rPr lang="en-US" smtClean="0"/>
-              <a:t>1/29/16</a:t>
-            </a:fld>
-            <a:endParaRPr lang="en-US"/>
-          </a:p>
-        </p:txBody>
-      </p:sp>
-      <p:sp>
-        <p:nvSpPr>
-          <p:cNvPr id="5" name="Footer Placeholder 4"/>
-          <p:cNvSpPr>
-            <a:spLocks noGrp="1"/>
-          </p:cNvSpPr>
-          <p:nvPr>
-            <p:ph type="ftr" sz="quarter" idx="11"/>
-          </p:nvPr>
-        </p:nvSpPr>
-        <p:spPr/>
-        <p:txBody>
-          <a:bodyPr/>
-          <a:lstStyle/>
-          <a:p>
-            <a:endParaRPr lang="en-US" dirty="0"/>
-          </a:p>
-        </p:txBody>
-      </p:sp>
-      <p:sp>
-        <p:nvSpPr>
-          <p:cNvPr id="6" name="Slide Number Placeholder 5"/>
-          <p:cNvSpPr>
-            <a:spLocks noGrp="1"/>
-          </p:cNvSpPr>
-          <p:nvPr>
-            <p:ph type="sldNum" sz="quarter" idx="12"/>
-          </p:nvPr>
-        </p:nvSpPr>
-        <p:spPr/>
-        <p:txBody>
-          <a:bodyPr/>
-          <a:lstStyle/>
-          <a:p>
-            <a:fld id="{17E276FA-8F89-B34D-A726-BE3FA1F8DD97}" type="slidenum">
-              <a:rPr lang="en-US" smtClean="0"/>
-              <a:t>23</a:t>
             </a:fld>
             <a:endParaRPr lang="en-US" dirty="0"/>
           </a:p>
@@ -12698,7 +10596,7 @@
           <a:p>
             <a:fld id="{7053BEFA-1175-F644-B249-7D41D72BD3FF}" type="datetime1">
               <a:rPr lang="en-US" smtClean="0"/>
-              <a:t>1/29/16</a:t>
+              <a:t>2/8/16</a:t>
             </a:fld>
             <a:endParaRPr lang="en-US"/>
           </a:p>
@@ -12844,7 +10742,7 @@
       </p:sp>
       <p:pic>
         <p:nvPicPr>
-          <p:cNvPr id="12" name="Picture 11"/>
+          <p:cNvPr id="9" name="Picture 8"/>
           <p:cNvPicPr>
             <a:picLocks noChangeAspect="1"/>
           </p:cNvPicPr>
@@ -12858,42 +10756,12 @@
         </p:blipFill>
         <p:spPr>
           <a:xfrm>
-            <a:off x="2741399" y="3386417"/>
-            <a:ext cx="8583313" cy="3727660"/>
+            <a:off x="3159124" y="3386417"/>
+            <a:ext cx="4416425" cy="3115795"/>
           </a:xfrm>
           <a:prstGeom prst="rect">
             <a:avLst/>
           </a:prstGeom>
-          <a:solidFill>
-            <a:srgbClr val="FFFFFF">
-              <a:shade val="85000"/>
-            </a:srgbClr>
-          </a:solidFill>
-          <a:ln w="88900" cap="sq">
-            <a:solidFill>
-              <a:srgbClr val="FFFFFF"/>
-            </a:solidFill>
-            <a:miter lim="800000"/>
-          </a:ln>
-          <a:effectLst>
-            <a:outerShdw blurRad="55000" dist="18000" dir="5400000" algn="tl" rotWithShape="0">
-              <a:srgbClr val="000000">
-                <a:alpha val="40000"/>
-              </a:srgbClr>
-            </a:outerShdw>
-          </a:effectLst>
-          <a:scene3d>
-            <a:camera prst="orthographicFront"/>
-            <a:lightRig rig="twoPt" dir="t">
-              <a:rot lat="0" lon="0" rev="7200000"/>
-            </a:lightRig>
-          </a:scene3d>
-          <a:sp3d>
-            <a:bevelT w="25400" h="19050"/>
-            <a:contourClr>
-              <a:srgbClr val="FFFFFF"/>
-            </a:contourClr>
-          </a:sp3d>
         </p:spPr>
       </p:pic>
     </p:spTree>
@@ -12949,14 +10817,9 @@
           <a:lstStyle/>
           <a:p>
             <a:r>
-              <a:rPr lang="en-US" dirty="0" smtClean="0"/>
-              <a:t>Setting up a </a:t>
-            </a:r>
-            <a:r>
-              <a:rPr lang="en-US" dirty="0" err="1" smtClean="0"/>
-              <a:t>Datastore</a:t>
-            </a:r>
-            <a:endParaRPr lang="en-US" dirty="0"/>
+              <a:rPr lang="en-US" dirty="0"/>
+              <a:t>ONLY if you were not in the study</a:t>
+            </a:r>
           </a:p>
         </p:txBody>
       </p:sp>
@@ -13053,7 +10916,7 @@
           <a:p>
             <a:fld id="{7053BEFA-1175-F644-B249-7D41D72BD3FF}" type="datetime1">
               <a:rPr lang="en-US" smtClean="0"/>
-              <a:t>1/29/16</a:t>
+              <a:t>2/8/16</a:t>
             </a:fld>
             <a:endParaRPr lang="en-US"/>
           </a:p>
@@ -13146,15 +11009,7 @@
             </a:br>
             <a:r>
               <a:rPr lang="en-US" dirty="0" smtClean="0"/>
-              <a:t>‘</a:t>
-            </a:r>
-            <a:r>
-              <a:rPr lang="en-US" dirty="0" err="1" smtClean="0"/>
-              <a:t>CloudIP</a:t>
-            </a:r>
-            <a:r>
-              <a:rPr lang="en-US" dirty="0" smtClean="0"/>
-              <a:t>’</a:t>
+              <a:t>Cloud IP</a:t>
             </a:r>
             <a:endParaRPr lang="en-US" dirty="0"/>
           </a:p>
@@ -13183,45 +11038,60 @@
           <a:lstStyle/>
           <a:p>
             <a:r>
-              <a:rPr lang="en-US" dirty="0" smtClean="0"/>
+              <a:rPr lang="en-US" dirty="0"/>
               <a:t>Step 2: Give access </a:t>
             </a:r>
             <a:br>
-              <a:rPr lang="en-US" dirty="0" smtClean="0"/>
+              <a:rPr lang="en-US" dirty="0"/>
             </a:br>
             <a:r>
-              <a:rPr lang="en-US" dirty="0" smtClean="0"/>
-              <a:t>permission</a:t>
-            </a:r>
-            <a:r>
               <a:rPr lang="en-US" dirty="0"/>
-              <a:t> </a:t>
-            </a:r>
-            <a:r>
-              <a:rPr lang="en-US" dirty="0" smtClean="0"/>
-              <a:t>to the </a:t>
+              <a:t>permission to the </a:t>
             </a:r>
             <a:br>
-              <a:rPr lang="en-US" dirty="0" smtClean="0"/>
+              <a:rPr lang="en-US" dirty="0"/>
             </a:br>
             <a:r>
-              <a:rPr lang="en-US" dirty="0" smtClean="0"/>
+              <a:rPr lang="en-US" dirty="0"/>
               <a:t>‘AWAREIP’</a:t>
             </a:r>
-            <a:endParaRPr lang="en-US" dirty="0"/>
           </a:p>
         </p:txBody>
       </p:sp>
       <p:pic>
         <p:nvPicPr>
-          <p:cNvPr id="13" name="Picture 12" descr="aware-logo.png"/>
+          <p:cNvPr id="9" name="Picture 8"/>
           <p:cNvPicPr>
             <a:picLocks noChangeAspect="1"/>
           </p:cNvPicPr>
           <p:nvPr/>
         </p:nvPicPr>
         <p:blipFill>
-          <a:blip r:embed="rId3">
+          <a:blip r:embed="rId3"/>
+          <a:stretch>
+            <a:fillRect/>
+          </a:stretch>
+        </p:blipFill>
+        <p:spPr>
+          <a:xfrm>
+            <a:off x="3159124" y="3386417"/>
+            <a:ext cx="4416425" cy="3115795"/>
+          </a:xfrm>
+          <a:prstGeom prst="rect">
+            <a:avLst/>
+          </a:prstGeom>
+        </p:spPr>
+      </p:pic>
+      <p:pic>
+        <p:nvPicPr>
+          <p:cNvPr id="12" name="Picture 11" descr="aware-logo.png"/>
+          <p:cNvPicPr>
+            <a:picLocks noChangeAspect="1"/>
+          </p:cNvPicPr>
+          <p:nvPr/>
+        </p:nvPicPr>
+        <p:blipFill>
+          <a:blip r:embed="rId4">
             <a:extLst>
               <a:ext uri="{28A0092B-C50C-407E-A947-70E740481C1C}">
                 <a14:useLocalDpi xmlns:a14="http://schemas.microsoft.com/office/drawing/2010/main" val="0"/>
@@ -13244,7 +11114,7 @@
       </p:pic>
       <p:sp>
         <p:nvSpPr>
-          <p:cNvPr id="8" name="TextBox 7"/>
+          <p:cNvPr id="13" name="TextBox 12"/>
           <p:cNvSpPr txBox="1"/>
           <p:nvPr/>
         </p:nvSpPr>
@@ -13286,62 +11156,9 @@
           </a:p>
         </p:txBody>
       </p:sp>
-      <p:pic>
-        <p:nvPicPr>
-          <p:cNvPr id="9" name="Picture 8"/>
-          <p:cNvPicPr>
-            <a:picLocks noChangeAspect="1"/>
-          </p:cNvPicPr>
-          <p:nvPr/>
-        </p:nvPicPr>
-        <p:blipFill rotWithShape="1">
-          <a:blip r:embed="rId4"/>
-          <a:srcRect l="29129" t="6994" r="23221" b="29300"/>
-          <a:stretch/>
-        </p:blipFill>
-        <p:spPr>
-          <a:xfrm>
-            <a:off x="2708219" y="3337054"/>
-            <a:ext cx="4357016" cy="2610892"/>
-          </a:xfrm>
-          <a:prstGeom prst="rect">
-            <a:avLst/>
-          </a:prstGeom>
-          <a:solidFill>
-            <a:srgbClr val="FFFFFF">
-              <a:shade val="85000"/>
-            </a:srgbClr>
-          </a:solidFill>
-          <a:ln w="88900" cap="sq">
-            <a:solidFill>
-              <a:srgbClr val="FFFFFF"/>
-            </a:solidFill>
-            <a:miter lim="800000"/>
-          </a:ln>
-          <a:effectLst>
-            <a:outerShdw blurRad="55000" dist="18000" dir="5400000" algn="tl" rotWithShape="0">
-              <a:srgbClr val="000000">
-                <a:alpha val="40000"/>
-              </a:srgbClr>
-            </a:outerShdw>
-          </a:effectLst>
-          <a:scene3d>
-            <a:camera prst="orthographicFront"/>
-            <a:lightRig rig="twoPt" dir="t">
-              <a:rot lat="0" lon="0" rev="7200000"/>
-            </a:lightRig>
-          </a:scene3d>
-          <a:sp3d>
-            <a:bevelT w="25400" h="19050"/>
-            <a:contourClr>
-              <a:srgbClr val="FFFFFF"/>
-            </a:contourClr>
-          </a:sp3d>
-        </p:spPr>
-      </p:pic>
       <p:cxnSp>
         <p:nvCxnSpPr>
-          <p:cNvPr id="15" name="Curved Connector 14"/>
+          <p:cNvPr id="14" name="Curved Connector 13"/>
           <p:cNvCxnSpPr/>
           <p:nvPr/>
         </p:nvCxnSpPr>
@@ -13375,7 +11192,7 @@
     </p:spTree>
     <p:extLst>
       <p:ext uri="{BB962C8B-B14F-4D97-AF65-F5344CB8AC3E}">
-        <p14:creationId xmlns:p14="http://schemas.microsoft.com/office/powerpoint/2010/main" val="524963091"/>
+        <p14:creationId xmlns:p14="http://schemas.microsoft.com/office/powerpoint/2010/main" val="3976822799"/>
       </p:ext>
     </p:extLst>
   </p:cSld>
@@ -13426,11 +11243,7 @@
           <a:p>
             <a:r>
               <a:rPr lang="en-US" dirty="0" smtClean="0"/>
-              <a:t>Setting up a </a:t>
-            </a:r>
-            <a:r>
-              <a:rPr lang="en-US" dirty="0" err="1" smtClean="0"/>
-              <a:t>Datastore</a:t>
+              <a:t>For everyone</a:t>
             </a:r>
             <a:endParaRPr lang="en-US" dirty="0"/>
           </a:p>
@@ -13529,7 +11342,7 @@
           <a:p>
             <a:fld id="{7053BEFA-1175-F644-B249-7D41D72BD3FF}" type="datetime1">
               <a:rPr lang="en-US" smtClean="0"/>
-              <a:t>1/29/16</a:t>
+              <a:t>2/8/16</a:t>
             </a:fld>
             <a:endParaRPr lang="en-US"/>
           </a:p>
@@ -13572,6 +11385,331 @@
             <a:fld id="{17E276FA-8F89-B34D-A726-BE3FA1F8DD97}" type="slidenum">
               <a:rPr lang="en-US" smtClean="0"/>
               <a:t>5</a:t>
+            </a:fld>
+            <a:endParaRPr lang="en-US" dirty="0"/>
+          </a:p>
+        </p:txBody>
+      </p:sp>
+      <p:sp>
+        <p:nvSpPr>
+          <p:cNvPr id="10" name="Cloud 9"/>
+          <p:cNvSpPr/>
+          <p:nvPr/>
+        </p:nvSpPr>
+        <p:spPr>
+          <a:xfrm>
+            <a:off x="465996" y="3386417"/>
+            <a:ext cx="1834533" cy="1428934"/>
+          </a:xfrm>
+          <a:prstGeom prst="cloud">
+            <a:avLst/>
+          </a:prstGeom>
+        </p:spPr>
+        <p:style>
+          <a:lnRef idx="2">
+            <a:schemeClr val="accent1">
+              <a:shade val="50000"/>
+            </a:schemeClr>
+          </a:lnRef>
+          <a:fillRef idx="1">
+            <a:schemeClr val="accent1"/>
+          </a:fillRef>
+          <a:effectRef idx="0">
+            <a:schemeClr val="accent1"/>
+          </a:effectRef>
+          <a:fontRef idx="minor">
+            <a:schemeClr val="lt1"/>
+          </a:fontRef>
+        </p:style>
+        <p:txBody>
+          <a:bodyPr rtlCol="0" anchor="ctr"/>
+          <a:lstStyle/>
+          <a:p>
+            <a:pPr algn="ctr"/>
+            <a:r>
+              <a:rPr lang="en-US" dirty="0" smtClean="0"/>
+              <a:t>Cloud Storage:</a:t>
+            </a:r>
+            <a:br>
+              <a:rPr lang="en-US" dirty="0" smtClean="0"/>
+            </a:br>
+            <a:r>
+              <a:rPr lang="en-US" dirty="0" smtClean="0"/>
+              <a:t>‘</a:t>
+            </a:r>
+            <a:r>
+              <a:rPr lang="en-US" dirty="0" err="1" smtClean="0"/>
+              <a:t>CloudIP</a:t>
+            </a:r>
+            <a:r>
+              <a:rPr lang="en-US" dirty="0" smtClean="0"/>
+              <a:t>’</a:t>
+            </a:r>
+            <a:endParaRPr lang="en-US" dirty="0"/>
+          </a:p>
+        </p:txBody>
+      </p:sp>
+      <p:sp>
+        <p:nvSpPr>
+          <p:cNvPr id="11" name="TextBox 10"/>
+          <p:cNvSpPr txBox="1"/>
+          <p:nvPr/>
+        </p:nvSpPr>
+        <p:spPr>
+          <a:xfrm>
+            <a:off x="555781" y="5024616"/>
+            <a:ext cx="1672253" cy="646331"/>
+          </a:xfrm>
+          <a:prstGeom prst="rect">
+            <a:avLst/>
+          </a:prstGeom>
+          <a:noFill/>
+        </p:spPr>
+        <p:txBody>
+          <a:bodyPr wrap="none" rtlCol="0">
+            <a:spAutoFit/>
+          </a:bodyPr>
+          <a:lstStyle/>
+          <a:p>
+            <a:r>
+              <a:rPr lang="en-US" dirty="0" smtClean="0"/>
+              <a:t>Also give access </a:t>
+            </a:r>
+            <a:br>
+              <a:rPr lang="en-US" dirty="0" smtClean="0"/>
+            </a:br>
+            <a:r>
+              <a:rPr lang="en-US" dirty="0" smtClean="0"/>
+              <a:t>to yourself…</a:t>
+            </a:r>
+            <a:endParaRPr lang="en-US" dirty="0"/>
+          </a:p>
+        </p:txBody>
+      </p:sp>
+      <p:pic>
+        <p:nvPicPr>
+          <p:cNvPr id="14" name="Picture 13"/>
+          <p:cNvPicPr>
+            <a:picLocks noChangeAspect="1"/>
+          </p:cNvPicPr>
+          <p:nvPr/>
+        </p:nvPicPr>
+        <p:blipFill>
+          <a:blip r:embed="rId3"/>
+          <a:stretch>
+            <a:fillRect/>
+          </a:stretch>
+        </p:blipFill>
+        <p:spPr>
+          <a:xfrm>
+            <a:off x="3159124" y="3386417"/>
+            <a:ext cx="4416425" cy="3115795"/>
+          </a:xfrm>
+          <a:prstGeom prst="rect">
+            <a:avLst/>
+          </a:prstGeom>
+        </p:spPr>
+      </p:pic>
+    </p:spTree>
+    <p:extLst>
+      <p:ext uri="{BB962C8B-B14F-4D97-AF65-F5344CB8AC3E}">
+        <p14:creationId xmlns:p14="http://schemas.microsoft.com/office/powerpoint/2010/main" val="3962118092"/>
+      </p:ext>
+    </p:extLst>
+  </p:cSld>
+  <p:clrMapOvr>
+    <a:masterClrMapping/>
+  </p:clrMapOvr>
+  <p:timing>
+    <p:tnLst>
+      <p:par>
+        <p:cTn xmlns:p14="http://schemas.microsoft.com/office/powerpoint/2010/main" id="1" dur="indefinite" restart="never" nodeType="tmRoot"/>
+      </p:par>
+    </p:tnLst>
+  </p:timing>
+</p:sld>
+</file>
+
+<file path=ppt/slides/slide6.xml><?xml version="1.0" encoding="utf-8"?>
+<p:sld xmlns:a="http://schemas.openxmlformats.org/drawingml/2006/main" xmlns:r="http://schemas.openxmlformats.org/officeDocument/2006/relationships" xmlns:p="http://schemas.openxmlformats.org/presentationml/2006/main">
+  <p:cSld>
+    <p:spTree>
+      <p:nvGrpSpPr>
+        <p:cNvPr id="1" name=""/>
+        <p:cNvGrpSpPr/>
+        <p:nvPr/>
+      </p:nvGrpSpPr>
+      <p:grpSpPr>
+        <a:xfrm>
+          <a:off x="0" y="0"/>
+          <a:ext cx="0" cy="0"/>
+          <a:chOff x="0" y="0"/>
+          <a:chExt cx="0" cy="0"/>
+        </a:xfrm>
+      </p:grpSpPr>
+      <p:sp>
+        <p:nvSpPr>
+          <p:cNvPr id="2" name="Title 1"/>
+          <p:cNvSpPr>
+            <a:spLocks noGrp="1"/>
+          </p:cNvSpPr>
+          <p:nvPr>
+            <p:ph type="title"/>
+          </p:nvPr>
+        </p:nvSpPr>
+        <p:spPr/>
+        <p:txBody>
+          <a:bodyPr/>
+          <a:lstStyle/>
+          <a:p>
+            <a:r>
+              <a:rPr lang="en-US" dirty="0" smtClean="0"/>
+              <a:t>Setting up a </a:t>
+            </a:r>
+            <a:r>
+              <a:rPr lang="en-US" dirty="0" err="1" smtClean="0"/>
+              <a:t>Datastore</a:t>
+            </a:r>
+            <a:endParaRPr lang="en-US" dirty="0"/>
+          </a:p>
+        </p:txBody>
+      </p:sp>
+      <p:sp>
+        <p:nvSpPr>
+          <p:cNvPr id="3" name="Content Placeholder 2"/>
+          <p:cNvSpPr>
+            <a:spLocks noGrp="1"/>
+          </p:cNvSpPr>
+          <p:nvPr>
+            <p:ph idx="1"/>
+          </p:nvPr>
+        </p:nvSpPr>
+        <p:spPr>
+          <a:xfrm>
+            <a:off x="1128942" y="1847153"/>
+            <a:ext cx="7673287" cy="4379976"/>
+          </a:xfrm>
+        </p:spPr>
+        <p:txBody>
+          <a:bodyPr/>
+          <a:lstStyle/>
+          <a:p>
+            <a:pPr marL="0" indent="0">
+              <a:buNone/>
+            </a:pPr>
+            <a:r>
+              <a:rPr lang="en-US" dirty="0" smtClean="0"/>
+              <a:t>Google has </a:t>
+            </a:r>
+            <a:r>
+              <a:rPr lang="en-US" dirty="0"/>
+              <a:t>great documentation </a:t>
+            </a:r>
+            <a:r>
+              <a:rPr lang="en-US" dirty="0" smtClean="0"/>
+              <a:t/>
+            </a:r>
+            <a:br>
+              <a:rPr lang="en-US" dirty="0" smtClean="0"/>
+            </a:br>
+            <a:r>
+              <a:rPr lang="en-US" dirty="0" smtClean="0"/>
+              <a:t>(</a:t>
+            </a:r>
+            <a:r>
+              <a:rPr lang="en-US" sz="1800" dirty="0">
+                <a:hlinkClick r:id="rId2"/>
+              </a:rPr>
+              <a:t>https://cloud.google.com/appengine/docs/python/cloud-sql</a:t>
+            </a:r>
+            <a:r>
+              <a:rPr lang="en-US" sz="1800" dirty="0" smtClean="0">
+                <a:hlinkClick r:id="rId2"/>
+              </a:rPr>
+              <a:t>/</a:t>
+            </a:r>
+            <a:r>
+              <a:rPr lang="en-US" dirty="0" smtClean="0"/>
+              <a:t>)</a:t>
+            </a:r>
+          </a:p>
+          <a:p>
+            <a:pPr marL="0" indent="0">
+              <a:buNone/>
+            </a:pPr>
+            <a:r>
+              <a:rPr lang="en-US" dirty="0" smtClean="0"/>
+              <a:t>You need to customize the access permissions</a:t>
+            </a:r>
+          </a:p>
+          <a:p>
+            <a:pPr marL="0" indent="0">
+              <a:buNone/>
+            </a:pPr>
+            <a:endParaRPr lang="en-US" dirty="0"/>
+          </a:p>
+        </p:txBody>
+      </p:sp>
+      <p:sp>
+        <p:nvSpPr>
+          <p:cNvPr id="4" name="Date Placeholder 3"/>
+          <p:cNvSpPr>
+            <a:spLocks noGrp="1"/>
+          </p:cNvSpPr>
+          <p:nvPr>
+            <p:ph type="dt" sz="half" idx="10"/>
+          </p:nvPr>
+        </p:nvSpPr>
+        <p:spPr/>
+        <p:txBody>
+          <a:bodyPr/>
+          <a:lstStyle/>
+          <a:p>
+            <a:fld id="{7053BEFA-1175-F644-B249-7D41D72BD3FF}" type="datetime1">
+              <a:rPr lang="en-US" smtClean="0"/>
+              <a:t>2/8/16</a:t>
+            </a:fld>
+            <a:endParaRPr lang="en-US"/>
+          </a:p>
+        </p:txBody>
+      </p:sp>
+      <p:sp>
+        <p:nvSpPr>
+          <p:cNvPr id="5" name="Footer Placeholder 4"/>
+          <p:cNvSpPr>
+            <a:spLocks noGrp="1"/>
+          </p:cNvSpPr>
+          <p:nvPr>
+            <p:ph type="ftr" sz="quarter" idx="11"/>
+          </p:nvPr>
+        </p:nvSpPr>
+        <p:spPr/>
+        <p:txBody>
+          <a:bodyPr/>
+          <a:lstStyle/>
+          <a:p>
+            <a:endParaRPr lang="en-US" dirty="0"/>
+          </a:p>
+        </p:txBody>
+      </p:sp>
+      <p:sp>
+        <p:nvSpPr>
+          <p:cNvPr id="6" name="Slide Number Placeholder 5"/>
+          <p:cNvSpPr>
+            <a:spLocks noGrp="1"/>
+          </p:cNvSpPr>
+          <p:nvPr>
+            <p:ph type="sldNum" sz="quarter" idx="12"/>
+          </p:nvPr>
+        </p:nvSpPr>
+        <p:spPr/>
+        <p:txBody>
+          <a:bodyPr/>
+          <a:lstStyle/>
+          <a:p>
+            <a:fld id="{17E276FA-8F89-B34D-A726-BE3FA1F8DD97}" type="slidenum">
+              <a:rPr lang="en-US" smtClean="0"/>
+              <a:t>6</a:t>
             </a:fld>
             <a:endParaRPr lang="en-US" dirty="0"/>
           </a:p>
@@ -13721,7 +11859,7 @@
 </p:sld>
 </file>
 
-<file path=ppt/slides/slide6.xml><?xml version="1.0" encoding="utf-8"?>
+<file path=ppt/slides/slide7.xml><?xml version="1.0" encoding="utf-8"?>
 <p:sld xmlns:a="http://schemas.openxmlformats.org/drawingml/2006/main" xmlns:r="http://schemas.openxmlformats.org/officeDocument/2006/relationships" xmlns:p="http://schemas.openxmlformats.org/presentationml/2006/main">
   <p:cSld>
     <p:spTree>
@@ -13858,7 +11996,7 @@
           <a:p>
             <a:fld id="{7053BEFA-1175-F644-B249-7D41D72BD3FF}" type="datetime1">
               <a:rPr lang="en-US" smtClean="0"/>
-              <a:t>1/29/16</a:t>
+              <a:t>2/8/16</a:t>
             </a:fld>
             <a:endParaRPr lang="en-US"/>
           </a:p>
@@ -13900,7 +12038,7 @@
           <a:p>
             <a:fld id="{17E276FA-8F89-B34D-A726-BE3FA1F8DD97}" type="slidenum">
               <a:rPr lang="en-US" smtClean="0"/>
-              <a:t>6</a:t>
+              <a:t>7</a:t>
             </a:fld>
             <a:endParaRPr lang="en-US" dirty="0"/>
           </a:p>
@@ -14154,349 +12292,6 @@
 </p:sld>
 </file>
 
-<file path=ppt/slides/slide7.xml><?xml version="1.0" encoding="utf-8"?>
-<p:sld xmlns:a="http://schemas.openxmlformats.org/drawingml/2006/main" xmlns:r="http://schemas.openxmlformats.org/officeDocument/2006/relationships" xmlns:p="http://schemas.openxmlformats.org/presentationml/2006/main">
-  <p:cSld>
-    <p:spTree>
-      <p:nvGrpSpPr>
-        <p:cNvPr id="1" name=""/>
-        <p:cNvGrpSpPr/>
-        <p:nvPr/>
-      </p:nvGrpSpPr>
-      <p:grpSpPr>
-        <a:xfrm>
-          <a:off x="0" y="0"/>
-          <a:ext cx="0" cy="0"/>
-          <a:chOff x="0" y="0"/>
-          <a:chExt cx="0" cy="0"/>
-        </a:xfrm>
-      </p:grpSpPr>
-      <p:sp>
-        <p:nvSpPr>
-          <p:cNvPr id="2" name="Title 1"/>
-          <p:cNvSpPr>
-            <a:spLocks noGrp="1"/>
-          </p:cNvSpPr>
-          <p:nvPr>
-            <p:ph type="title"/>
-          </p:nvPr>
-        </p:nvSpPr>
-        <p:spPr/>
-        <p:txBody>
-          <a:bodyPr/>
-          <a:lstStyle/>
-          <a:p>
-            <a:r>
-              <a:rPr lang="en-US" dirty="0"/>
-              <a:t>Set up the AWARE </a:t>
-            </a:r>
-            <a:r>
-              <a:rPr lang="en-US" dirty="0" smtClean="0"/>
-              <a:t>client</a:t>
-            </a:r>
-            <a:endParaRPr lang="en-US" dirty="0"/>
-          </a:p>
-        </p:txBody>
-      </p:sp>
-      <p:sp>
-        <p:nvSpPr>
-          <p:cNvPr id="3" name="Content Placeholder 2"/>
-          <p:cNvSpPr>
-            <a:spLocks noGrp="1"/>
-          </p:cNvSpPr>
-          <p:nvPr>
-            <p:ph idx="1"/>
-          </p:nvPr>
-        </p:nvSpPr>
-        <p:spPr>
-          <a:xfrm>
-            <a:off x="1128942" y="1847153"/>
-            <a:ext cx="7673287" cy="4379976"/>
-          </a:xfrm>
-        </p:spPr>
-        <p:txBody>
-          <a:bodyPr/>
-          <a:lstStyle/>
-          <a:p>
-            <a:pPr marL="0" indent="0">
-              <a:buNone/>
-            </a:pPr>
-            <a:endParaRPr lang="en-US" dirty="0"/>
-          </a:p>
-        </p:txBody>
-      </p:sp>
-      <p:sp>
-        <p:nvSpPr>
-          <p:cNvPr id="4" name="Date Placeholder 3"/>
-          <p:cNvSpPr>
-            <a:spLocks noGrp="1"/>
-          </p:cNvSpPr>
-          <p:nvPr>
-            <p:ph type="dt" sz="half" idx="10"/>
-          </p:nvPr>
-        </p:nvSpPr>
-        <p:spPr/>
-        <p:txBody>
-          <a:bodyPr/>
-          <a:lstStyle/>
-          <a:p>
-            <a:fld id="{7053BEFA-1175-F644-B249-7D41D72BD3FF}" type="datetime1">
-              <a:rPr lang="en-US" smtClean="0"/>
-              <a:t>1/29/16</a:t>
-            </a:fld>
-            <a:endParaRPr lang="en-US"/>
-          </a:p>
-        </p:txBody>
-      </p:sp>
-      <p:sp>
-        <p:nvSpPr>
-          <p:cNvPr id="5" name="Footer Placeholder 4"/>
-          <p:cNvSpPr>
-            <a:spLocks noGrp="1"/>
-          </p:cNvSpPr>
-          <p:nvPr>
-            <p:ph type="ftr" sz="quarter" idx="11"/>
-          </p:nvPr>
-        </p:nvSpPr>
-        <p:spPr/>
-        <p:txBody>
-          <a:bodyPr/>
-          <a:lstStyle/>
-          <a:p>
-            <a:endParaRPr lang="en-US" dirty="0"/>
-          </a:p>
-        </p:txBody>
-      </p:sp>
-      <p:sp>
-        <p:nvSpPr>
-          <p:cNvPr id="6" name="Slide Number Placeholder 5"/>
-          <p:cNvSpPr>
-            <a:spLocks noGrp="1"/>
-          </p:cNvSpPr>
-          <p:nvPr>
-            <p:ph type="sldNum" sz="quarter" idx="12"/>
-          </p:nvPr>
-        </p:nvSpPr>
-        <p:spPr/>
-        <p:txBody>
-          <a:bodyPr/>
-          <a:lstStyle/>
-          <a:p>
-            <a:fld id="{17E276FA-8F89-B34D-A726-BE3FA1F8DD97}" type="slidenum">
-              <a:rPr lang="en-US" smtClean="0"/>
-              <a:t>7</a:t>
-            </a:fld>
-            <a:endParaRPr lang="en-US" dirty="0"/>
-          </a:p>
-        </p:txBody>
-      </p:sp>
-      <p:sp>
-        <p:nvSpPr>
-          <p:cNvPr id="10" name="Cloud 9"/>
-          <p:cNvSpPr/>
-          <p:nvPr/>
-        </p:nvSpPr>
-        <p:spPr>
-          <a:xfrm>
-            <a:off x="465996" y="3386417"/>
-            <a:ext cx="1834533" cy="1428934"/>
-          </a:xfrm>
-          <a:prstGeom prst="cloud">
-            <a:avLst/>
-          </a:prstGeom>
-        </p:spPr>
-        <p:style>
-          <a:lnRef idx="2">
-            <a:schemeClr val="accent1">
-              <a:shade val="50000"/>
-            </a:schemeClr>
-          </a:lnRef>
-          <a:fillRef idx="1">
-            <a:schemeClr val="accent1"/>
-          </a:fillRef>
-          <a:effectRef idx="0">
-            <a:schemeClr val="accent1"/>
-          </a:effectRef>
-          <a:fontRef idx="minor">
-            <a:schemeClr val="lt1"/>
-          </a:fontRef>
-        </p:style>
-        <p:txBody>
-          <a:bodyPr rtlCol="0" anchor="ctr"/>
-          <a:lstStyle/>
-          <a:p>
-            <a:pPr algn="ctr"/>
-            <a:r>
-              <a:rPr lang="en-US" dirty="0" smtClean="0"/>
-              <a:t>Cloud Storage:</a:t>
-            </a:r>
-            <a:br>
-              <a:rPr lang="en-US" dirty="0" smtClean="0"/>
-            </a:br>
-            <a:r>
-              <a:rPr lang="en-US" dirty="0" smtClean="0"/>
-              <a:t>‘</a:t>
-            </a:r>
-            <a:r>
-              <a:rPr lang="en-US" dirty="0" err="1" smtClean="0"/>
-              <a:t>CloudIP</a:t>
-            </a:r>
-            <a:r>
-              <a:rPr lang="en-US" dirty="0" smtClean="0"/>
-              <a:t>’</a:t>
-            </a:r>
-            <a:endParaRPr lang="en-US" dirty="0"/>
-          </a:p>
-        </p:txBody>
-      </p:sp>
-      <p:sp>
-        <p:nvSpPr>
-          <p:cNvPr id="11" name="TextBox 10"/>
-          <p:cNvSpPr txBox="1"/>
-          <p:nvPr/>
-        </p:nvSpPr>
-        <p:spPr>
-          <a:xfrm>
-            <a:off x="6690991" y="5011816"/>
-            <a:ext cx="1816498" cy="923330"/>
-          </a:xfrm>
-          <a:prstGeom prst="rect">
-            <a:avLst/>
-          </a:prstGeom>
-          <a:noFill/>
-        </p:spPr>
-        <p:txBody>
-          <a:bodyPr wrap="none" rtlCol="0">
-            <a:spAutoFit/>
-          </a:bodyPr>
-          <a:lstStyle/>
-          <a:p>
-            <a:r>
-              <a:rPr lang="en-US" dirty="0" smtClean="0"/>
-              <a:t>Step 5: Install the </a:t>
-            </a:r>
-            <a:br>
-              <a:rPr lang="en-US" dirty="0" smtClean="0"/>
-            </a:br>
-            <a:r>
-              <a:rPr lang="en-US" dirty="0" smtClean="0"/>
-              <a:t>AWARE client on </a:t>
-            </a:r>
-            <a:br>
-              <a:rPr lang="en-US" dirty="0" smtClean="0"/>
-            </a:br>
-            <a:r>
-              <a:rPr lang="en-US" dirty="0" smtClean="0"/>
-              <a:t>your phone</a:t>
-            </a:r>
-            <a:endParaRPr lang="en-US" dirty="0"/>
-          </a:p>
-        </p:txBody>
-      </p:sp>
-      <p:pic>
-        <p:nvPicPr>
-          <p:cNvPr id="12" name="Picture 11" descr="aware-logo.png"/>
-          <p:cNvPicPr>
-            <a:picLocks noChangeAspect="1"/>
-          </p:cNvPicPr>
-          <p:nvPr/>
-        </p:nvPicPr>
-        <p:blipFill>
-          <a:blip r:embed="rId2">
-            <a:extLst>
-              <a:ext uri="{28A0092B-C50C-407E-A947-70E740481C1C}">
-                <a14:useLocalDpi xmlns:a14="http://schemas.microsoft.com/office/drawing/2010/main" val="0"/>
-              </a:ext>
-            </a:extLst>
-          </a:blip>
-          <a:stretch>
-            <a:fillRect/>
-          </a:stretch>
-        </p:blipFill>
-        <p:spPr>
-          <a:xfrm>
-            <a:off x="7308088" y="3383036"/>
-            <a:ext cx="1494141" cy="1494141"/>
-          </a:xfrm>
-          <a:prstGeom prst="rect">
-            <a:avLst/>
-          </a:prstGeom>
-        </p:spPr>
-      </p:pic>
-      <p:pic>
-        <p:nvPicPr>
-          <p:cNvPr id="7" name="Picture 6"/>
-          <p:cNvPicPr>
-            <a:picLocks noChangeAspect="1"/>
-          </p:cNvPicPr>
-          <p:nvPr/>
-        </p:nvPicPr>
-        <p:blipFill>
-          <a:blip r:embed="rId3"/>
-          <a:stretch>
-            <a:fillRect/>
-          </a:stretch>
-        </p:blipFill>
-        <p:spPr>
-          <a:xfrm>
-            <a:off x="2804596" y="2694451"/>
-            <a:ext cx="4051300" cy="2120900"/>
-          </a:xfrm>
-          <a:prstGeom prst="rect">
-            <a:avLst/>
-          </a:prstGeom>
-          <a:solidFill>
-            <a:srgbClr val="FFFFFF">
-              <a:shade val="85000"/>
-            </a:srgbClr>
-          </a:solidFill>
-          <a:ln w="88900" cap="sq">
-            <a:solidFill>
-              <a:srgbClr val="FFFFFF"/>
-            </a:solidFill>
-            <a:miter lim="800000"/>
-          </a:ln>
-          <a:effectLst>
-            <a:outerShdw blurRad="55000" dist="18000" dir="5400000" algn="tl" rotWithShape="0">
-              <a:srgbClr val="000000">
-                <a:alpha val="40000"/>
-              </a:srgbClr>
-            </a:outerShdw>
-          </a:effectLst>
-          <a:scene3d>
-            <a:camera prst="orthographicFront"/>
-            <a:lightRig rig="twoPt" dir="t">
-              <a:rot lat="0" lon="0" rev="7200000"/>
-            </a:lightRig>
-          </a:scene3d>
-          <a:sp3d>
-            <a:bevelT w="25400" h="19050"/>
-            <a:contourClr>
-              <a:srgbClr val="FFFFFF"/>
-            </a:contourClr>
-          </a:sp3d>
-        </p:spPr>
-      </p:pic>
-    </p:spTree>
-    <p:extLst>
-      <p:ext uri="{BB962C8B-B14F-4D97-AF65-F5344CB8AC3E}">
-        <p14:creationId xmlns:p14="http://schemas.microsoft.com/office/powerpoint/2010/main" val="1917024053"/>
-      </p:ext>
-    </p:extLst>
-  </p:cSld>
-  <p:clrMapOvr>
-    <a:masterClrMapping/>
-  </p:clrMapOvr>
-  <p:timing>
-    <p:tnLst>
-      <p:par>
-        <p:cTn xmlns:p14="http://schemas.microsoft.com/office/powerpoint/2010/main" id="1" dur="indefinite" restart="never" nodeType="tmRoot"/>
-      </p:par>
-    </p:tnLst>
-  </p:timing>
-</p:sld>
-</file>
-
 <file path=ppt/slides/slide8.xml><?xml version="1.0" encoding="utf-8"?>
 <p:sld xmlns:a="http://schemas.openxmlformats.org/drawingml/2006/main" xmlns:r="http://schemas.openxmlformats.org/officeDocument/2006/relationships" xmlns:p="http://schemas.openxmlformats.org/presentationml/2006/main">
   <p:cSld>
@@ -14529,14 +12324,9 @@
           <a:bodyPr/>
           <a:lstStyle/>
           <a:p>
-            <a:pPr marL="0" indent="0"/>
-            <a:r>
-              <a:rPr lang="en-US" dirty="0"/>
-              <a:t>Set up the AWARE </a:t>
-            </a:r>
-            <a:r>
-              <a:rPr lang="en-US" dirty="0" smtClean="0"/>
-              <a:t>client</a:t>
+            <a:r>
+              <a:rPr lang="en-US" dirty="0" smtClean="0"/>
+              <a:t>Loading the data</a:t>
             </a:r>
             <a:endParaRPr lang="en-US" dirty="0"/>
           </a:p>
@@ -14554,131 +12344,153 @@
         </p:nvSpPr>
         <p:spPr>
           <a:xfrm>
-            <a:off x="1128942" y="1847153"/>
-            <a:ext cx="7673287" cy="4379976"/>
+            <a:off x="1128943" y="1450278"/>
+            <a:ext cx="7048804" cy="4379976"/>
           </a:xfrm>
         </p:spPr>
         <p:txBody>
           <a:bodyPr/>
           <a:lstStyle/>
-          <a:p>
-            <a:pPr marL="0" lvl="0" indent="0">
-              <a:buNone/>
-              <a:defRPr sz="1800">
-                <a:solidFill>
-                  <a:srgbClr val="000000"/>
-                </a:solidFill>
-                <a:uFillTx/>
-              </a:defRPr>
-            </a:pPr>
-            <a:r>
-              <a:rPr lang="en-US" dirty="0">
-                <a:uFill>
-                  <a:solidFill>
-                    <a:srgbClr val="004479"/>
-                  </a:solidFill>
-                </a:uFill>
-              </a:rPr>
-              <a:t>Visit </a:t>
-            </a:r>
-            <a:r>
-              <a:rPr lang="en-US" dirty="0">
-                <a:solidFill>
-                  <a:srgbClr val="51A7F9"/>
-                </a:solidFill>
-                <a:uFill>
-                  <a:solidFill>
-                    <a:srgbClr val="004479"/>
-                  </a:solidFill>
-                </a:uFill>
-                <a:hlinkClick r:id="rId2"/>
-              </a:rPr>
-              <a:t>http://www.awareframework.com</a:t>
-            </a:r>
-            <a:r>
-              <a:rPr lang="en-US" dirty="0">
-                <a:uFill>
-                  <a:solidFill>
-                    <a:srgbClr val="004479"/>
-                  </a:solidFill>
-                </a:uFill>
-              </a:rPr>
-              <a:t> on your phone</a:t>
-            </a:r>
-          </a:p>
-          <a:p>
-            <a:pPr marL="0" lvl="0" indent="0">
-              <a:buNone/>
-              <a:defRPr sz="1800">
-                <a:solidFill>
-                  <a:srgbClr val="000000"/>
-                </a:solidFill>
-                <a:uFillTx/>
-              </a:defRPr>
-            </a:pPr>
-            <a:r>
-              <a:rPr lang="en-US" dirty="0">
-                <a:uFill>
-                  <a:solidFill>
-                    <a:srgbClr val="004479"/>
-                  </a:solidFill>
-                </a:uFill>
-              </a:rPr>
-              <a:t>Download and install the latest AWARE client. </a:t>
-            </a:r>
-            <a:r>
-              <a:rPr lang="en-US" dirty="0" smtClean="0">
-                <a:uFill>
-                  <a:solidFill>
-                    <a:srgbClr val="004479"/>
-                  </a:solidFill>
-                </a:uFill>
-              </a:rPr>
-              <a:t/>
-            </a:r>
-            <a:br>
-              <a:rPr lang="en-US" dirty="0" smtClean="0">
-                <a:uFill>
-                  <a:solidFill>
-                    <a:srgbClr val="004479"/>
-                  </a:solidFill>
-                </a:uFill>
-              </a:rPr>
-            </a:br>
-            <a:r>
-              <a:rPr lang="en-US" dirty="0" smtClean="0">
-                <a:uFill>
-                  <a:solidFill>
-                    <a:srgbClr val="004479"/>
-                  </a:solidFill>
-                </a:uFill>
-              </a:rPr>
-              <a:t>If you have an Android Wear, it will also install</a:t>
-            </a:r>
-            <a:br>
-              <a:rPr lang="en-US" dirty="0" smtClean="0">
-                <a:uFill>
-                  <a:solidFill>
-                    <a:srgbClr val="004479"/>
-                  </a:solidFill>
-                </a:uFill>
-              </a:rPr>
-            </a:br>
-            <a:r>
-              <a:rPr lang="en-US" dirty="0" smtClean="0">
-                <a:uFill>
-                  <a:solidFill>
-                    <a:srgbClr val="004479"/>
-                  </a:solidFill>
-                </a:uFill>
-              </a:rPr>
-              <a:t>on your watch</a:t>
-            </a:r>
-          </a:p>
           <a:p>
             <a:pPr marL="0" indent="0">
               <a:buNone/>
             </a:pPr>
+            <a:r>
+              <a:rPr lang="en-US" dirty="0" err="1" smtClean="0"/>
+              <a:t>Mysql</a:t>
+            </a:r>
+            <a:r>
+              <a:rPr lang="en-US" dirty="0" smtClean="0"/>
+              <a:t> </a:t>
+            </a:r>
+            <a:r>
+              <a:rPr lang="en-US" dirty="0" smtClean="0"/>
+              <a:t>--</a:t>
+            </a:r>
+            <a:r>
+              <a:rPr lang="en-US" dirty="0" smtClean="0"/>
+              <a:t>host [</a:t>
+            </a:r>
+            <a:r>
+              <a:rPr lang="en-US" dirty="0" err="1" smtClean="0"/>
+              <a:t>ip</a:t>
+            </a:r>
+            <a:r>
+              <a:rPr lang="en-US" dirty="0" smtClean="0"/>
+              <a:t>] -</a:t>
+            </a:r>
+            <a:r>
+              <a:rPr lang="en-US" dirty="0"/>
+              <a:t>-user=[user] --password=[password] [database] &lt; </a:t>
+            </a:r>
+            <a:r>
+              <a:rPr lang="en-US" dirty="0" smtClean="0"/>
+              <a:t>[</a:t>
+            </a:r>
+            <a:r>
+              <a:rPr lang="en-US" dirty="0" err="1" smtClean="0"/>
+              <a:t>file.sql</a:t>
+            </a:r>
+            <a:r>
+              <a:rPr lang="en-US" dirty="0" smtClean="0"/>
+              <a:t>]</a:t>
+            </a:r>
+          </a:p>
+          <a:p>
+            <a:pPr marL="0" indent="0">
+              <a:buNone/>
+            </a:pPr>
+            <a:r>
+              <a:rPr lang="en-US" dirty="0" smtClean="0"/>
+              <a:t>[</a:t>
+            </a:r>
+            <a:r>
+              <a:rPr lang="en-US" dirty="0" err="1" smtClean="0"/>
+              <a:t>ip</a:t>
+            </a:r>
+            <a:r>
+              <a:rPr lang="en-US" dirty="0" smtClean="0"/>
+              <a:t>]: </a:t>
+            </a:r>
+            <a:r>
+              <a:rPr lang="en-US" dirty="0"/>
+              <a:t>The IP of your cloud </a:t>
+            </a:r>
+            <a:r>
+              <a:rPr lang="en-US" dirty="0" smtClean="0"/>
+              <a:t>database</a:t>
+            </a:r>
+            <a:endParaRPr lang="en-US" dirty="0"/>
+          </a:p>
+          <a:p>
+            <a:pPr marL="0" indent="0">
+              <a:buNone/>
+            </a:pPr>
+            <a:r>
+              <a:rPr lang="en-US" dirty="0" smtClean="0"/>
+              <a:t>[user]: </a:t>
+            </a:r>
+            <a:r>
+              <a:rPr lang="en-US" dirty="0"/>
+              <a:t>The username you created for your cloud database </a:t>
+            </a:r>
+          </a:p>
+          <a:p>
+            <a:pPr marL="0" indent="0">
+              <a:buNone/>
+            </a:pPr>
+            <a:r>
+              <a:rPr lang="en-US" dirty="0" smtClean="0"/>
+              <a:t>[password]: </a:t>
+            </a:r>
+            <a:r>
+              <a:rPr lang="en-US" dirty="0"/>
+              <a:t>The password you created for your username</a:t>
+            </a:r>
+          </a:p>
+          <a:p>
+            <a:pPr marL="0" indent="0">
+              <a:buNone/>
+            </a:pPr>
+            <a:r>
+              <a:rPr lang="en-US" dirty="0" smtClean="0"/>
+              <a:t>[database]: </a:t>
+            </a:r>
+            <a:r>
+              <a:rPr lang="en-US" dirty="0"/>
+              <a:t>The database the data should be imported </a:t>
+            </a:r>
+            <a:r>
+              <a:rPr lang="en-US" dirty="0" smtClean="0"/>
+              <a:t>to</a:t>
+            </a:r>
+            <a:br>
+              <a:rPr lang="en-US" dirty="0" smtClean="0"/>
+            </a:br>
+            <a:r>
+              <a:rPr lang="en-US" dirty="0" smtClean="0"/>
+              <a:t>[</a:t>
+            </a:r>
+            <a:r>
+              <a:rPr lang="en-US" dirty="0" err="1" smtClean="0"/>
+              <a:t>file.sql</a:t>
+            </a:r>
+            <a:r>
+              <a:rPr lang="en-US" dirty="0" smtClean="0"/>
+              <a:t>]: </a:t>
+            </a:r>
+            <a:r>
+              <a:rPr lang="en-US" dirty="0"/>
+              <a:t>The name of the </a:t>
+            </a:r>
+            <a:r>
+              <a:rPr lang="en-US" dirty="0" err="1"/>
+              <a:t>sql</a:t>
+            </a:r>
+            <a:r>
+              <a:rPr lang="en-US" dirty="0"/>
+              <a:t> file to import</a:t>
+            </a:r>
             <a:endParaRPr lang="en-US" dirty="0"/>
           </a:p>
         </p:txBody>
@@ -14700,7 +12512,7 @@
           <a:p>
             <a:fld id="{7053BEFA-1175-F644-B249-7D41D72BD3FF}" type="datetime1">
               <a:rPr lang="en-US" smtClean="0"/>
-              <a:t>1/29/16</a:t>
+              <a:t>2/8/16</a:t>
             </a:fld>
             <a:endParaRPr lang="en-US"/>
           </a:p>
@@ -14748,153 +12560,16 @@
           </a:p>
         </p:txBody>
       </p:sp>
-      <p:sp>
-        <p:nvSpPr>
-          <p:cNvPr id="10" name="Cloud 9"/>
-          <p:cNvSpPr/>
-          <p:nvPr/>
-        </p:nvSpPr>
-        <p:spPr>
-          <a:xfrm>
-            <a:off x="465996" y="3386417"/>
-            <a:ext cx="1834533" cy="1428934"/>
-          </a:xfrm>
-          <a:prstGeom prst="cloud">
-            <a:avLst/>
-          </a:prstGeom>
-        </p:spPr>
-        <p:style>
-          <a:lnRef idx="2">
-            <a:schemeClr val="accent1">
-              <a:shade val="50000"/>
-            </a:schemeClr>
-          </a:lnRef>
-          <a:fillRef idx="1">
-            <a:schemeClr val="accent1"/>
-          </a:fillRef>
-          <a:effectRef idx="0">
-            <a:schemeClr val="accent1"/>
-          </a:effectRef>
-          <a:fontRef idx="minor">
-            <a:schemeClr val="lt1"/>
-          </a:fontRef>
-        </p:style>
-        <p:txBody>
-          <a:bodyPr rtlCol="0" anchor="ctr"/>
-          <a:lstStyle/>
-          <a:p>
-            <a:pPr algn="ctr"/>
-            <a:r>
-              <a:rPr lang="en-US" dirty="0" smtClean="0"/>
-              <a:t>Cloud Storage:</a:t>
-            </a:r>
-            <a:br>
-              <a:rPr lang="en-US" dirty="0" smtClean="0"/>
-            </a:br>
-            <a:r>
-              <a:rPr lang="en-US" dirty="0" smtClean="0"/>
-              <a:t>‘</a:t>
-            </a:r>
-            <a:r>
-              <a:rPr lang="en-US" dirty="0" err="1" smtClean="0"/>
-              <a:t>CloudIP</a:t>
-            </a:r>
-            <a:r>
-              <a:rPr lang="en-US" dirty="0" smtClean="0"/>
-              <a:t>’</a:t>
-            </a:r>
-            <a:endParaRPr lang="en-US" dirty="0"/>
-          </a:p>
-        </p:txBody>
-      </p:sp>
-      <p:sp>
-        <p:nvSpPr>
-          <p:cNvPr id="11" name="TextBox 10"/>
-          <p:cNvSpPr txBox="1"/>
-          <p:nvPr/>
-        </p:nvSpPr>
-        <p:spPr>
-          <a:xfrm>
-            <a:off x="6690991" y="5011816"/>
-            <a:ext cx="1816498" cy="923330"/>
-          </a:xfrm>
-          <a:prstGeom prst="rect">
-            <a:avLst/>
-          </a:prstGeom>
-          <a:noFill/>
-        </p:spPr>
-        <p:txBody>
-          <a:bodyPr wrap="none" rtlCol="0">
-            <a:spAutoFit/>
-          </a:bodyPr>
-          <a:lstStyle/>
-          <a:p>
-            <a:r>
-              <a:rPr lang="en-US" dirty="0" smtClean="0"/>
-              <a:t>Step 6: Install the </a:t>
-            </a:r>
-            <a:br>
-              <a:rPr lang="en-US" dirty="0" smtClean="0"/>
-            </a:br>
-            <a:r>
-              <a:rPr lang="en-US" dirty="0" smtClean="0"/>
-              <a:t>AWARE client on </a:t>
-            </a:r>
-            <a:br>
-              <a:rPr lang="en-US" dirty="0" smtClean="0"/>
-            </a:br>
-            <a:r>
-              <a:rPr lang="en-US" dirty="0" smtClean="0"/>
-              <a:t>your phone</a:t>
-            </a:r>
-            <a:endParaRPr lang="en-US" dirty="0"/>
-          </a:p>
-        </p:txBody>
-      </p:sp>
-      <p:pic>
-        <p:nvPicPr>
-          <p:cNvPr id="14" name="aware_tilt_right.png"/>
-          <p:cNvPicPr/>
-          <p:nvPr/>
-        </p:nvPicPr>
-        <p:blipFill>
-          <a:blip r:embed="rId3">
-            <a:extLst/>
-          </a:blip>
-          <a:stretch>
-            <a:fillRect/>
-          </a:stretch>
-        </p:blipFill>
-        <p:spPr>
-          <a:xfrm>
-            <a:off x="5219957" y="1500446"/>
-            <a:ext cx="5199040" cy="4135219"/>
-          </a:xfrm>
-          <a:prstGeom prst="rect">
-            <a:avLst/>
-          </a:prstGeom>
-          <a:ln w="12700">
-            <a:miter lim="400000"/>
-          </a:ln>
-        </p:spPr>
-      </p:pic>
     </p:spTree>
     <p:extLst>
       <p:ext uri="{BB962C8B-B14F-4D97-AF65-F5344CB8AC3E}">
-        <p14:creationId xmlns:p14="http://schemas.microsoft.com/office/powerpoint/2010/main" val="1295361490"/>
+        <p14:creationId xmlns:p14="http://schemas.microsoft.com/office/powerpoint/2010/main" val="4215904515"/>
       </p:ext>
     </p:extLst>
   </p:cSld>
   <p:clrMapOvr>
     <a:masterClrMapping/>
   </p:clrMapOvr>
-  <p:timing>
-    <p:tnLst>
-      <p:par>
-        <p:cTn xmlns:p14="http://schemas.microsoft.com/office/powerpoint/2010/main" id="1" dur="indefinite" restart="never" nodeType="tmRoot"/>
-      </p:par>
-    </p:tnLst>
-  </p:timing>
 </p:sld>
 </file>
 
@@ -14917,7 +12592,7 @@
       </p:grpSpPr>
       <p:sp>
         <p:nvSpPr>
-          <p:cNvPr id="128" name="Shape 128"/>
+          <p:cNvPr id="2" name="Title 1"/>
           <p:cNvSpPr>
             <a:spLocks noGrp="1"/>
           </p:cNvSpPr>
@@ -14925,77 +12600,120 @@
             <p:ph type="title"/>
           </p:nvPr>
         </p:nvSpPr>
-        <p:spPr>
-          <a:prstGeom prst="rect">
-            <a:avLst/>
-          </a:prstGeom>
-        </p:spPr>
-        <p:txBody>
-          <a:bodyPr/>
-          <a:lstStyle/>
-          <a:p>
-            <a:pPr lvl="0">
-              <a:defRPr sz="1800">
-                <a:solidFill>
-                  <a:srgbClr val="000000"/>
-                </a:solidFill>
-                <a:uFillTx/>
-              </a:defRPr>
-            </a:pPr>
-            <a:r>
-              <a:rPr sz="5100">
-                <a:solidFill>
-                  <a:srgbClr val="2BACE1"/>
-                </a:solidFill>
-                <a:uFill>
-                  <a:solidFill>
-                    <a:srgbClr val="004479"/>
-                  </a:solidFill>
-                </a:uFill>
-              </a:rPr>
-              <a:t>AWARE Client</a:t>
-            </a:r>
+        <p:spPr/>
+        <p:txBody>
+          <a:bodyPr/>
+          <a:lstStyle/>
+          <a:p>
+            <a:r>
+              <a:rPr lang="en-US" dirty="0" smtClean="0"/>
+              <a:t>Or use a GUI</a:t>
+            </a:r>
+            <a:endParaRPr lang="en-US" dirty="0"/>
           </a:p>
         </p:txBody>
       </p:sp>
       <p:pic>
         <p:nvPicPr>
-          <p:cNvPr id="129" name="figure_1.png"/>
-          <p:cNvPicPr/>
-          <p:nvPr/>
+          <p:cNvPr id="7" name="Content Placeholder 6"/>
+          <p:cNvPicPr>
+            <a:picLocks noGrp="1" noChangeAspect="1"/>
+          </p:cNvPicPr>
+          <p:nvPr>
+            <p:ph idx="1"/>
+          </p:nvPr>
         </p:nvPicPr>
         <p:blipFill>
-          <a:blip r:embed="rId2">
-            <a:extLst/>
-          </a:blip>
+          <a:blip r:embed="rId2"/>
+          <a:srcRect l="11405" r="11405"/>
           <a:stretch>
             <a:fillRect/>
           </a:stretch>
         </p:blipFill>
-        <p:spPr>
-          <a:xfrm>
-            <a:off x="1280478" y="1216833"/>
-            <a:ext cx="6583044" cy="4745401"/>
-          </a:xfrm>
-          <a:prstGeom prst="rect">
-            <a:avLst/>
-          </a:prstGeom>
-          <a:ln>
-            <a:round/>
-          </a:ln>
-        </p:spPr>
+        <p:spPr/>
       </p:pic>
+      <p:sp>
+        <p:nvSpPr>
+          <p:cNvPr id="4" name="Date Placeholder 3"/>
+          <p:cNvSpPr>
+            <a:spLocks noGrp="1"/>
+          </p:cNvSpPr>
+          <p:nvPr>
+            <p:ph type="dt" sz="half" idx="10"/>
+          </p:nvPr>
+        </p:nvSpPr>
+        <p:spPr/>
+        <p:txBody>
+          <a:bodyPr/>
+          <a:lstStyle/>
+          <a:p>
+            <a:fld id="{7053BEFA-1175-F644-B249-7D41D72BD3FF}" type="datetime1">
+              <a:rPr lang="en-US" smtClean="0"/>
+              <a:t>2/8/16</a:t>
+            </a:fld>
+            <a:endParaRPr lang="en-US"/>
+          </a:p>
+        </p:txBody>
+      </p:sp>
+      <p:sp>
+        <p:nvSpPr>
+          <p:cNvPr id="5" name="Footer Placeholder 4"/>
+          <p:cNvSpPr>
+            <a:spLocks noGrp="1"/>
+          </p:cNvSpPr>
+          <p:nvPr>
+            <p:ph type="ftr" sz="quarter" idx="11"/>
+          </p:nvPr>
+        </p:nvSpPr>
+        <p:spPr/>
+        <p:txBody>
+          <a:bodyPr/>
+          <a:lstStyle/>
+          <a:p>
+            <a:endParaRPr lang="en-US" dirty="0"/>
+          </a:p>
+        </p:txBody>
+      </p:sp>
+      <p:sp>
+        <p:nvSpPr>
+          <p:cNvPr id="6" name="Slide Number Placeholder 5"/>
+          <p:cNvSpPr>
+            <a:spLocks noGrp="1"/>
+          </p:cNvSpPr>
+          <p:nvPr>
+            <p:ph type="sldNum" sz="quarter" idx="12"/>
+          </p:nvPr>
+        </p:nvSpPr>
+        <p:spPr/>
+        <p:txBody>
+          <a:bodyPr/>
+          <a:lstStyle/>
+          <a:p>
+            <a:fld id="{17E276FA-8F89-B34D-A726-BE3FA1F8DD97}" type="slidenum">
+              <a:rPr lang="en-US" smtClean="0"/>
+              <a:t>9</a:t>
+            </a:fld>
+            <a:endParaRPr lang="en-US" dirty="0"/>
+          </a:p>
+        </p:txBody>
+      </p:sp>
     </p:spTree>
     <p:extLst>
       <p:ext uri="{BB962C8B-B14F-4D97-AF65-F5344CB8AC3E}">
-        <p14:creationId xmlns:p14="http://schemas.microsoft.com/office/powerpoint/2010/main" val="2353344368"/>
+        <p14:creationId xmlns:p14="http://schemas.microsoft.com/office/powerpoint/2010/main" val="2828713714"/>
       </p:ext>
     </p:extLst>
   </p:cSld>
   <p:clrMapOvr>
     <a:masterClrMapping/>
   </p:clrMapOvr>
-  <p:transition xmlns:p14="http://schemas.microsoft.com/office/powerpoint/2010/main" spd="med"/>
+  <p:timing>
+    <p:tnLst>
+      <p:par>
+        <p:cTn xmlns:p14="http://schemas.microsoft.com/office/powerpoint/2010/main" id="1" dur="indefinite" restart="never" nodeType="tmRoot"/>
+      </p:par>
+    </p:tnLst>
+  </p:timing>
 </p:sld>
 </file>
 
